--- a/MachineLearning_Submit/ML_Khek_V1.pptx
+++ b/MachineLearning_Submit/ML_Khek_V1.pptx
@@ -5,7 +5,7 @@
     <p:sldMasterId id="2147483960" r:id="rId1"/>
   </p:sldMasterIdLst>
   <p:notesMasterIdLst>
-    <p:notesMasterId r:id="rId27"/>
+    <p:notesMasterId r:id="rId34"/>
   </p:notesMasterIdLst>
   <p:sldIdLst>
     <p:sldId id="256" r:id="rId2"/>
@@ -13,26 +13,33 @@
     <p:sldId id="261" r:id="rId4"/>
     <p:sldId id="259" r:id="rId5"/>
     <p:sldId id="258" r:id="rId6"/>
-    <p:sldId id="257" r:id="rId7"/>
-    <p:sldId id="262" r:id="rId8"/>
-    <p:sldId id="263" r:id="rId9"/>
-    <p:sldId id="264" r:id="rId10"/>
-    <p:sldId id="265" r:id="rId11"/>
-    <p:sldId id="266" r:id="rId12"/>
-    <p:sldId id="267" r:id="rId13"/>
-    <p:sldId id="268" r:id="rId14"/>
-    <p:sldId id="269" r:id="rId15"/>
-    <p:sldId id="271" r:id="rId16"/>
-    <p:sldId id="270" r:id="rId17"/>
-    <p:sldId id="272" r:id="rId18"/>
-    <p:sldId id="273" r:id="rId19"/>
-    <p:sldId id="275" r:id="rId20"/>
-    <p:sldId id="278" r:id="rId21"/>
-    <p:sldId id="274" r:id="rId22"/>
-    <p:sldId id="277" r:id="rId23"/>
-    <p:sldId id="276" r:id="rId24"/>
-    <p:sldId id="279" r:id="rId25"/>
-    <p:sldId id="280" r:id="rId26"/>
+    <p:sldId id="281" r:id="rId7"/>
+    <p:sldId id="257" r:id="rId8"/>
+    <p:sldId id="284" r:id="rId9"/>
+    <p:sldId id="286" r:id="rId10"/>
+    <p:sldId id="285" r:id="rId11"/>
+    <p:sldId id="262" r:id="rId12"/>
+    <p:sldId id="263" r:id="rId13"/>
+    <p:sldId id="264" r:id="rId14"/>
+    <p:sldId id="265" r:id="rId15"/>
+    <p:sldId id="266" r:id="rId16"/>
+    <p:sldId id="267" r:id="rId17"/>
+    <p:sldId id="268" r:id="rId18"/>
+    <p:sldId id="269" r:id="rId19"/>
+    <p:sldId id="271" r:id="rId20"/>
+    <p:sldId id="270" r:id="rId21"/>
+    <p:sldId id="272" r:id="rId22"/>
+    <p:sldId id="273" r:id="rId23"/>
+    <p:sldId id="278" r:id="rId24"/>
+    <p:sldId id="275" r:id="rId25"/>
+    <p:sldId id="274" r:id="rId26"/>
+    <p:sldId id="277" r:id="rId27"/>
+    <p:sldId id="276" r:id="rId28"/>
+    <p:sldId id="289" r:id="rId29"/>
+    <p:sldId id="287" r:id="rId30"/>
+    <p:sldId id="290" r:id="rId31"/>
+    <p:sldId id="279" r:id="rId32"/>
+    <p:sldId id="280" r:id="rId33"/>
   </p:sldIdLst>
   <p:sldSz cx="9144000" cy="6858000" type="screen4x3"/>
   <p:notesSz cx="6858000" cy="9144000"/>
@@ -216,7 +223,7 @@
           <a:p>
             <a:fld id="{FFAE799E-297E-4E45-AFC0-B0F9E9AC81D0}" type="datetimeFigureOut">
               <a:rPr lang="en-US" smtClean="0"/>
-              <a:t>12/12/2018</a:t>
+              <a:t>12/17/2018</a:t>
             </a:fld>
             <a:endParaRPr lang="en-US"/>
           </a:p>
@@ -721,7 +728,7 @@
           <a:p>
             <a:fld id="{EBD0F6B7-5A1B-4598-872F-E111BB427BD2}" type="datetime2">
               <a:rPr lang="en-US" smtClean="0"/>
-              <a:t>Wednesday, December 12, 2018</a:t>
+              <a:t>Monday, December 17, 2018</a:t>
             </a:fld>
             <a:endParaRPr lang="en-US" dirty="0"/>
           </a:p>
@@ -896,7 +903,7 @@
           <a:p>
             <a:fld id="{8EA5A9E3-9C7F-43EB-B9A3-28A249998701}" type="datetime2">
               <a:rPr lang="en-US" smtClean="0"/>
-              <a:t>Wednesday, December 12, 2018</a:t>
+              <a:t>Monday, December 17, 2018</a:t>
             </a:fld>
             <a:endParaRPr lang="en-US"/>
           </a:p>
@@ -1076,7 +1083,7 @@
           <a:p>
             <a:fld id="{52B77111-51ED-4538-A585-F0254AA49C2D}" type="datetime2">
               <a:rPr lang="en-US" smtClean="0"/>
-              <a:t>Wednesday, December 12, 2018</a:t>
+              <a:t>Monday, December 17, 2018</a:t>
             </a:fld>
             <a:endParaRPr lang="en-US"/>
           </a:p>
@@ -1246,7 +1253,7 @@
           <a:p>
             <a:fld id="{86272B70-7F64-4F73-8F20-BB9EC051EBD1}" type="datetime2">
               <a:rPr lang="en-US" smtClean="0"/>
-              <a:t>Wednesday, December 12, 2018</a:t>
+              <a:t>Monday, December 17, 2018</a:t>
             </a:fld>
             <a:endParaRPr lang="en-US" dirty="0"/>
           </a:p>
@@ -1508,7 +1515,7 @@
           <a:p>
             <a:fld id="{E3C8A2D6-A616-4504-925B-170393655917}" type="datetime2">
               <a:rPr lang="en-US" smtClean="0"/>
-              <a:t>Wednesday, December 12, 2018</a:t>
+              <a:t>Monday, December 17, 2018</a:t>
             </a:fld>
             <a:endParaRPr lang="en-US" dirty="0"/>
           </a:p>
@@ -1653,7 +1660,7 @@
           <a:p>
             <a:fld id="{AEFE14B3-72F2-48BC-8795-F9F4D54F73D2}" type="datetime2">
               <a:rPr lang="en-US" smtClean="0"/>
-              <a:t>Wednesday, December 12, 2018</a:t>
+              <a:t>Monday, December 17, 2018</a:t>
             </a:fld>
             <a:endParaRPr lang="en-US" dirty="0"/>
           </a:p>
@@ -2308,7 +2315,7 @@
           <a:p>
             <a:fld id="{120B66E9-25FE-49B0-839A-1384D84E47D7}" type="datetime2">
               <a:rPr lang="en-US" smtClean="0"/>
-              <a:t>Wednesday, December 12, 2018</a:t>
+              <a:t>Monday, December 17, 2018</a:t>
             </a:fld>
             <a:endParaRPr lang="en-US" dirty="0"/>
           </a:p>
@@ -2426,7 +2433,7 @@
           <a:p>
             <a:fld id="{6F48157B-B7DC-45FA-84F4-E4A4A3C948C5}" type="datetime2">
               <a:rPr lang="en-US" smtClean="0"/>
-              <a:t>Wednesday, December 12, 2018</a:t>
+              <a:t>Monday, December 17, 2018</a:t>
             </a:fld>
             <a:endParaRPr lang="en-US" dirty="0"/>
           </a:p>
@@ -2521,7 +2528,7 @@
           <a:p>
             <a:fld id="{7FF3D070-AA9D-490D-87A7-17790AE759B9}" type="datetime2">
               <a:rPr lang="en-US" smtClean="0"/>
-              <a:t>Wednesday, December 12, 2018</a:t>
+              <a:t>Monday, December 17, 2018</a:t>
             </a:fld>
             <a:endParaRPr lang="en-US" dirty="0"/>
           </a:p>
@@ -2816,7 +2823,7 @@
           <a:p>
             <a:fld id="{1FC8479A-DC40-41BF-965B-89F157BD43A1}" type="datetime2">
               <a:rPr lang="en-US" smtClean="0"/>
-              <a:t>Wednesday, December 12, 2018</a:t>
+              <a:t>Monday, December 17, 2018</a:t>
             </a:fld>
             <a:endParaRPr lang="en-US" dirty="0"/>
           </a:p>
@@ -3144,7 +3151,7 @@
           <a:p>
             <a:fld id="{80EAE8E4-1EF2-4C47-84B4-65A77011E442}" type="datetime2">
               <a:rPr lang="en-US" smtClean="0"/>
-              <a:t>Wednesday, December 12, 2018</a:t>
+              <a:t>Monday, December 17, 2018</a:t>
             </a:fld>
             <a:endParaRPr lang="en-US" dirty="0"/>
           </a:p>
@@ -3606,7 +3613,7 @@
           <a:p>
             <a:fld id="{54088094-AFEC-4C52-89CE-853F28B7B7E8}" type="datetime2">
               <a:rPr lang="en-US" smtClean="0"/>
-              <a:t>Wednesday, December 12, 2018</a:t>
+              <a:t>Monday, December 17, 2018</a:t>
             </a:fld>
             <a:endParaRPr lang="en-US" dirty="0"/>
           </a:p>
@@ -4213,7 +4220,7 @@
           <a:p>
             <a:fld id="{6CEC1C1E-4A83-4085-AA6B-8CE2A254CA0F}" type="datetime2">
               <a:rPr lang="en-US" smtClean="0"/>
-              <a:t>Wednesday, December 12, 2018</a:t>
+              <a:t>Monday, December 17, 2018</a:t>
             </a:fld>
             <a:endParaRPr lang="en-US" dirty="0"/>
           </a:p>
@@ -4315,264 +4322,6 @@
           <a:chExt cx="0" cy="0"/>
         </a:xfrm>
       </p:grpSpPr>
-      <p:graphicFrame>
-        <p:nvGraphicFramePr>
-          <p:cNvPr id="7" name="Content Placeholder 6"/>
-          <p:cNvGraphicFramePr>
-            <a:graphicFrameLocks noGrp="1"/>
-          </p:cNvGraphicFramePr>
-          <p:nvPr>
-            <p:ph idx="1"/>
-            <p:extLst>
-              <p:ext uri="{D42A27DB-BD31-4B8C-83A1-F6EECF244321}">
-                <p14:modId xmlns:p14="http://schemas.microsoft.com/office/powerpoint/2010/main" val="1110123157"/>
-              </p:ext>
-            </p:extLst>
-          </p:nvPr>
-        </p:nvGraphicFramePr>
-        <p:xfrm>
-          <a:off x="1187624" y="692696"/>
-          <a:ext cx="6096000" cy="3108960"/>
-        </p:xfrm>
-        <a:graphic>
-          <a:graphicData uri="http://schemas.openxmlformats.org/drawingml/2006/table">
-            <a:tbl>
-              <a:tblPr firstRow="1" bandRow="1">
-                <a:tableStyleId>{5C22544A-7EE6-4342-B048-85BDC9FD1C3A}</a:tableStyleId>
-              </a:tblPr>
-              <a:tblGrid>
-                <a:gridCol w="1368152"/>
-                <a:gridCol w="1440160"/>
-                <a:gridCol w="3287688"/>
-              </a:tblGrid>
-              <a:tr h="291936">
-                <a:tc>
-                  <a:txBody>
-                    <a:bodyPr/>
-                    <a:lstStyle/>
-                    <a:p>
-                      <a:r>
-                        <a:rPr lang="en-US" dirty="0" smtClean="0"/>
-                        <a:t>New Columns</a:t>
-                      </a:r>
-                      <a:endParaRPr lang="en-US" dirty="0"/>
-                    </a:p>
-                  </a:txBody>
-                  <a:tcPr/>
-                </a:tc>
-                <a:tc>
-                  <a:txBody>
-                    <a:bodyPr/>
-                    <a:lstStyle/>
-                    <a:p>
-                      <a:r>
-                        <a:rPr lang="en-US" dirty="0" smtClean="0"/>
-                        <a:t>Full Name of Columns</a:t>
-                      </a:r>
-                      <a:endParaRPr lang="en-US" dirty="0"/>
-                    </a:p>
-                  </a:txBody>
-                  <a:tcPr/>
-                </a:tc>
-                <a:tc>
-                  <a:txBody>
-                    <a:bodyPr/>
-                    <a:lstStyle/>
-                    <a:p>
-                      <a:r>
-                        <a:rPr lang="en-US" dirty="0" smtClean="0"/>
-                        <a:t>Note</a:t>
-                      </a:r>
-                      <a:endParaRPr lang="en-US" dirty="0"/>
-                    </a:p>
-                  </a:txBody>
-                  <a:tcPr/>
-                </a:tc>
-              </a:tr>
-              <a:tr h="370840">
-                <a:tc>
-                  <a:txBody>
-                    <a:bodyPr/>
-                    <a:lstStyle/>
-                    <a:p>
-                      <a:r>
-                        <a:rPr lang="en-US" dirty="0" err="1" smtClean="0"/>
-                        <a:t>edu_cat</a:t>
-                      </a:r>
-                      <a:endParaRPr lang="en-US" dirty="0"/>
-                    </a:p>
-                  </a:txBody>
-                  <a:tcPr/>
-                </a:tc>
-                <a:tc>
-                  <a:txBody>
-                    <a:bodyPr/>
-                    <a:lstStyle/>
-                    <a:p>
-                      <a:r>
-                        <a:rPr lang="en-US" dirty="0" smtClean="0"/>
-                        <a:t>Education Category</a:t>
-                      </a:r>
-                      <a:endParaRPr lang="en-US" dirty="0"/>
-                    </a:p>
-                  </a:txBody>
-                  <a:tcPr/>
-                </a:tc>
-                <a:tc>
-                  <a:txBody>
-                    <a:bodyPr/>
-                    <a:lstStyle/>
-                    <a:p>
-                      <a:r>
-                        <a:rPr lang="en-US" dirty="0" smtClean="0"/>
-                        <a:t>Categorization of Education</a:t>
-                      </a:r>
-                      <a:r>
-                        <a:rPr lang="en-US" baseline="0" dirty="0" smtClean="0"/>
-                        <a:t> level of users</a:t>
-                      </a:r>
-                      <a:endParaRPr lang="en-US" dirty="0"/>
-                    </a:p>
-                  </a:txBody>
-                  <a:tcPr/>
-                </a:tc>
-              </a:tr>
-              <a:tr h="370840">
-                <a:tc>
-                  <a:txBody>
-                    <a:bodyPr/>
-                    <a:lstStyle/>
-                    <a:p>
-                      <a:r>
-                        <a:rPr lang="en-US" dirty="0" err="1" smtClean="0"/>
-                        <a:t>job_cat</a:t>
-                      </a:r>
-                      <a:endParaRPr lang="en-US" dirty="0"/>
-                    </a:p>
-                  </a:txBody>
-                  <a:tcPr/>
-                </a:tc>
-                <a:tc>
-                  <a:txBody>
-                    <a:bodyPr/>
-                    <a:lstStyle/>
-                    <a:p>
-                      <a:r>
-                        <a:rPr lang="en-US" dirty="0" smtClean="0"/>
-                        <a:t>Job Category</a:t>
-                      </a:r>
-                      <a:endParaRPr lang="en-US" dirty="0"/>
-                    </a:p>
-                  </a:txBody>
-                  <a:tcPr/>
-                </a:tc>
-                <a:tc>
-                  <a:txBody>
-                    <a:bodyPr/>
-                    <a:lstStyle/>
-                    <a:p>
-                      <a:pPr marL="0" marR="0" indent="0" algn="l" defTabSz="914400" rtl="0" eaLnBrk="1" fontAlgn="auto" latinLnBrk="0" hangingPunct="1">
-                        <a:lnSpc>
-                          <a:spcPct val="100000"/>
-                        </a:lnSpc>
-                        <a:spcBef>
-                          <a:spcPts val="0"/>
-                        </a:spcBef>
-                        <a:spcAft>
-                          <a:spcPts val="0"/>
-                        </a:spcAft>
-                        <a:buClrTx/>
-                        <a:buSzTx/>
-                        <a:buFontTx/>
-                        <a:buNone/>
-                        <a:tabLst/>
-                        <a:defRPr/>
-                      </a:pPr>
-                      <a:r>
-                        <a:rPr lang="en-US" dirty="0" smtClean="0"/>
-                        <a:t>Categorization of Job type based on whether it is STEM or not. (We believe STEM job type is of higher value)</a:t>
-                      </a:r>
-                    </a:p>
-                  </a:txBody>
-                  <a:tcPr/>
-                </a:tc>
-              </a:tr>
-              <a:tr h="370840">
-                <a:tc>
-                  <a:txBody>
-                    <a:bodyPr/>
-                    <a:lstStyle/>
-                    <a:p>
-                      <a:pPr marL="0" marR="0" indent="0" algn="l" defTabSz="914400" rtl="0" eaLnBrk="1" fontAlgn="auto" latinLnBrk="0" hangingPunct="1">
-                        <a:lnSpc>
-                          <a:spcPct val="100000"/>
-                        </a:lnSpc>
-                        <a:spcBef>
-                          <a:spcPts val="0"/>
-                        </a:spcBef>
-                        <a:spcAft>
-                          <a:spcPts val="0"/>
-                        </a:spcAft>
-                        <a:buClrTx/>
-                        <a:buSzTx/>
-                        <a:buFontTx/>
-                        <a:buNone/>
-                        <a:tabLst/>
-                        <a:defRPr/>
-                      </a:pPr>
-                      <a:r>
-                        <a:rPr lang="en-US" dirty="0" err="1" smtClean="0"/>
-                        <a:t>income_cat</a:t>
-                      </a:r>
-                      <a:endParaRPr lang="en-US" dirty="0" smtClean="0"/>
-                    </a:p>
-                    <a:p>
-                      <a:endParaRPr lang="en-US" dirty="0"/>
-                    </a:p>
-                  </a:txBody>
-                  <a:tcPr/>
-                </a:tc>
-                <a:tc>
-                  <a:txBody>
-                    <a:bodyPr/>
-                    <a:lstStyle/>
-                    <a:p>
-                      <a:r>
-                        <a:rPr lang="en-US" dirty="0" smtClean="0"/>
-                        <a:t>Income Category</a:t>
-                      </a:r>
-                      <a:endParaRPr lang="en-US" dirty="0"/>
-                    </a:p>
-                  </a:txBody>
-                  <a:tcPr/>
-                </a:tc>
-                <a:tc>
-                  <a:txBody>
-                    <a:bodyPr/>
-                    <a:lstStyle/>
-                    <a:p>
-                      <a:r>
-                        <a:rPr lang="en-US" dirty="0" smtClean="0"/>
-                        <a:t>Categorization of Income based on </a:t>
-                      </a:r>
-                      <a:r>
-                        <a:rPr lang="en-US" sz="1800" dirty="0" smtClean="0"/>
-                        <a:t>Pew</a:t>
-                      </a:r>
-                      <a:r>
-                        <a:rPr lang="en-US" sz="1800" baseline="0" dirty="0" smtClean="0"/>
-                        <a:t> Research</a:t>
-                      </a:r>
-                      <a:endParaRPr lang="en-US" dirty="0"/>
-                    </a:p>
-                  </a:txBody>
-                  <a:tcPr/>
-                </a:tc>
-              </a:tr>
-            </a:tbl>
-          </a:graphicData>
-        </a:graphic>
-      </p:graphicFrame>
       <p:sp>
         <p:nvSpPr>
           <p:cNvPr id="3" name="Title 2"/>
@@ -4589,18 +4338,18 @@
           <a:lstStyle/>
           <a:p>
             <a:r>
-              <a:rPr lang="en-US" dirty="0">
-                <a:effectLst/>
-              </a:rPr>
-              <a:t>Definition of New </a:t>
-            </a:r>
-            <a:r>
-              <a:rPr lang="en-US" dirty="0" smtClean="0">
-                <a:effectLst/>
-              </a:rPr>
-              <a:t>Columns</a:t>
-            </a:r>
-            <a:endParaRPr lang="en-US" dirty="0"/>
+              <a:rPr lang="en-US" sz="4000" dirty="0" smtClean="0"/>
+              <a:t>Income Groups (for </a:t>
+            </a:r>
+            <a:r>
+              <a:rPr lang="en-US" sz="4000" dirty="0" smtClean="0"/>
+              <a:t>selected data</a:t>
+            </a:r>
+            <a:r>
+              <a:rPr lang="en-US" sz="4000" dirty="0" smtClean="0"/>
+              <a:t>)</a:t>
+            </a:r>
+            <a:endParaRPr lang="en-US" sz="4000" dirty="0"/>
           </a:p>
         </p:txBody>
       </p:sp>
@@ -4619,9 +4368,9 @@
           <a:bodyPr/>
           <a:lstStyle/>
           <a:p>
-            <a:fld id="{86272B70-7F64-4F73-8F20-BB9EC051EBD1}" type="datetime2">
-              <a:rPr lang="en-US" smtClean="0"/>
-              <a:t>Wednesday, December 12, 2018</a:t>
+            <a:fld id="{12F54165-306C-4C81-8F4A-7A24D8A03570}" type="datetime2">
+              <a:rPr lang="en-US" smtClean="0"/>
+              <a:t>Monday, December 17, 2018</a:t>
             </a:fld>
             <a:endParaRPr lang="en-US" dirty="0"/>
           </a:p>
@@ -4674,10 +4423,85 @@
           </a:p>
         </p:txBody>
       </p:sp>
+      <p:sp>
+        <p:nvSpPr>
+          <p:cNvPr id="8" name="TextBox 7"/>
+          <p:cNvSpPr txBox="1"/>
+          <p:nvPr/>
+        </p:nvSpPr>
+        <p:spPr>
+          <a:xfrm>
+            <a:off x="6208123" y="1772816"/>
+            <a:ext cx="2635658" cy="923330"/>
+          </a:xfrm>
+          <a:prstGeom prst="rect">
+            <a:avLst/>
+          </a:prstGeom>
+          <a:noFill/>
+        </p:spPr>
+        <p:txBody>
+          <a:bodyPr wrap="none" rtlCol="0">
+            <a:spAutoFit/>
+          </a:bodyPr>
+          <a:lstStyle/>
+          <a:p>
+            <a:r>
+              <a:rPr lang="en-US" dirty="0" smtClean="0"/>
+              <a:t>Income Category of</a:t>
+            </a:r>
+          </a:p>
+          <a:p>
+            <a:r>
+              <a:rPr lang="en-US" dirty="0"/>
+              <a:t>s</a:t>
+            </a:r>
+            <a:r>
+              <a:rPr lang="en-US" dirty="0" smtClean="0"/>
+              <a:t>elected data (all entries</a:t>
+            </a:r>
+          </a:p>
+          <a:p>
+            <a:r>
+              <a:rPr lang="en-US" dirty="0" smtClean="0"/>
+              <a:t>Without N/A income)</a:t>
+            </a:r>
+            <a:endParaRPr lang="en-US" dirty="0"/>
+          </a:p>
+        </p:txBody>
+      </p:sp>
+      <p:pic>
+        <p:nvPicPr>
+          <p:cNvPr id="7" name="Content Placeholder 6"/>
+          <p:cNvPicPr>
+            <a:picLocks noGrp="1" noChangeAspect="1"/>
+          </p:cNvPicPr>
+          <p:nvPr>
+            <p:ph idx="1"/>
+          </p:nvPr>
+        </p:nvPicPr>
+        <p:blipFill>
+          <a:blip r:embed="rId2">
+            <a:extLst>
+              <a:ext uri="{28A0092B-C50C-407E-A947-70E740481C1C}">
+                <a14:useLocalDpi xmlns:a14="http://schemas.microsoft.com/office/drawing/2010/main" val="0"/>
+              </a:ext>
+            </a:extLst>
+          </a:blip>
+          <a:stretch>
+            <a:fillRect/>
+          </a:stretch>
+        </p:blipFill>
+        <p:spPr>
+          <a:xfrm>
+            <a:off x="827584" y="1006661"/>
+            <a:ext cx="5055752" cy="3378970"/>
+          </a:xfrm>
+        </p:spPr>
+      </p:pic>
     </p:spTree>
     <p:extLst>
       <p:ext uri="{BB962C8B-B14F-4D97-AF65-F5344CB8AC3E}">
-        <p14:creationId xmlns:p14="http://schemas.microsoft.com/office/powerpoint/2010/main" val="2075225378"/>
+        <p14:creationId xmlns:p14="http://schemas.microsoft.com/office/powerpoint/2010/main" val="423010936"/>
       </p:ext>
     </p:extLst>
   </p:cSld>
@@ -4704,6 +4528,1213 @@
           <a:chExt cx="0" cy="0"/>
         </a:xfrm>
       </p:grpSpPr>
+      <p:graphicFrame>
+        <p:nvGraphicFramePr>
+          <p:cNvPr id="7" name="Content Placeholder 6"/>
+          <p:cNvGraphicFramePr>
+            <a:graphicFrameLocks noGrp="1"/>
+          </p:cNvGraphicFramePr>
+          <p:nvPr>
+            <p:ph idx="1"/>
+            <p:extLst>
+              <p:ext uri="{D42A27DB-BD31-4B8C-83A1-F6EECF244321}">
+                <p14:modId xmlns:p14="http://schemas.microsoft.com/office/powerpoint/2010/main" val="1018670774"/>
+              </p:ext>
+            </p:extLst>
+          </p:nvPr>
+        </p:nvGraphicFramePr>
+        <p:xfrm>
+          <a:off x="1043608" y="1268760"/>
+          <a:ext cx="6552729" cy="1970652"/>
+        </p:xfrm>
+        <a:graphic>
+          <a:graphicData uri="http://schemas.openxmlformats.org/drawingml/2006/table">
+            <a:tbl>
+              <a:tblPr firstRow="1" bandRow="1">
+                <a:tableStyleId>{5C22544A-7EE6-4342-B048-85BDC9FD1C3A}</a:tableStyleId>
+              </a:tblPr>
+              <a:tblGrid>
+                <a:gridCol w="938456"/>
+                <a:gridCol w="1365800"/>
+                <a:gridCol w="1080120"/>
+                <a:gridCol w="3168353"/>
+              </a:tblGrid>
+              <a:tr h="317686">
+                <a:tc>
+                  <a:txBody>
+                    <a:bodyPr/>
+                    <a:lstStyle/>
+                    <a:p>
+                      <a:r>
+                        <a:rPr lang="en-US" sz="1100" dirty="0" smtClean="0"/>
+                        <a:t>Income Group</a:t>
+                      </a:r>
+                      <a:endParaRPr lang="en-US" sz="1100" dirty="0"/>
+                    </a:p>
+                  </a:txBody>
+                  <a:tcPr/>
+                </a:tc>
+                <a:tc>
+                  <a:txBody>
+                    <a:bodyPr/>
+                    <a:lstStyle/>
+                    <a:p>
+                      <a:r>
+                        <a:rPr lang="en-US" sz="1100" dirty="0" smtClean="0"/>
+                        <a:t>Range</a:t>
+                      </a:r>
+                      <a:endParaRPr lang="en-US" sz="1100" dirty="0"/>
+                    </a:p>
+                  </a:txBody>
+                  <a:tcPr/>
+                </a:tc>
+                <a:tc>
+                  <a:txBody>
+                    <a:bodyPr/>
+                    <a:lstStyle/>
+                    <a:p>
+                      <a:r>
+                        <a:rPr lang="en-US" sz="1100" dirty="0" smtClean="0"/>
+                        <a:t>Value</a:t>
+                      </a:r>
+                      <a:endParaRPr lang="en-US" sz="1100" dirty="0"/>
+                    </a:p>
+                  </a:txBody>
+                  <a:tcPr/>
+                </a:tc>
+                <a:tc>
+                  <a:txBody>
+                    <a:bodyPr/>
+                    <a:lstStyle/>
+                    <a:p>
+                      <a:r>
+                        <a:rPr lang="en-US" sz="1100" dirty="0" smtClean="0"/>
+                        <a:t>Note</a:t>
+                      </a:r>
+                      <a:endParaRPr lang="en-US" sz="1100" dirty="0"/>
+                    </a:p>
+                  </a:txBody>
+                  <a:tcPr/>
+                </a:tc>
+              </a:tr>
+              <a:tr h="514644">
+                <a:tc>
+                  <a:txBody>
+                    <a:bodyPr/>
+                    <a:lstStyle/>
+                    <a:p>
+                      <a:r>
+                        <a:rPr lang="en-US" sz="1100" dirty="0" smtClean="0"/>
+                        <a:t>Low Income</a:t>
+                      </a:r>
+                      <a:endParaRPr lang="en-US" sz="1100" dirty="0"/>
+                    </a:p>
+                  </a:txBody>
+                  <a:tcPr/>
+                </a:tc>
+                <a:tc>
+                  <a:txBody>
+                    <a:bodyPr/>
+                    <a:lstStyle/>
+                    <a:p>
+                      <a:r>
+                        <a:rPr lang="en-US" sz="1100" dirty="0" smtClean="0"/>
+                        <a:t>0 – 45 000</a:t>
+                      </a:r>
+                      <a:endParaRPr lang="en-US" sz="1100" dirty="0"/>
+                    </a:p>
+                  </a:txBody>
+                  <a:tcPr/>
+                </a:tc>
+                <a:tc>
+                  <a:txBody>
+                    <a:bodyPr/>
+                    <a:lstStyle/>
+                    <a:p>
+                      <a:r>
+                        <a:rPr lang="en-US" sz="1100" dirty="0" smtClean="0"/>
+                        <a:t>2</a:t>
+                      </a:r>
+                      <a:endParaRPr lang="en-US" sz="1100" dirty="0"/>
+                    </a:p>
+                  </a:txBody>
+                  <a:tcPr/>
+                </a:tc>
+                <a:tc>
+                  <a:txBody>
+                    <a:bodyPr/>
+                    <a:lstStyle/>
+                    <a:p>
+                      <a:r>
+                        <a:rPr lang="en-US" sz="1100" dirty="0" smtClean="0"/>
+                        <a:t>Referring to links* referenced below</a:t>
+                      </a:r>
+                      <a:endParaRPr lang="en-US" sz="1100" dirty="0"/>
+                    </a:p>
+                  </a:txBody>
+                  <a:tcPr/>
+                </a:tc>
+              </a:tr>
+              <a:tr h="514644">
+                <a:tc>
+                  <a:txBody>
+                    <a:bodyPr/>
+                    <a:lstStyle/>
+                    <a:p>
+                      <a:r>
+                        <a:rPr lang="en-US" sz="1100" dirty="0" smtClean="0"/>
+                        <a:t>Mid Income</a:t>
+                      </a:r>
+                      <a:endParaRPr lang="en-US" sz="1100" dirty="0"/>
+                    </a:p>
+                  </a:txBody>
+                  <a:tcPr/>
+                </a:tc>
+                <a:tc>
+                  <a:txBody>
+                    <a:bodyPr/>
+                    <a:lstStyle/>
+                    <a:p>
+                      <a:r>
+                        <a:rPr lang="en-US" sz="1100" dirty="0" smtClean="0"/>
+                        <a:t>45 000 – 135 000</a:t>
+                      </a:r>
+                      <a:endParaRPr lang="en-US" sz="1100" dirty="0"/>
+                    </a:p>
+                  </a:txBody>
+                  <a:tcPr/>
+                </a:tc>
+                <a:tc>
+                  <a:txBody>
+                    <a:bodyPr/>
+                    <a:lstStyle/>
+                    <a:p>
+                      <a:r>
+                        <a:rPr lang="en-US" sz="1100" dirty="0" smtClean="0"/>
+                        <a:t>3</a:t>
+                      </a:r>
+                      <a:endParaRPr lang="en-US" sz="1100" dirty="0"/>
+                    </a:p>
+                  </a:txBody>
+                  <a:tcPr/>
+                </a:tc>
+                <a:tc>
+                  <a:txBody>
+                    <a:bodyPr/>
+                    <a:lstStyle/>
+                    <a:p>
+                      <a:pPr marL="0" marR="0" indent="0" algn="l" defTabSz="914400" rtl="0" eaLnBrk="1" fontAlgn="auto" latinLnBrk="0" hangingPunct="1">
+                        <a:lnSpc>
+                          <a:spcPct val="100000"/>
+                        </a:lnSpc>
+                        <a:spcBef>
+                          <a:spcPts val="0"/>
+                        </a:spcBef>
+                        <a:spcAft>
+                          <a:spcPts val="0"/>
+                        </a:spcAft>
+                        <a:buClrTx/>
+                        <a:buSzTx/>
+                        <a:buFontTx/>
+                        <a:buNone/>
+                        <a:tabLst/>
+                        <a:defRPr/>
+                      </a:pPr>
+                      <a:r>
+                        <a:rPr lang="en-US" sz="1100" dirty="0" smtClean="0"/>
+                        <a:t>Referring to links* referenced below</a:t>
+                      </a:r>
+                    </a:p>
+                    <a:p>
+                      <a:endParaRPr lang="en-US" sz="1100" dirty="0"/>
+                    </a:p>
+                  </a:txBody>
+                  <a:tcPr/>
+                </a:tc>
+              </a:tr>
+              <a:tr h="514644">
+                <a:tc>
+                  <a:txBody>
+                    <a:bodyPr/>
+                    <a:lstStyle/>
+                    <a:p>
+                      <a:r>
+                        <a:rPr lang="en-US" sz="1100" dirty="0" smtClean="0"/>
+                        <a:t>High Income</a:t>
+                      </a:r>
+                      <a:endParaRPr lang="en-US" sz="1100" dirty="0"/>
+                    </a:p>
+                  </a:txBody>
+                  <a:tcPr/>
+                </a:tc>
+                <a:tc>
+                  <a:txBody>
+                    <a:bodyPr/>
+                    <a:lstStyle/>
+                    <a:p>
+                      <a:r>
+                        <a:rPr lang="en-US" sz="1100" dirty="0" smtClean="0"/>
+                        <a:t>135 000 - Above</a:t>
+                      </a:r>
+                      <a:endParaRPr lang="en-US" sz="1100" dirty="0"/>
+                    </a:p>
+                  </a:txBody>
+                  <a:tcPr/>
+                </a:tc>
+                <a:tc>
+                  <a:txBody>
+                    <a:bodyPr/>
+                    <a:lstStyle/>
+                    <a:p>
+                      <a:r>
+                        <a:rPr lang="en-US" sz="1100" dirty="0" smtClean="0"/>
+                        <a:t>4</a:t>
+                      </a:r>
+                      <a:endParaRPr lang="en-US" sz="1100" dirty="0"/>
+                    </a:p>
+                  </a:txBody>
+                  <a:tcPr/>
+                </a:tc>
+                <a:tc>
+                  <a:txBody>
+                    <a:bodyPr/>
+                    <a:lstStyle/>
+                    <a:p>
+                      <a:pPr marL="0" marR="0" indent="0" algn="l" defTabSz="914400" rtl="0" eaLnBrk="1" fontAlgn="auto" latinLnBrk="0" hangingPunct="1">
+                        <a:lnSpc>
+                          <a:spcPct val="100000"/>
+                        </a:lnSpc>
+                        <a:spcBef>
+                          <a:spcPts val="0"/>
+                        </a:spcBef>
+                        <a:spcAft>
+                          <a:spcPts val="0"/>
+                        </a:spcAft>
+                        <a:buClrTx/>
+                        <a:buSzTx/>
+                        <a:buFontTx/>
+                        <a:buNone/>
+                        <a:tabLst/>
+                        <a:defRPr/>
+                      </a:pPr>
+                      <a:r>
+                        <a:rPr lang="en-US" sz="1100" dirty="0" smtClean="0"/>
+                        <a:t>Referring to links* referenced below</a:t>
+                      </a:r>
+                    </a:p>
+                    <a:p>
+                      <a:endParaRPr lang="en-US" sz="1100" dirty="0"/>
+                    </a:p>
+                  </a:txBody>
+                  <a:tcPr/>
+                </a:tc>
+              </a:tr>
+            </a:tbl>
+          </a:graphicData>
+        </a:graphic>
+      </p:graphicFrame>
+      <p:sp>
+        <p:nvSpPr>
+          <p:cNvPr id="3" name="Title 2"/>
+          <p:cNvSpPr>
+            <a:spLocks noGrp="1"/>
+          </p:cNvSpPr>
+          <p:nvPr>
+            <p:ph type="title"/>
+          </p:nvPr>
+        </p:nvSpPr>
+        <p:spPr/>
+        <p:txBody>
+          <a:bodyPr/>
+          <a:lstStyle/>
+          <a:p>
+            <a:r>
+              <a:rPr lang="en-US" sz="4000" dirty="0" smtClean="0"/>
+              <a:t>Income Groups (for </a:t>
+            </a:r>
+            <a:r>
+              <a:rPr lang="en-US" sz="4000" dirty="0" smtClean="0"/>
+              <a:t>selected data) </a:t>
+            </a:r>
+            <a:r>
+              <a:rPr lang="en-US" sz="4000" dirty="0" err="1" smtClean="0"/>
+              <a:t>cont</a:t>
+            </a:r>
+            <a:r>
+              <a:rPr lang="en-US" sz="4000" dirty="0" smtClean="0"/>
+              <a:t>’</a:t>
+            </a:r>
+            <a:endParaRPr lang="en-US" sz="4000" dirty="0"/>
+          </a:p>
+        </p:txBody>
+      </p:sp>
+      <p:sp>
+        <p:nvSpPr>
+          <p:cNvPr id="4" name="Date Placeholder 3"/>
+          <p:cNvSpPr>
+            <a:spLocks noGrp="1"/>
+          </p:cNvSpPr>
+          <p:nvPr>
+            <p:ph type="dt" sz="half" idx="10"/>
+          </p:nvPr>
+        </p:nvSpPr>
+        <p:spPr/>
+        <p:txBody>
+          <a:bodyPr/>
+          <a:lstStyle/>
+          <a:p>
+            <a:fld id="{86272B70-7F64-4F73-8F20-BB9EC051EBD1}" type="datetime2">
+              <a:rPr lang="en-US" smtClean="0"/>
+              <a:t>Monday, December 17, 2018</a:t>
+            </a:fld>
+            <a:endParaRPr lang="en-US" dirty="0"/>
+          </a:p>
+        </p:txBody>
+      </p:sp>
+      <p:sp>
+        <p:nvSpPr>
+          <p:cNvPr id="5" name="Slide Number Placeholder 4"/>
+          <p:cNvSpPr>
+            <a:spLocks noGrp="1"/>
+          </p:cNvSpPr>
+          <p:nvPr>
+            <p:ph type="sldNum" sz="quarter" idx="11"/>
+          </p:nvPr>
+        </p:nvSpPr>
+        <p:spPr/>
+        <p:txBody>
+          <a:bodyPr/>
+          <a:lstStyle/>
+          <a:p>
+            <a:fld id="{1789C0F2-17E0-497A-9BBE-0C73201AAFE3}" type="slidenum">
+              <a:rPr lang="en-US" smtClean="0"/>
+              <a:pPr/>
+              <a:t>11</a:t>
+            </a:fld>
+            <a:endParaRPr lang="en-US" dirty="0"/>
+          </a:p>
+        </p:txBody>
+      </p:sp>
+      <p:sp>
+        <p:nvSpPr>
+          <p:cNvPr id="6" name="Footer Placeholder 5"/>
+          <p:cNvSpPr>
+            <a:spLocks noGrp="1"/>
+          </p:cNvSpPr>
+          <p:nvPr>
+            <p:ph type="ftr" sz="quarter" idx="12"/>
+          </p:nvPr>
+        </p:nvSpPr>
+        <p:spPr/>
+        <p:txBody>
+          <a:bodyPr/>
+          <a:lstStyle/>
+          <a:p>
+            <a:r>
+              <a:rPr lang="en-US" smtClean="0"/>
+              <a:t>Codecademy - Machine Learning Fundamentals – Tay Khek Yang</a:t>
+            </a:r>
+            <a:endParaRPr lang="en-US" dirty="0"/>
+          </a:p>
+        </p:txBody>
+      </p:sp>
+      <p:sp>
+        <p:nvSpPr>
+          <p:cNvPr id="8" name="TextBox 7"/>
+          <p:cNvSpPr txBox="1"/>
+          <p:nvPr/>
+        </p:nvSpPr>
+        <p:spPr>
+          <a:xfrm>
+            <a:off x="827584" y="3896027"/>
+            <a:ext cx="5250155" cy="400110"/>
+          </a:xfrm>
+          <a:prstGeom prst="rect">
+            <a:avLst/>
+          </a:prstGeom>
+          <a:noFill/>
+        </p:spPr>
+        <p:txBody>
+          <a:bodyPr wrap="none" rtlCol="0">
+            <a:spAutoFit/>
+          </a:bodyPr>
+          <a:lstStyle/>
+          <a:p>
+            <a:r>
+              <a:rPr lang="en-US" sz="1000" dirty="0"/>
+              <a:t>*http://www.pewresearch.org/fact-tank/2018/09/06/are-you-in-the-american-middle-class</a:t>
+            </a:r>
+          </a:p>
+          <a:p>
+            <a:r>
+              <a:rPr lang="en-US" sz="1000" dirty="0" smtClean="0"/>
+              <a:t>*https</a:t>
+            </a:r>
+            <a:r>
+              <a:rPr lang="en-US" sz="1000" dirty="0"/>
+              <a:t>://www.cnbc.com/2018/09/26/how-many-americans-qualify-as-middle-class.html</a:t>
+            </a:r>
+          </a:p>
+        </p:txBody>
+      </p:sp>
+    </p:spTree>
+    <p:extLst>
+      <p:ext uri="{BB962C8B-B14F-4D97-AF65-F5344CB8AC3E}">
+        <p14:creationId xmlns:p14="http://schemas.microsoft.com/office/powerpoint/2010/main" val="3425087071"/>
+      </p:ext>
+    </p:extLst>
+  </p:cSld>
+  <p:clrMapOvr>
+    <a:masterClrMapping/>
+  </p:clrMapOvr>
+</p:sld>
+</file>
+
+<file path=ppt/slides/slide12.xml><?xml version="1.0" encoding="utf-8"?>
+<p:sld xmlns:a="http://schemas.openxmlformats.org/drawingml/2006/main" xmlns:r="http://schemas.openxmlformats.org/officeDocument/2006/relationships" xmlns:p="http://schemas.openxmlformats.org/presentationml/2006/main">
+  <p:cSld>
+    <p:spTree>
+      <p:nvGrpSpPr>
+        <p:cNvPr id="1" name=""/>
+        <p:cNvGrpSpPr/>
+        <p:nvPr/>
+      </p:nvGrpSpPr>
+      <p:grpSpPr>
+        <a:xfrm>
+          <a:off x="0" y="0"/>
+          <a:ext cx="0" cy="0"/>
+          <a:chOff x="0" y="0"/>
+          <a:chExt cx="0" cy="0"/>
+        </a:xfrm>
+      </p:grpSpPr>
+      <p:sp>
+        <p:nvSpPr>
+          <p:cNvPr id="8" name="Text Placeholder 7"/>
+          <p:cNvSpPr>
+            <a:spLocks noGrp="1"/>
+          </p:cNvSpPr>
+          <p:nvPr>
+            <p:ph type="body" idx="1"/>
+          </p:nvPr>
+        </p:nvSpPr>
+        <p:spPr/>
+        <p:txBody>
+          <a:bodyPr/>
+          <a:lstStyle/>
+          <a:p>
+            <a:r>
+              <a:rPr lang="en-US" dirty="0" err="1"/>
+              <a:t>Codecademy</a:t>
+            </a:r>
+            <a:r>
+              <a:rPr lang="en-US" dirty="0"/>
+              <a:t> - </a:t>
+            </a:r>
+            <a:r>
+              <a:rPr lang="en-US" dirty="0" err="1"/>
+              <a:t>OKCupid</a:t>
+            </a:r>
+            <a:r>
+              <a:rPr lang="en-US" dirty="0"/>
+              <a:t> sample </a:t>
+            </a:r>
+            <a:r>
+              <a:rPr lang="en-US" dirty="0" smtClean="0"/>
+              <a:t>data</a:t>
+            </a:r>
+            <a:endParaRPr lang="en-US" dirty="0"/>
+          </a:p>
+        </p:txBody>
+      </p:sp>
+      <p:sp>
+        <p:nvSpPr>
+          <p:cNvPr id="4" name="Date Placeholder 3"/>
+          <p:cNvSpPr>
+            <a:spLocks noGrp="1"/>
+          </p:cNvSpPr>
+          <p:nvPr>
+            <p:ph type="dt" sz="half" idx="10"/>
+          </p:nvPr>
+        </p:nvSpPr>
+        <p:spPr/>
+        <p:txBody>
+          <a:bodyPr/>
+          <a:lstStyle/>
+          <a:p>
+            <a:fld id="{86272B70-7F64-4F73-8F20-BB9EC051EBD1}" type="datetime2">
+              <a:rPr lang="en-US" smtClean="0"/>
+              <a:t>Monday, December 17, 2018</a:t>
+            </a:fld>
+            <a:endParaRPr lang="en-US" dirty="0"/>
+          </a:p>
+        </p:txBody>
+      </p:sp>
+      <p:sp>
+        <p:nvSpPr>
+          <p:cNvPr id="5" name="Slide Number Placeholder 4"/>
+          <p:cNvSpPr>
+            <a:spLocks noGrp="1"/>
+          </p:cNvSpPr>
+          <p:nvPr>
+            <p:ph type="sldNum" sz="quarter" idx="11"/>
+          </p:nvPr>
+        </p:nvSpPr>
+        <p:spPr/>
+        <p:txBody>
+          <a:bodyPr/>
+          <a:lstStyle/>
+          <a:p>
+            <a:fld id="{1789C0F2-17E0-497A-9BBE-0C73201AAFE3}" type="slidenum">
+              <a:rPr lang="en-US" smtClean="0"/>
+              <a:pPr/>
+              <a:t>12</a:t>
+            </a:fld>
+            <a:endParaRPr lang="en-US" dirty="0"/>
+          </a:p>
+        </p:txBody>
+      </p:sp>
+      <p:sp>
+        <p:nvSpPr>
+          <p:cNvPr id="6" name="Footer Placeholder 5"/>
+          <p:cNvSpPr>
+            <a:spLocks noGrp="1"/>
+          </p:cNvSpPr>
+          <p:nvPr>
+            <p:ph type="ftr" sz="quarter" idx="12"/>
+          </p:nvPr>
+        </p:nvSpPr>
+        <p:spPr/>
+        <p:txBody>
+          <a:bodyPr/>
+          <a:lstStyle/>
+          <a:p>
+            <a:r>
+              <a:rPr lang="en-US" smtClean="0"/>
+              <a:t>Codecademy - Machine Learning Fundamentals – Tay Khek Yang</a:t>
+            </a:r>
+            <a:endParaRPr lang="en-US" dirty="0"/>
+          </a:p>
+        </p:txBody>
+      </p:sp>
+      <p:sp>
+        <p:nvSpPr>
+          <p:cNvPr id="7" name="Title 6"/>
+          <p:cNvSpPr>
+            <a:spLocks noGrp="1"/>
+          </p:cNvSpPr>
+          <p:nvPr>
+            <p:ph type="title"/>
+          </p:nvPr>
+        </p:nvSpPr>
+        <p:spPr/>
+        <p:txBody>
+          <a:bodyPr/>
+          <a:lstStyle/>
+          <a:p>
+            <a:r>
+              <a:rPr lang="en-US" dirty="0">
+                <a:effectLst/>
+              </a:rPr>
+              <a:t>Statement of Question</a:t>
+            </a:r>
+            <a:br>
+              <a:rPr lang="en-US" dirty="0">
+                <a:effectLst/>
+              </a:rPr>
+            </a:br>
+            <a:endParaRPr lang="en-US" dirty="0"/>
+          </a:p>
+        </p:txBody>
+      </p:sp>
+    </p:spTree>
+    <p:extLst>
+      <p:ext uri="{BB962C8B-B14F-4D97-AF65-F5344CB8AC3E}">
+        <p14:creationId xmlns:p14="http://schemas.microsoft.com/office/powerpoint/2010/main" val="3845288520"/>
+      </p:ext>
+    </p:extLst>
+  </p:cSld>
+  <p:clrMapOvr>
+    <a:masterClrMapping/>
+  </p:clrMapOvr>
+</p:sld>
+</file>
+
+<file path=ppt/slides/slide13.xml><?xml version="1.0" encoding="utf-8"?>
+<p:sld xmlns:a="http://schemas.openxmlformats.org/drawingml/2006/main" xmlns:r="http://schemas.openxmlformats.org/officeDocument/2006/relationships" xmlns:p="http://schemas.openxmlformats.org/presentationml/2006/main">
+  <p:cSld>
+    <p:spTree>
+      <p:nvGrpSpPr>
+        <p:cNvPr id="1" name=""/>
+        <p:cNvGrpSpPr/>
+        <p:nvPr/>
+      </p:nvGrpSpPr>
+      <p:grpSpPr>
+        <a:xfrm>
+          <a:off x="0" y="0"/>
+          <a:ext cx="0" cy="0"/>
+          <a:chOff x="0" y="0"/>
+          <a:chExt cx="0" cy="0"/>
+        </a:xfrm>
+      </p:grpSpPr>
+      <p:sp>
+        <p:nvSpPr>
+          <p:cNvPr id="8" name="Content Placeholder 7"/>
+          <p:cNvSpPr>
+            <a:spLocks noGrp="1"/>
+          </p:cNvSpPr>
+          <p:nvPr>
+            <p:ph idx="1"/>
+          </p:nvPr>
+        </p:nvSpPr>
+        <p:spPr/>
+        <p:txBody>
+          <a:bodyPr/>
+          <a:lstStyle/>
+          <a:p>
+            <a:r>
+              <a:rPr lang="en-US" dirty="0" smtClean="0"/>
+              <a:t>From a logical point of view – we believe that Age / Education / Job (type) impacts the income group which a </a:t>
+            </a:r>
+            <a:r>
+              <a:rPr lang="en-US" dirty="0" err="1" smtClean="0"/>
+              <a:t>OKCupid</a:t>
+            </a:r>
+            <a:r>
+              <a:rPr lang="en-US" dirty="0" smtClean="0"/>
+              <a:t> user will be in – We will then test whether this 3 categories can / will impact the income group?</a:t>
+            </a:r>
+          </a:p>
+          <a:p>
+            <a:r>
+              <a:rPr lang="en-US" dirty="0" smtClean="0"/>
+              <a:t>We will predict and try to find out the income group of </a:t>
+            </a:r>
+            <a:r>
+              <a:rPr lang="en-US" dirty="0" err="1" smtClean="0"/>
+              <a:t>OKCupid</a:t>
+            </a:r>
+            <a:r>
+              <a:rPr lang="en-US" dirty="0" smtClean="0"/>
+              <a:t> users who refused / did not specify their job (type)</a:t>
+            </a:r>
+          </a:p>
+          <a:p>
+            <a:endParaRPr lang="en-US" dirty="0"/>
+          </a:p>
+        </p:txBody>
+      </p:sp>
+      <p:sp>
+        <p:nvSpPr>
+          <p:cNvPr id="7" name="Title 6"/>
+          <p:cNvSpPr>
+            <a:spLocks noGrp="1"/>
+          </p:cNvSpPr>
+          <p:nvPr>
+            <p:ph type="title"/>
+          </p:nvPr>
+        </p:nvSpPr>
+        <p:spPr/>
+        <p:txBody>
+          <a:bodyPr/>
+          <a:lstStyle/>
+          <a:p>
+            <a:r>
+              <a:rPr lang="en-US" dirty="0" smtClean="0"/>
+              <a:t>Statement of Question</a:t>
+            </a:r>
+            <a:endParaRPr lang="en-US" dirty="0"/>
+          </a:p>
+        </p:txBody>
+      </p:sp>
+      <p:sp>
+        <p:nvSpPr>
+          <p:cNvPr id="3" name="Date Placeholder 2"/>
+          <p:cNvSpPr>
+            <a:spLocks noGrp="1"/>
+          </p:cNvSpPr>
+          <p:nvPr>
+            <p:ph type="dt" sz="half" idx="10"/>
+          </p:nvPr>
+        </p:nvSpPr>
+        <p:spPr/>
+        <p:txBody>
+          <a:bodyPr/>
+          <a:lstStyle/>
+          <a:p>
+            <a:fld id="{E3C8A2D6-A616-4504-925B-170393655917}" type="datetime2">
+              <a:rPr lang="en-US" smtClean="0"/>
+              <a:t>Monday, December 17, 2018</a:t>
+            </a:fld>
+            <a:endParaRPr lang="en-US" dirty="0"/>
+          </a:p>
+        </p:txBody>
+      </p:sp>
+      <p:sp>
+        <p:nvSpPr>
+          <p:cNvPr id="4" name="Slide Number Placeholder 3"/>
+          <p:cNvSpPr>
+            <a:spLocks noGrp="1"/>
+          </p:cNvSpPr>
+          <p:nvPr>
+            <p:ph type="sldNum" sz="quarter" idx="11"/>
+          </p:nvPr>
+        </p:nvSpPr>
+        <p:spPr/>
+        <p:txBody>
+          <a:bodyPr/>
+          <a:lstStyle/>
+          <a:p>
+            <a:fld id="{1789C0F2-17E0-497A-9BBE-0C73201AAFE3}" type="slidenum">
+              <a:rPr lang="en-US" smtClean="0"/>
+              <a:pPr/>
+              <a:t>13</a:t>
+            </a:fld>
+            <a:endParaRPr lang="en-US" dirty="0"/>
+          </a:p>
+        </p:txBody>
+      </p:sp>
+      <p:sp>
+        <p:nvSpPr>
+          <p:cNvPr id="5" name="Footer Placeholder 4"/>
+          <p:cNvSpPr>
+            <a:spLocks noGrp="1"/>
+          </p:cNvSpPr>
+          <p:nvPr>
+            <p:ph type="ftr" sz="quarter" idx="12"/>
+          </p:nvPr>
+        </p:nvSpPr>
+        <p:spPr/>
+        <p:txBody>
+          <a:bodyPr/>
+          <a:lstStyle/>
+          <a:p>
+            <a:r>
+              <a:rPr lang="en-US" smtClean="0"/>
+              <a:t>Codecademy - Machine Learning Fundamentals – Tay Khek Yang</a:t>
+            </a:r>
+            <a:endParaRPr lang="en-US" dirty="0"/>
+          </a:p>
+        </p:txBody>
+      </p:sp>
+    </p:spTree>
+    <p:extLst>
+      <p:ext uri="{BB962C8B-B14F-4D97-AF65-F5344CB8AC3E}">
+        <p14:creationId xmlns:p14="http://schemas.microsoft.com/office/powerpoint/2010/main" val="1784502787"/>
+      </p:ext>
+    </p:extLst>
+  </p:cSld>
+  <p:clrMapOvr>
+    <a:masterClrMapping/>
+  </p:clrMapOvr>
+</p:sld>
+</file>
+
+<file path=ppt/slides/slide14.xml><?xml version="1.0" encoding="utf-8"?>
+<p:sld xmlns:a="http://schemas.openxmlformats.org/drawingml/2006/main" xmlns:r="http://schemas.openxmlformats.org/officeDocument/2006/relationships" xmlns:p="http://schemas.openxmlformats.org/presentationml/2006/main">
+  <p:cSld>
+    <p:spTree>
+      <p:nvGrpSpPr>
+        <p:cNvPr id="1" name=""/>
+        <p:cNvGrpSpPr/>
+        <p:nvPr/>
+      </p:nvGrpSpPr>
+      <p:grpSpPr>
+        <a:xfrm>
+          <a:off x="0" y="0"/>
+          <a:ext cx="0" cy="0"/>
+          <a:chOff x="0" y="0"/>
+          <a:chExt cx="0" cy="0"/>
+        </a:xfrm>
+      </p:grpSpPr>
+      <p:graphicFrame>
+        <p:nvGraphicFramePr>
+          <p:cNvPr id="7" name="Content Placeholder 6"/>
+          <p:cNvGraphicFramePr>
+            <a:graphicFrameLocks noGrp="1"/>
+          </p:cNvGraphicFramePr>
+          <p:nvPr>
+            <p:ph idx="1"/>
+            <p:extLst>
+              <p:ext uri="{D42A27DB-BD31-4B8C-83A1-F6EECF244321}">
+                <p14:modId xmlns:p14="http://schemas.microsoft.com/office/powerpoint/2010/main" val="1110123157"/>
+              </p:ext>
+            </p:extLst>
+          </p:nvPr>
+        </p:nvGraphicFramePr>
+        <p:xfrm>
+          <a:off x="1187624" y="692696"/>
+          <a:ext cx="6096000" cy="3108960"/>
+        </p:xfrm>
+        <a:graphic>
+          <a:graphicData uri="http://schemas.openxmlformats.org/drawingml/2006/table">
+            <a:tbl>
+              <a:tblPr firstRow="1" bandRow="1">
+                <a:tableStyleId>{5C22544A-7EE6-4342-B048-85BDC9FD1C3A}</a:tableStyleId>
+              </a:tblPr>
+              <a:tblGrid>
+                <a:gridCol w="1368152"/>
+                <a:gridCol w="1440160"/>
+                <a:gridCol w="3287688"/>
+              </a:tblGrid>
+              <a:tr h="291936">
+                <a:tc>
+                  <a:txBody>
+                    <a:bodyPr/>
+                    <a:lstStyle/>
+                    <a:p>
+                      <a:r>
+                        <a:rPr lang="en-US" dirty="0" smtClean="0"/>
+                        <a:t>New Columns</a:t>
+                      </a:r>
+                      <a:endParaRPr lang="en-US" dirty="0"/>
+                    </a:p>
+                  </a:txBody>
+                  <a:tcPr/>
+                </a:tc>
+                <a:tc>
+                  <a:txBody>
+                    <a:bodyPr/>
+                    <a:lstStyle/>
+                    <a:p>
+                      <a:r>
+                        <a:rPr lang="en-US" dirty="0" smtClean="0"/>
+                        <a:t>Full Name of Columns</a:t>
+                      </a:r>
+                      <a:endParaRPr lang="en-US" dirty="0"/>
+                    </a:p>
+                  </a:txBody>
+                  <a:tcPr/>
+                </a:tc>
+                <a:tc>
+                  <a:txBody>
+                    <a:bodyPr/>
+                    <a:lstStyle/>
+                    <a:p>
+                      <a:r>
+                        <a:rPr lang="en-US" dirty="0" smtClean="0"/>
+                        <a:t>Note</a:t>
+                      </a:r>
+                      <a:endParaRPr lang="en-US" dirty="0"/>
+                    </a:p>
+                  </a:txBody>
+                  <a:tcPr/>
+                </a:tc>
+              </a:tr>
+              <a:tr h="370840">
+                <a:tc>
+                  <a:txBody>
+                    <a:bodyPr/>
+                    <a:lstStyle/>
+                    <a:p>
+                      <a:r>
+                        <a:rPr lang="en-US" dirty="0" err="1" smtClean="0"/>
+                        <a:t>edu_cat</a:t>
+                      </a:r>
+                      <a:endParaRPr lang="en-US" dirty="0"/>
+                    </a:p>
+                  </a:txBody>
+                  <a:tcPr/>
+                </a:tc>
+                <a:tc>
+                  <a:txBody>
+                    <a:bodyPr/>
+                    <a:lstStyle/>
+                    <a:p>
+                      <a:r>
+                        <a:rPr lang="en-US" dirty="0" smtClean="0"/>
+                        <a:t>Education Category</a:t>
+                      </a:r>
+                      <a:endParaRPr lang="en-US" dirty="0"/>
+                    </a:p>
+                  </a:txBody>
+                  <a:tcPr/>
+                </a:tc>
+                <a:tc>
+                  <a:txBody>
+                    <a:bodyPr/>
+                    <a:lstStyle/>
+                    <a:p>
+                      <a:r>
+                        <a:rPr lang="en-US" dirty="0" smtClean="0"/>
+                        <a:t>Categorization of Education</a:t>
+                      </a:r>
+                      <a:r>
+                        <a:rPr lang="en-US" baseline="0" dirty="0" smtClean="0"/>
+                        <a:t> level of users</a:t>
+                      </a:r>
+                      <a:endParaRPr lang="en-US" dirty="0"/>
+                    </a:p>
+                  </a:txBody>
+                  <a:tcPr/>
+                </a:tc>
+              </a:tr>
+              <a:tr h="370840">
+                <a:tc>
+                  <a:txBody>
+                    <a:bodyPr/>
+                    <a:lstStyle/>
+                    <a:p>
+                      <a:r>
+                        <a:rPr lang="en-US" dirty="0" err="1" smtClean="0"/>
+                        <a:t>job_cat</a:t>
+                      </a:r>
+                      <a:endParaRPr lang="en-US" dirty="0"/>
+                    </a:p>
+                  </a:txBody>
+                  <a:tcPr/>
+                </a:tc>
+                <a:tc>
+                  <a:txBody>
+                    <a:bodyPr/>
+                    <a:lstStyle/>
+                    <a:p>
+                      <a:r>
+                        <a:rPr lang="en-US" dirty="0" smtClean="0"/>
+                        <a:t>Job Category</a:t>
+                      </a:r>
+                      <a:endParaRPr lang="en-US" dirty="0"/>
+                    </a:p>
+                  </a:txBody>
+                  <a:tcPr/>
+                </a:tc>
+                <a:tc>
+                  <a:txBody>
+                    <a:bodyPr/>
+                    <a:lstStyle/>
+                    <a:p>
+                      <a:pPr marL="0" marR="0" indent="0" algn="l" defTabSz="914400" rtl="0" eaLnBrk="1" fontAlgn="auto" latinLnBrk="0" hangingPunct="1">
+                        <a:lnSpc>
+                          <a:spcPct val="100000"/>
+                        </a:lnSpc>
+                        <a:spcBef>
+                          <a:spcPts val="0"/>
+                        </a:spcBef>
+                        <a:spcAft>
+                          <a:spcPts val="0"/>
+                        </a:spcAft>
+                        <a:buClrTx/>
+                        <a:buSzTx/>
+                        <a:buFontTx/>
+                        <a:buNone/>
+                        <a:tabLst/>
+                        <a:defRPr/>
+                      </a:pPr>
+                      <a:r>
+                        <a:rPr lang="en-US" dirty="0" smtClean="0"/>
+                        <a:t>Categorization of Job type based on whether it is STEM or not. (We believe STEM job type is of higher value)</a:t>
+                      </a:r>
+                    </a:p>
+                  </a:txBody>
+                  <a:tcPr/>
+                </a:tc>
+              </a:tr>
+              <a:tr h="370840">
+                <a:tc>
+                  <a:txBody>
+                    <a:bodyPr/>
+                    <a:lstStyle/>
+                    <a:p>
+                      <a:pPr marL="0" marR="0" indent="0" algn="l" defTabSz="914400" rtl="0" eaLnBrk="1" fontAlgn="auto" latinLnBrk="0" hangingPunct="1">
+                        <a:lnSpc>
+                          <a:spcPct val="100000"/>
+                        </a:lnSpc>
+                        <a:spcBef>
+                          <a:spcPts val="0"/>
+                        </a:spcBef>
+                        <a:spcAft>
+                          <a:spcPts val="0"/>
+                        </a:spcAft>
+                        <a:buClrTx/>
+                        <a:buSzTx/>
+                        <a:buFontTx/>
+                        <a:buNone/>
+                        <a:tabLst/>
+                        <a:defRPr/>
+                      </a:pPr>
+                      <a:r>
+                        <a:rPr lang="en-US" dirty="0" err="1" smtClean="0"/>
+                        <a:t>income_cat</a:t>
+                      </a:r>
+                      <a:endParaRPr lang="en-US" dirty="0" smtClean="0"/>
+                    </a:p>
+                    <a:p>
+                      <a:endParaRPr lang="en-US" dirty="0"/>
+                    </a:p>
+                  </a:txBody>
+                  <a:tcPr/>
+                </a:tc>
+                <a:tc>
+                  <a:txBody>
+                    <a:bodyPr/>
+                    <a:lstStyle/>
+                    <a:p>
+                      <a:r>
+                        <a:rPr lang="en-US" dirty="0" smtClean="0"/>
+                        <a:t>Income Category</a:t>
+                      </a:r>
+                      <a:endParaRPr lang="en-US" dirty="0"/>
+                    </a:p>
+                  </a:txBody>
+                  <a:tcPr/>
+                </a:tc>
+                <a:tc>
+                  <a:txBody>
+                    <a:bodyPr/>
+                    <a:lstStyle/>
+                    <a:p>
+                      <a:r>
+                        <a:rPr lang="en-US" dirty="0" smtClean="0"/>
+                        <a:t>Categorization of Income based on </a:t>
+                      </a:r>
+                      <a:r>
+                        <a:rPr lang="en-US" sz="1800" dirty="0" smtClean="0"/>
+                        <a:t>Pew</a:t>
+                      </a:r>
+                      <a:r>
+                        <a:rPr lang="en-US" sz="1800" baseline="0" dirty="0" smtClean="0"/>
+                        <a:t> Research</a:t>
+                      </a:r>
+                      <a:endParaRPr lang="en-US" dirty="0"/>
+                    </a:p>
+                  </a:txBody>
+                  <a:tcPr/>
+                </a:tc>
+              </a:tr>
+            </a:tbl>
+          </a:graphicData>
+        </a:graphic>
+      </p:graphicFrame>
+      <p:sp>
+        <p:nvSpPr>
+          <p:cNvPr id="3" name="Title 2"/>
+          <p:cNvSpPr>
+            <a:spLocks noGrp="1"/>
+          </p:cNvSpPr>
+          <p:nvPr>
+            <p:ph type="title"/>
+          </p:nvPr>
+        </p:nvSpPr>
+        <p:spPr/>
+        <p:txBody>
+          <a:bodyPr/>
+          <a:lstStyle/>
+          <a:p>
+            <a:r>
+              <a:rPr lang="en-US" dirty="0">
+                <a:effectLst/>
+              </a:rPr>
+              <a:t>Definition of New </a:t>
+            </a:r>
+            <a:r>
+              <a:rPr lang="en-US" dirty="0" smtClean="0">
+                <a:effectLst/>
+              </a:rPr>
+              <a:t>Columns</a:t>
+            </a:r>
+            <a:endParaRPr lang="en-US" dirty="0"/>
+          </a:p>
+        </p:txBody>
+      </p:sp>
+      <p:sp>
+        <p:nvSpPr>
+          <p:cNvPr id="4" name="Date Placeholder 3"/>
+          <p:cNvSpPr>
+            <a:spLocks noGrp="1"/>
+          </p:cNvSpPr>
+          <p:nvPr>
+            <p:ph type="dt" sz="half" idx="10"/>
+          </p:nvPr>
+        </p:nvSpPr>
+        <p:spPr/>
+        <p:txBody>
+          <a:bodyPr/>
+          <a:lstStyle/>
+          <a:p>
+            <a:fld id="{86272B70-7F64-4F73-8F20-BB9EC051EBD1}" type="datetime2">
+              <a:rPr lang="en-US" smtClean="0"/>
+              <a:t>Monday, December 17, 2018</a:t>
+            </a:fld>
+            <a:endParaRPr lang="en-US" dirty="0"/>
+          </a:p>
+        </p:txBody>
+      </p:sp>
+      <p:sp>
+        <p:nvSpPr>
+          <p:cNvPr id="5" name="Slide Number Placeholder 4"/>
+          <p:cNvSpPr>
+            <a:spLocks noGrp="1"/>
+          </p:cNvSpPr>
+          <p:nvPr>
+            <p:ph type="sldNum" sz="quarter" idx="11"/>
+          </p:nvPr>
+        </p:nvSpPr>
+        <p:spPr/>
+        <p:txBody>
+          <a:bodyPr/>
+          <a:lstStyle/>
+          <a:p>
+            <a:fld id="{1789C0F2-17E0-497A-9BBE-0C73201AAFE3}" type="slidenum">
+              <a:rPr lang="en-US" smtClean="0"/>
+              <a:pPr/>
+              <a:t>14</a:t>
+            </a:fld>
+            <a:endParaRPr lang="en-US" dirty="0"/>
+          </a:p>
+        </p:txBody>
+      </p:sp>
+      <p:sp>
+        <p:nvSpPr>
+          <p:cNvPr id="6" name="Footer Placeholder 5"/>
+          <p:cNvSpPr>
+            <a:spLocks noGrp="1"/>
+          </p:cNvSpPr>
+          <p:nvPr>
+            <p:ph type="ftr" sz="quarter" idx="12"/>
+          </p:nvPr>
+        </p:nvSpPr>
+        <p:spPr/>
+        <p:txBody>
+          <a:bodyPr/>
+          <a:lstStyle/>
+          <a:p>
+            <a:r>
+              <a:rPr lang="en-US" smtClean="0"/>
+              <a:t>Codecademy - Machine Learning Fundamentals – Tay Khek Yang</a:t>
+            </a:r>
+            <a:endParaRPr lang="en-US" dirty="0"/>
+          </a:p>
+        </p:txBody>
+      </p:sp>
+    </p:spTree>
+    <p:extLst>
+      <p:ext uri="{BB962C8B-B14F-4D97-AF65-F5344CB8AC3E}">
+        <p14:creationId xmlns:p14="http://schemas.microsoft.com/office/powerpoint/2010/main" val="2075225378"/>
+      </p:ext>
+    </p:extLst>
+  </p:cSld>
+  <p:clrMapOvr>
+    <a:masterClrMapping/>
+  </p:clrMapOvr>
+</p:sld>
+</file>
+
+<file path=ppt/slides/slide15.xml><?xml version="1.0" encoding="utf-8"?>
+<p:sld xmlns:a="http://schemas.openxmlformats.org/drawingml/2006/main" xmlns:r="http://schemas.openxmlformats.org/officeDocument/2006/relationships" xmlns:p="http://schemas.openxmlformats.org/presentationml/2006/main">
+  <p:cSld>
+    <p:spTree>
+      <p:nvGrpSpPr>
+        <p:cNvPr id="1" name=""/>
+        <p:cNvGrpSpPr/>
+        <p:nvPr/>
+      </p:nvGrpSpPr>
+      <p:grpSpPr>
+        <a:xfrm>
+          <a:off x="0" y="0"/>
+          <a:ext cx="0" cy="0"/>
+          <a:chOff x="0" y="0"/>
+          <a:chExt cx="0" cy="0"/>
+        </a:xfrm>
+      </p:grpSpPr>
       <p:sp>
         <p:nvSpPr>
           <p:cNvPr id="2" name="Content Placeholder 1"/>
@@ -4778,7 +5809,7 @@
           <a:p>
             <a:fld id="{86272B70-7F64-4F73-8F20-BB9EC051EBD1}" type="datetime2">
               <a:rPr lang="en-US" smtClean="0"/>
-              <a:t>Wednesday, December 12, 2018</a:t>
+              <a:t>Monday, December 17, 2018</a:t>
             </a:fld>
             <a:endParaRPr lang="en-US" dirty="0"/>
           </a:p>
@@ -4802,7 +5833,7 @@
             <a:fld id="{1789C0F2-17E0-497A-9BBE-0C73201AAFE3}" type="slidenum">
               <a:rPr lang="en-US" smtClean="0"/>
               <a:pPr/>
-              <a:t>11</a:t>
+              <a:t>15</a:t>
             </a:fld>
             <a:endParaRPr lang="en-US" dirty="0"/>
           </a:p>
@@ -5197,7 +6228,7 @@
         </p:nvSpPr>
         <p:spPr>
           <a:xfrm>
-            <a:off x="1484040" y="3645024"/>
+            <a:off x="1484040" y="3789040"/>
             <a:ext cx="6096000" cy="1296144"/>
           </a:xfrm>
           <a:prstGeom prst="rect">
@@ -5206,7 +6237,7 @@
         </p:spPr>
         <p:txBody>
           <a:bodyPr vert="horz" lIns="91440" tIns="45720" rIns="91440" bIns="45720" rtlCol="0" anchor="ctr">
-            <a:normAutofit fontScale="92500"/>
+            <a:normAutofit fontScale="85000" lnSpcReduction="20000"/>
           </a:bodyPr>
           <a:lstStyle>
             <a:lvl1pPr marL="274320" indent="-256032" algn="l" defTabSz="914400" rtl="0" eaLnBrk="1" latinLnBrk="0" hangingPunct="1">
@@ -5464,8 +6495,20 @@
             </a:r>
             <a:r>
               <a:rPr lang="en-US" sz="1200" dirty="0" smtClean="0"/>
-              <a:t>) presumes that user is still engaged in some form of studying</a:t>
-            </a:r>
+              <a:t>) presumes that user is still engaged in some form of </a:t>
+            </a:r>
+            <a:r>
+              <a:rPr lang="en-US" sz="1200" dirty="0" smtClean="0"/>
+              <a:t>studying</a:t>
+            </a:r>
+          </a:p>
+          <a:p>
+            <a:pPr lvl="1"/>
+            <a:r>
+              <a:rPr lang="en-US" sz="1200" dirty="0" smtClean="0"/>
+              <a:t>Ideally – we should have a status of education info where the user is at, rather than, what the users is attempting (or not)</a:t>
+            </a:r>
+            <a:endParaRPr lang="en-US" sz="1200" dirty="0" smtClean="0"/>
           </a:p>
           <a:p>
             <a:endParaRPr lang="en-US" dirty="0"/>
@@ -5485,7 +6528,7 @@
 </p:sld>
 </file>
 
-<file path=ppt/slides/slide12.xml><?xml version="1.0" encoding="utf-8"?>
+<file path=ppt/slides/slide16.xml><?xml version="1.0" encoding="utf-8"?>
 <p:sld xmlns:a="http://schemas.openxmlformats.org/drawingml/2006/main" xmlns:r="http://schemas.openxmlformats.org/officeDocument/2006/relationships" xmlns:p="http://schemas.openxmlformats.org/presentationml/2006/main">
   <p:cSld>
     <p:spTree>
@@ -7554,7 +8597,7 @@
           <a:p>
             <a:fld id="{86272B70-7F64-4F73-8F20-BB9EC051EBD1}" type="datetime2">
               <a:rPr lang="en-US" smtClean="0"/>
-              <a:t>Wednesday, December 12, 2018</a:t>
+              <a:t>Monday, December 17, 2018</a:t>
             </a:fld>
             <a:endParaRPr lang="en-US" dirty="0"/>
           </a:p>
@@ -7578,7 +8621,7 @@
             <a:fld id="{1789C0F2-17E0-497A-9BBE-0C73201AAFE3}" type="slidenum">
               <a:rPr lang="en-US" smtClean="0"/>
               <a:pPr/>
-              <a:t>12</a:t>
+              <a:t>16</a:t>
             </a:fld>
             <a:endParaRPr lang="en-US" dirty="0"/>
           </a:p>
@@ -7620,7 +8663,7 @@
 </p:sld>
 </file>
 
-<file path=ppt/slides/slide13.xml><?xml version="1.0" encoding="utf-8"?>
+<file path=ppt/slides/slide17.xml><?xml version="1.0" encoding="utf-8"?>
 <p:sld xmlns:a="http://schemas.openxmlformats.org/drawingml/2006/main" xmlns:r="http://schemas.openxmlformats.org/officeDocument/2006/relationships" xmlns:p="http://schemas.openxmlformats.org/presentationml/2006/main">
   <p:cSld>
     <p:spTree>
@@ -7665,19 +8708,27 @@
             </a:r>
             <a:r>
               <a:rPr lang="en-US" sz="1400" dirty="0"/>
-              <a:t>is engaged in a job or not and if the job is </a:t>
+              <a:t>is engaged in a job or not and if the job is Science, Technology, Engineering and Mathematics (STEM) </a:t>
+            </a:r>
+            <a:r>
+              <a:rPr lang="en-US" sz="1400" dirty="0" smtClean="0"/>
+              <a:t>or Finance based </a:t>
             </a:r>
             <a:r>
               <a:rPr lang="en-US" sz="1400" dirty="0"/>
-              <a:t>Science, Technology, Engineering and </a:t>
-            </a:r>
-            <a:r>
-              <a:rPr lang="en-US" sz="1400" dirty="0"/>
-              <a:t>Mathematics (STEM) based or </a:t>
+              <a:t>or </a:t>
             </a:r>
             <a:r>
               <a:rPr lang="en-US" sz="1400" dirty="0" smtClean="0"/>
-              <a:t>not – assuming that STEM based jobs are higher value. </a:t>
+              <a:t>not – assuming that </a:t>
+            </a:r>
+            <a:r>
+              <a:rPr lang="en-US" sz="1400" dirty="0" smtClean="0"/>
+              <a:t>STEM / Finance </a:t>
+            </a:r>
+            <a:r>
+              <a:rPr lang="en-US" sz="1400" dirty="0" smtClean="0"/>
+              <a:t>based jobs are higher value. </a:t>
             </a:r>
             <a:r>
               <a:rPr lang="en-US" sz="1400" dirty="0"/>
@@ -7710,7 +8761,7 @@
           <a:p>
             <a:fld id="{86272B70-7F64-4F73-8F20-BB9EC051EBD1}" type="datetime2">
               <a:rPr lang="en-US" smtClean="0"/>
-              <a:t>Wednesday, December 12, 2018</a:t>
+              <a:t>Monday, December 17, 2018</a:t>
             </a:fld>
             <a:endParaRPr lang="en-US" dirty="0"/>
           </a:p>
@@ -7734,7 +8785,7 @@
             <a:fld id="{1789C0F2-17E0-497A-9BBE-0C73201AAFE3}" type="slidenum">
               <a:rPr lang="en-US" smtClean="0"/>
               <a:pPr/>
-              <a:t>13</a:t>
+              <a:t>17</a:t>
             </a:fld>
             <a:endParaRPr lang="en-US" dirty="0"/>
           </a:p>
@@ -7885,14 +8936,14 @@
           <p:nvPr>
             <p:extLst>
               <p:ext uri="{D42A27DB-BD31-4B8C-83A1-F6EECF244321}">
-                <p14:modId xmlns:p14="http://schemas.microsoft.com/office/powerpoint/2010/main" val="3063816540"/>
+                <p14:modId xmlns:p14="http://schemas.microsoft.com/office/powerpoint/2010/main" val="1761053121"/>
               </p:ext>
             </p:extLst>
           </p:nvPr>
         </p:nvGraphicFramePr>
         <p:xfrm>
-          <a:off x="1403648" y="2161664"/>
-          <a:ext cx="6096000" cy="1483360"/>
+          <a:off x="1403648" y="2006848"/>
+          <a:ext cx="6096000" cy="2123440"/>
         </p:xfrm>
         <a:graphic>
           <a:graphicData uri="http://schemas.openxmlformats.org/drawingml/2006/table">
@@ -8019,7 +9070,7 @@
                     <a:p>
                       <a:r>
                         <a:rPr lang="en-US" dirty="0" smtClean="0"/>
-                        <a:t>Non-STEM</a:t>
+                        <a:t>Non-STEM-Finance</a:t>
                       </a:r>
                       <a:endParaRPr lang="en-US" dirty="0"/>
                     </a:p>
@@ -8033,7 +9084,11 @@
                     <a:p>
                       <a:r>
                         <a:rPr lang="en-US" dirty="0" smtClean="0"/>
-                        <a:t>Non-STEM based job category</a:t>
+                        <a:t>Non-STEM / Finance </a:t>
+                      </a:r>
+                      <a:r>
+                        <a:rPr lang="en-US" dirty="0" smtClean="0"/>
+                        <a:t>based job category</a:t>
                       </a:r>
                       <a:endParaRPr lang="en-US" dirty="0"/>
                     </a:p>
@@ -8078,6 +9133,50 @@
                       <a:r>
                         <a:rPr lang="en-US" dirty="0" smtClean="0"/>
                         <a:t>STEM based job category</a:t>
+                      </a:r>
+                      <a:endParaRPr lang="en-US" dirty="0"/>
+                    </a:p>
+                  </a:txBody>
+                  <a:tcPr/>
+                </a:tc>
+              </a:tr>
+              <a:tr h="370840">
+                <a:tc>
+                  <a:txBody>
+                    <a:bodyPr/>
+                    <a:lstStyle/>
+                    <a:p>
+                      <a:r>
+                        <a:rPr lang="en-US" dirty="0" smtClean="0"/>
+                        <a:t>4</a:t>
+                      </a:r>
+                      <a:endParaRPr lang="en-US" dirty="0"/>
+                    </a:p>
+                  </a:txBody>
+                  <a:tcPr/>
+                </a:tc>
+                <a:tc>
+                  <a:txBody>
+                    <a:bodyPr/>
+                    <a:lstStyle/>
+                    <a:p>
+                      <a:r>
+                        <a:rPr lang="en-US" dirty="0" smtClean="0"/>
+                        <a:t>Finance</a:t>
+                      </a:r>
+                      <a:endParaRPr lang="en-US" dirty="0"/>
+                    </a:p>
+                  </a:txBody>
+                  <a:tcPr/>
+                </a:tc>
+                <a:tc>
+                  <a:txBody>
+                    <a:bodyPr/>
+                    <a:lstStyle/>
+                    <a:p>
+                      <a:r>
+                        <a:rPr lang="en-US" dirty="0" smtClean="0"/>
+                        <a:t>Finance based job category</a:t>
                       </a:r>
                       <a:endParaRPr lang="en-US" dirty="0"/>
                     </a:p>
@@ -8099,7 +9198,7 @@
         </p:nvSpPr>
         <p:spPr>
           <a:xfrm>
-            <a:off x="1403648" y="3861048"/>
+            <a:off x="1403648" y="4104995"/>
             <a:ext cx="6096000" cy="1296144"/>
           </a:xfrm>
           <a:prstGeom prst="rect">
@@ -8323,17 +9422,44 @@
             </a:lvl9pPr>
           </a:lstStyle>
           <a:p>
+            <a:endParaRPr lang="en-US" sz="1400" dirty="0" smtClean="0"/>
+          </a:p>
+          <a:p>
             <a:r>
               <a:rPr lang="en-US" sz="1400" dirty="0" smtClean="0"/>
-              <a:t>Some assumptions are made where  job info is provided:</a:t>
+              <a:t>Some </a:t>
+            </a:r>
+            <a:r>
+              <a:rPr lang="en-US" sz="1400" dirty="0" smtClean="0"/>
+              <a:t>assumptions are made where  job </a:t>
+            </a:r>
+            <a:r>
+              <a:rPr lang="en-US" sz="1400" dirty="0" smtClean="0"/>
+              <a:t> info </a:t>
+            </a:r>
+            <a:r>
+              <a:rPr lang="en-US" sz="1400" dirty="0" smtClean="0"/>
+              <a:t>is provided:</a:t>
             </a:r>
           </a:p>
           <a:p>
             <a:pPr lvl="1"/>
             <a:r>
               <a:rPr lang="en-US" sz="1200" dirty="0" smtClean="0"/>
-              <a:t>Anything marked under “other” or “rather not say” is a non-STEM  job</a:t>
-            </a:r>
+              <a:t>Anything marked under “other” or “rather not say” is a non-STEM </a:t>
+            </a:r>
+            <a:r>
+              <a:rPr lang="en-US" sz="1200" dirty="0" smtClean="0"/>
+              <a:t> / Finance job</a:t>
+            </a:r>
+          </a:p>
+          <a:p>
+            <a:pPr lvl="1"/>
+            <a:r>
+              <a:rPr lang="en-US" sz="1200" dirty="0" smtClean="0"/>
+              <a:t>Finance is considered as slight higher value than STEM</a:t>
+            </a:r>
+            <a:endParaRPr lang="en-US" sz="1200" dirty="0" smtClean="0"/>
           </a:p>
           <a:p>
             <a:endParaRPr lang="en-US" dirty="0"/>
@@ -8353,7 +9479,7 @@
 </p:sld>
 </file>
 
-<file path=ppt/slides/slide14.xml><?xml version="1.0" encoding="utf-8"?>
+<file path=ppt/slides/slide18.xml><?xml version="1.0" encoding="utf-8"?>
 <p:sld xmlns:a="http://schemas.openxmlformats.org/drawingml/2006/main" xmlns:r="http://schemas.openxmlformats.org/officeDocument/2006/relationships" xmlns:p="http://schemas.openxmlformats.org/presentationml/2006/main">
   <p:cSld>
     <p:spTree>
@@ -8387,7 +9513,7 @@
           <a:p>
             <a:fld id="{86272B70-7F64-4F73-8F20-BB9EC051EBD1}" type="datetime2">
               <a:rPr lang="en-US" smtClean="0"/>
-              <a:t>Wednesday, December 12, 2018</a:t>
+              <a:t>Monday, December 17, 2018</a:t>
             </a:fld>
             <a:endParaRPr lang="en-US" dirty="0"/>
           </a:p>
@@ -8411,7 +9537,7 @@
             <a:fld id="{1789C0F2-17E0-497A-9BBE-0C73201AAFE3}" type="slidenum">
               <a:rPr lang="en-US" smtClean="0"/>
               <a:pPr/>
-              <a:t>14</a:t>
+              <a:t>18</a:t>
             </a:fld>
             <a:endParaRPr lang="en-US" dirty="0"/>
           </a:p>
@@ -8574,7 +9700,7 @@
           <p:nvPr>
             <p:extLst>
               <p:ext uri="{D42A27DB-BD31-4B8C-83A1-F6EECF244321}">
-                <p14:modId xmlns:p14="http://schemas.microsoft.com/office/powerpoint/2010/main" val="3374978258"/>
+                <p14:modId xmlns:p14="http://schemas.microsoft.com/office/powerpoint/2010/main" val="3665386970"/>
               </p:ext>
             </p:extLst>
           </p:nvPr>
@@ -9207,15 +10333,22 @@
                     <a:p>
                       <a:pPr algn="l" fontAlgn="b"/>
                       <a:r>
-                        <a:rPr lang="en-US" sz="900" b="0" i="0" u="none" strike="noStrike">
+                        <a:rPr lang="en-US" sz="900" b="0" i="0" u="none" strike="noStrike" dirty="0">
                           <a:solidFill>
                             <a:srgbClr val="000000"/>
                           </a:solidFill>
                           <a:effectLst/>
                           <a:latin typeface="Calibri"/>
                         </a:rPr>
-                        <a:t>2</a:t>
-                      </a:r>
+                        <a:t>4</a:t>
+                      </a:r>
+                      <a:endParaRPr lang="en-US" sz="900" b="0" i="0" u="none" strike="noStrike" dirty="0">
+                        <a:solidFill>
+                          <a:srgbClr val="000000"/>
+                        </a:solidFill>
+                        <a:effectLst/>
+                        <a:latin typeface="Calibri"/>
+                      </a:endParaRPr>
                     </a:p>
                   </a:txBody>
                   <a:tcPr marL="9525" marR="9525" marT="9525" marB="0" anchor="b"/>
@@ -9914,7 +11047,7 @@
 </p:sld>
 </file>
 
-<file path=ppt/slides/slide15.xml><?xml version="1.0" encoding="utf-8"?>
+<file path=ppt/slides/slide19.xml><?xml version="1.0" encoding="utf-8"?>
 <p:sld xmlns:a="http://schemas.openxmlformats.org/drawingml/2006/main" xmlns:r="http://schemas.openxmlformats.org/officeDocument/2006/relationships" xmlns:p="http://schemas.openxmlformats.org/presentationml/2006/main">
   <p:cSld>
     <p:spTree>
@@ -9980,7 +11113,7 @@
           <a:p>
             <a:fld id="{86272B70-7F64-4F73-8F20-BB9EC051EBD1}" type="datetime2">
               <a:rPr lang="en-US" smtClean="0"/>
-              <a:t>Wednesday, December 12, 2018</a:t>
+              <a:t>Monday, December 17, 2018</a:t>
             </a:fld>
             <a:endParaRPr lang="en-US" dirty="0"/>
           </a:p>
@@ -10004,7 +11137,7 @@
             <a:fld id="{1789C0F2-17E0-497A-9BBE-0C73201AAFE3}" type="slidenum">
               <a:rPr lang="en-US" smtClean="0"/>
               <a:pPr/>
-              <a:t>15</a:t>
+              <a:t>19</a:t>
             </a:fld>
             <a:endParaRPr lang="en-US" dirty="0"/>
           </a:p>
@@ -10442,14 +11575,14 @@
           <p:nvPr>
             <p:extLst>
               <p:ext uri="{D42A27DB-BD31-4B8C-83A1-F6EECF244321}">
-                <p14:modId xmlns:p14="http://schemas.microsoft.com/office/powerpoint/2010/main" val="654101251"/>
+                <p14:modId xmlns:p14="http://schemas.microsoft.com/office/powerpoint/2010/main" val="4151897452"/>
               </p:ext>
             </p:extLst>
           </p:nvPr>
         </p:nvGraphicFramePr>
         <p:xfrm>
-          <a:off x="944286" y="1268760"/>
-          <a:ext cx="6552729" cy="2485296"/>
+          <a:off x="1043608" y="1556792"/>
+          <a:ext cx="6552729" cy="1970652"/>
         </p:xfrm>
         <a:graphic>
           <a:graphicData uri="http://schemas.openxmlformats.org/drawingml/2006/table">
@@ -10514,64 +11647,6 @@
                       <a:r>
                         <a:rPr lang="en-US" sz="1100" dirty="0" smtClean="0"/>
                         <a:t>Note</a:t>
-                      </a:r>
-                      <a:endParaRPr lang="en-US" sz="1100" dirty="0"/>
-                    </a:p>
-                  </a:txBody>
-                  <a:tcPr/>
-                </a:tc>
-              </a:tr>
-              <a:tr h="514644">
-                <a:tc>
-                  <a:txBody>
-                    <a:bodyPr/>
-                    <a:lstStyle/>
-                    <a:p>
-                      <a:r>
-                        <a:rPr lang="en-US" sz="1100" dirty="0" smtClean="0"/>
-                        <a:t>No Income</a:t>
-                      </a:r>
-                      <a:endParaRPr lang="en-US" sz="1100" dirty="0"/>
-                    </a:p>
-                  </a:txBody>
-                  <a:tcPr/>
-                </a:tc>
-                <a:tc>
-                  <a:txBody>
-                    <a:bodyPr/>
-                    <a:lstStyle/>
-                    <a:p>
-                      <a:r>
-                        <a:rPr lang="en-US" sz="1100" dirty="0" smtClean="0"/>
-                        <a:t>-1 </a:t>
-                      </a:r>
-                      <a:endParaRPr lang="en-US" sz="1100" dirty="0"/>
-                    </a:p>
-                  </a:txBody>
-                  <a:tcPr/>
-                </a:tc>
-                <a:tc>
-                  <a:txBody>
-                    <a:bodyPr/>
-                    <a:lstStyle/>
-                    <a:p>
-                      <a:r>
-                        <a:rPr lang="en-US" sz="1100" dirty="0" smtClean="0"/>
-                        <a:t>1</a:t>
-                      </a:r>
-                      <a:endParaRPr lang="en-US" sz="1100" dirty="0"/>
-                    </a:p>
-                  </a:txBody>
-                  <a:tcPr/>
-                </a:tc>
-                <a:tc>
-                  <a:txBody>
-                    <a:bodyPr/>
-                    <a:lstStyle/>
-                    <a:p>
-                      <a:r>
-                        <a:rPr lang="en-US" sz="1100" dirty="0" smtClean="0"/>
-                        <a:t>An assumption is made here –where the value of “-1” indicates no income for the specific user</a:t>
                       </a:r>
                       <a:endParaRPr lang="en-US" sz="1100" dirty="0"/>
                     </a:p>
@@ -10808,7 +11883,7 @@
 </p:sld>
 </file>
 
-<file path=ppt/slides/slide16.xml><?xml version="1.0" encoding="utf-8"?>
+<file path=ppt/slides/slide2.xml><?xml version="1.0" encoding="utf-8"?>
 <p:sld xmlns:a="http://schemas.openxmlformats.org/drawingml/2006/main" xmlns:r="http://schemas.openxmlformats.org/officeDocument/2006/relationships" xmlns:p="http://schemas.openxmlformats.org/presentationml/2006/main">
   <p:cSld>
     <p:spTree>
@@ -10827,139 +11902,191 @@
       </p:grpSpPr>
       <p:sp>
         <p:nvSpPr>
-          <p:cNvPr id="7" name="Text Placeholder 6"/>
-          <p:cNvSpPr>
-            <a:spLocks noGrp="1"/>
-          </p:cNvSpPr>
-          <p:nvPr>
-            <p:ph type="body" idx="1"/>
-          </p:nvPr>
-        </p:nvSpPr>
-        <p:spPr/>
-        <p:txBody>
-          <a:bodyPr/>
-          <a:lstStyle/>
-          <a:p>
-            <a:r>
-              <a:rPr lang="en-US" dirty="0" err="1"/>
-              <a:t>Codecademy</a:t>
-            </a:r>
-            <a:r>
-              <a:rPr lang="en-US" dirty="0"/>
-              <a:t> - </a:t>
-            </a:r>
-            <a:r>
-              <a:rPr lang="en-US" dirty="0" err="1"/>
-              <a:t>OKCupid</a:t>
-            </a:r>
-            <a:r>
-              <a:rPr lang="en-US" dirty="0"/>
-              <a:t> sample </a:t>
-            </a:r>
+          <p:cNvPr id="8" name="Content Placeholder 7"/>
+          <p:cNvSpPr>
+            <a:spLocks noGrp="1"/>
+          </p:cNvSpPr>
+          <p:nvPr>
+            <p:ph idx="1"/>
+          </p:nvPr>
+        </p:nvSpPr>
+        <p:spPr>
+          <a:xfrm>
+            <a:off x="1403648" y="692696"/>
+            <a:ext cx="6096000" cy="3657599"/>
+          </a:xfrm>
+        </p:spPr>
+        <p:txBody>
+          <a:bodyPr>
+            <a:normAutofit/>
+          </a:bodyPr>
+          <a:lstStyle/>
+          <a:p>
             <a:r>
               <a:rPr lang="en-US" dirty="0" smtClean="0"/>
-              <a:t>data</a:t>
-            </a:r>
-            <a:endParaRPr lang="en-US" dirty="0"/>
-          </a:p>
-        </p:txBody>
-      </p:sp>
-      <p:sp>
-        <p:nvSpPr>
-          <p:cNvPr id="4" name="Date Placeholder 3"/>
-          <p:cNvSpPr>
-            <a:spLocks noGrp="1"/>
-          </p:cNvSpPr>
-          <p:nvPr>
-            <p:ph type="dt" sz="half" idx="10"/>
-          </p:nvPr>
-        </p:nvSpPr>
-        <p:spPr/>
-        <p:txBody>
-          <a:bodyPr/>
-          <a:lstStyle/>
-          <a:p>
-            <a:fld id="{86272B70-7F64-4F73-8F20-BB9EC051EBD1}" type="datetime2">
-              <a:rPr lang="en-US" smtClean="0"/>
-              <a:t>Wednesday, December 12, 2018</a:t>
-            </a:fld>
-            <a:endParaRPr lang="en-US" dirty="0"/>
-          </a:p>
-        </p:txBody>
-      </p:sp>
-      <p:sp>
-        <p:nvSpPr>
-          <p:cNvPr id="5" name="Slide Number Placeholder 4"/>
-          <p:cNvSpPr>
-            <a:spLocks noGrp="1"/>
-          </p:cNvSpPr>
-          <p:nvPr>
-            <p:ph type="sldNum" sz="quarter" idx="11"/>
-          </p:nvPr>
-        </p:nvSpPr>
-        <p:spPr/>
-        <p:txBody>
-          <a:bodyPr/>
-          <a:lstStyle/>
-          <a:p>
-            <a:fld id="{1789C0F2-17E0-497A-9BBE-0C73201AAFE3}" type="slidenum">
-              <a:rPr lang="en-US" smtClean="0"/>
-              <a:pPr/>
-              <a:t>16</a:t>
-            </a:fld>
-            <a:endParaRPr lang="en-US" dirty="0"/>
-          </a:p>
-        </p:txBody>
-      </p:sp>
-      <p:sp>
-        <p:nvSpPr>
-          <p:cNvPr id="6" name="Footer Placeholder 5"/>
-          <p:cNvSpPr>
-            <a:spLocks noGrp="1"/>
-          </p:cNvSpPr>
-          <p:nvPr>
-            <p:ph type="ftr" sz="quarter" idx="12"/>
-          </p:nvPr>
-        </p:nvSpPr>
-        <p:spPr/>
-        <p:txBody>
-          <a:bodyPr/>
-          <a:lstStyle/>
-          <a:p>
-            <a:r>
-              <a:rPr lang="en-US" smtClean="0"/>
-              <a:t>Codecademy - Machine Learning Fundamentals – Tay Khek Yang</a:t>
-            </a:r>
-            <a:endParaRPr lang="en-US" dirty="0"/>
-          </a:p>
-        </p:txBody>
-      </p:sp>
-      <p:sp>
-        <p:nvSpPr>
-          <p:cNvPr id="3" name="Title 2"/>
-          <p:cNvSpPr>
-            <a:spLocks noGrp="1"/>
-          </p:cNvSpPr>
-          <p:nvPr>
-            <p:ph type="title"/>
-          </p:nvPr>
-        </p:nvSpPr>
-        <p:spPr/>
-        <p:txBody>
-          <a:bodyPr/>
-          <a:lstStyle/>
-          <a:p>
+              <a:t>Exploration of Dataset</a:t>
+            </a:r>
+            <a:endParaRPr lang="en-US" dirty="0">
+              <a:effectLst/>
+            </a:endParaRPr>
+          </a:p>
+          <a:p>
+            <a:r>
+              <a:rPr lang="en-US" dirty="0" smtClean="0">
+                <a:effectLst/>
+              </a:rPr>
+              <a:t>Statement </a:t>
+            </a:r>
             <a:r>
               <a:rPr lang="en-US" dirty="0">
                 <a:effectLst/>
               </a:rPr>
-              <a:t>Comparison of 2 classification </a:t>
+              <a:t>of </a:t>
             </a:r>
             <a:r>
               <a:rPr lang="en-US" dirty="0" smtClean="0">
                 <a:effectLst/>
               </a:rPr>
-              <a:t>approaches</a:t>
+              <a:t>Question</a:t>
+            </a:r>
+            <a:endParaRPr lang="en-US" dirty="0">
+              <a:effectLst/>
+            </a:endParaRPr>
+          </a:p>
+          <a:p>
+            <a:r>
+              <a:rPr lang="en-US" dirty="0" smtClean="0">
+                <a:effectLst/>
+              </a:rPr>
+              <a:t>Definition of New Columns</a:t>
+            </a:r>
+            <a:endParaRPr lang="en-US" dirty="0">
+              <a:effectLst/>
+            </a:endParaRPr>
+          </a:p>
+          <a:p>
+            <a:r>
+              <a:rPr lang="en-US" dirty="0" smtClean="0">
+                <a:effectLst/>
+              </a:rPr>
+              <a:t>Comparison of 2 classification approaches</a:t>
+            </a:r>
+            <a:endParaRPr lang="en-US" dirty="0">
+              <a:effectLst/>
+            </a:endParaRPr>
+          </a:p>
+          <a:p>
+            <a:r>
+              <a:rPr lang="en-US" dirty="0" smtClean="0">
+                <a:effectLst/>
+              </a:rPr>
+              <a:t>Comparison of 2 regression approaches</a:t>
+            </a:r>
+            <a:endParaRPr lang="en-US" dirty="0">
+              <a:effectLst/>
+            </a:endParaRPr>
+          </a:p>
+          <a:p>
+            <a:r>
+              <a:rPr lang="en-US" dirty="0" smtClean="0">
+                <a:effectLst/>
+              </a:rPr>
+              <a:t>Conclusion</a:t>
+            </a:r>
+            <a:endParaRPr lang="en-US" dirty="0">
+              <a:effectLst/>
+            </a:endParaRPr>
+          </a:p>
+        </p:txBody>
+      </p:sp>
+      <p:sp>
+        <p:nvSpPr>
+          <p:cNvPr id="7" name="Title 6"/>
+          <p:cNvSpPr>
+            <a:spLocks noGrp="1"/>
+          </p:cNvSpPr>
+          <p:nvPr>
+            <p:ph type="title"/>
+          </p:nvPr>
+        </p:nvSpPr>
+        <p:spPr/>
+        <p:txBody>
+          <a:bodyPr/>
+          <a:lstStyle/>
+          <a:p>
+            <a:r>
+              <a:rPr lang="en-US" dirty="0" smtClean="0"/>
+              <a:t>Contents</a:t>
+            </a:r>
+            <a:endParaRPr lang="en-US" dirty="0"/>
+          </a:p>
+        </p:txBody>
+      </p:sp>
+      <p:sp>
+        <p:nvSpPr>
+          <p:cNvPr id="4" name="Date Placeholder 3"/>
+          <p:cNvSpPr>
+            <a:spLocks noGrp="1"/>
+          </p:cNvSpPr>
+          <p:nvPr>
+            <p:ph type="dt" sz="half" idx="10"/>
+          </p:nvPr>
+        </p:nvSpPr>
+        <p:spPr/>
+        <p:txBody>
+          <a:bodyPr/>
+          <a:lstStyle/>
+          <a:p>
+            <a:fld id="{86272B70-7F64-4F73-8F20-BB9EC051EBD1}" type="datetime2">
+              <a:rPr lang="en-US" smtClean="0"/>
+              <a:t>Monday, December 17, 2018</a:t>
+            </a:fld>
+            <a:endParaRPr lang="en-US" dirty="0"/>
+          </a:p>
+        </p:txBody>
+      </p:sp>
+      <p:sp>
+        <p:nvSpPr>
+          <p:cNvPr id="5" name="Slide Number Placeholder 4"/>
+          <p:cNvSpPr>
+            <a:spLocks noGrp="1"/>
+          </p:cNvSpPr>
+          <p:nvPr>
+            <p:ph type="sldNum" sz="quarter" idx="11"/>
+          </p:nvPr>
+        </p:nvSpPr>
+        <p:spPr/>
+        <p:txBody>
+          <a:bodyPr/>
+          <a:lstStyle/>
+          <a:p>
+            <a:fld id="{1789C0F2-17E0-497A-9BBE-0C73201AAFE3}" type="slidenum">
+              <a:rPr lang="en-US" smtClean="0"/>
+              <a:pPr/>
+              <a:t>2</a:t>
+            </a:fld>
+            <a:endParaRPr lang="en-US" dirty="0"/>
+          </a:p>
+        </p:txBody>
+      </p:sp>
+      <p:sp>
+        <p:nvSpPr>
+          <p:cNvPr id="6" name="Footer Placeholder 5"/>
+          <p:cNvSpPr>
+            <a:spLocks noGrp="1"/>
+          </p:cNvSpPr>
+          <p:nvPr>
+            <p:ph type="ftr" sz="quarter" idx="12"/>
+          </p:nvPr>
+        </p:nvSpPr>
+        <p:spPr/>
+        <p:txBody>
+          <a:bodyPr/>
+          <a:lstStyle/>
+          <a:p>
+            <a:r>
+              <a:rPr lang="en-US" smtClean="0"/>
+              <a:t>Codecademy - Machine Learning Fundamentals – Tay Khek Yang</a:t>
             </a:r>
             <a:endParaRPr lang="en-US" dirty="0"/>
           </a:p>
@@ -10968,7 +12095,7 @@
     </p:spTree>
     <p:extLst>
       <p:ext uri="{BB962C8B-B14F-4D97-AF65-F5344CB8AC3E}">
-        <p14:creationId xmlns:p14="http://schemas.microsoft.com/office/powerpoint/2010/main" val="2661247740"/>
+        <p14:creationId xmlns:p14="http://schemas.microsoft.com/office/powerpoint/2010/main" val="3882238348"/>
       </p:ext>
     </p:extLst>
   </p:cSld>
@@ -10978,7 +12105,7 @@
 </p:sld>
 </file>
 
-<file path=ppt/slides/slide17.xml><?xml version="1.0" encoding="utf-8"?>
+<file path=ppt/slides/slide20.xml><?xml version="1.0" encoding="utf-8"?>
 <p:sld xmlns:a="http://schemas.openxmlformats.org/drawingml/2006/main" xmlns:r="http://schemas.openxmlformats.org/officeDocument/2006/relationships" xmlns:p="http://schemas.openxmlformats.org/presentationml/2006/main">
   <p:cSld>
     <p:spTree>
@@ -10997,12 +12124,12 @@
       </p:grpSpPr>
       <p:sp>
         <p:nvSpPr>
-          <p:cNvPr id="8" name="Content Placeholder 7"/>
-          <p:cNvSpPr>
-            <a:spLocks noGrp="1"/>
-          </p:cNvSpPr>
-          <p:nvPr>
-            <p:ph idx="1"/>
+          <p:cNvPr id="7" name="Text Placeholder 6"/>
+          <p:cNvSpPr>
+            <a:spLocks noGrp="1"/>
+          </p:cNvSpPr>
+          <p:nvPr>
+            <p:ph type="body" idx="1"/>
           </p:nvPr>
         </p:nvSpPr>
         <p:spPr/>
@@ -11011,35 +12138,102 @@
           <a:lstStyle/>
           <a:p>
             <a:r>
+              <a:rPr lang="en-US" dirty="0" err="1"/>
+              <a:t>Codecademy</a:t>
+            </a:r>
+            <a:r>
+              <a:rPr lang="en-US" dirty="0"/>
+              <a:t> - </a:t>
+            </a:r>
+            <a:r>
+              <a:rPr lang="en-US" dirty="0" err="1"/>
+              <a:t>OKCupid</a:t>
+            </a:r>
+            <a:r>
+              <a:rPr lang="en-US" dirty="0"/>
+              <a:t> sample </a:t>
+            </a:r>
+            <a:r>
               <a:rPr lang="en-US" dirty="0" smtClean="0"/>
-              <a:t>There are 2 main classification approaches which is used in this project</a:t>
-            </a:r>
-          </a:p>
-          <a:p>
-            <a:pPr lvl="1"/>
-            <a:r>
-              <a:rPr lang="en-US" dirty="0" err="1" smtClean="0"/>
-              <a:t>KNeighborsClassifier</a:t>
-            </a:r>
-            <a:endParaRPr lang="en-US" dirty="0" smtClean="0"/>
-          </a:p>
-          <a:p>
-            <a:pPr lvl="1"/>
-            <a:r>
-              <a:rPr lang="en-US" dirty="0" err="1" smtClean="0"/>
-              <a:t>KMeans</a:t>
-            </a:r>
-            <a:r>
-              <a:rPr lang="en-US" dirty="0" smtClean="0"/>
-              <a:t>++</a:t>
-            </a:r>
-            <a:endParaRPr lang="en-US" dirty="0"/>
-          </a:p>
-        </p:txBody>
-      </p:sp>
-      <p:sp>
-        <p:nvSpPr>
-          <p:cNvPr id="7" name="Title 6"/>
+              <a:t>data</a:t>
+            </a:r>
+            <a:endParaRPr lang="en-US" dirty="0"/>
+          </a:p>
+        </p:txBody>
+      </p:sp>
+      <p:sp>
+        <p:nvSpPr>
+          <p:cNvPr id="4" name="Date Placeholder 3"/>
+          <p:cNvSpPr>
+            <a:spLocks noGrp="1"/>
+          </p:cNvSpPr>
+          <p:nvPr>
+            <p:ph type="dt" sz="half" idx="10"/>
+          </p:nvPr>
+        </p:nvSpPr>
+        <p:spPr/>
+        <p:txBody>
+          <a:bodyPr/>
+          <a:lstStyle/>
+          <a:p>
+            <a:fld id="{86272B70-7F64-4F73-8F20-BB9EC051EBD1}" type="datetime2">
+              <a:rPr lang="en-US" smtClean="0"/>
+              <a:t>Monday, December 17, 2018</a:t>
+            </a:fld>
+            <a:endParaRPr lang="en-US" dirty="0"/>
+          </a:p>
+        </p:txBody>
+      </p:sp>
+      <p:sp>
+        <p:nvSpPr>
+          <p:cNvPr id="5" name="Slide Number Placeholder 4"/>
+          <p:cNvSpPr>
+            <a:spLocks noGrp="1"/>
+          </p:cNvSpPr>
+          <p:nvPr>
+            <p:ph type="sldNum" sz="quarter" idx="11"/>
+          </p:nvPr>
+        </p:nvSpPr>
+        <p:spPr/>
+        <p:txBody>
+          <a:bodyPr/>
+          <a:lstStyle/>
+          <a:p>
+            <a:fld id="{1789C0F2-17E0-497A-9BBE-0C73201AAFE3}" type="slidenum">
+              <a:rPr lang="en-US" smtClean="0"/>
+              <a:pPr/>
+              <a:t>20</a:t>
+            </a:fld>
+            <a:endParaRPr lang="en-US" dirty="0"/>
+          </a:p>
+        </p:txBody>
+      </p:sp>
+      <p:sp>
+        <p:nvSpPr>
+          <p:cNvPr id="6" name="Footer Placeholder 5"/>
+          <p:cNvSpPr>
+            <a:spLocks noGrp="1"/>
+          </p:cNvSpPr>
+          <p:nvPr>
+            <p:ph type="ftr" sz="quarter" idx="12"/>
+          </p:nvPr>
+        </p:nvSpPr>
+        <p:spPr/>
+        <p:txBody>
+          <a:bodyPr/>
+          <a:lstStyle/>
+          <a:p>
+            <a:r>
+              <a:rPr lang="en-US" smtClean="0"/>
+              <a:t>Codecademy - Machine Learning Fundamentals – Tay Khek Yang</a:t>
+            </a:r>
+            <a:endParaRPr lang="en-US" dirty="0"/>
+          </a:p>
+        </p:txBody>
+      </p:sp>
+      <p:sp>
+        <p:nvSpPr>
+          <p:cNvPr id="3" name="Title 2"/>
           <p:cNvSpPr>
             <a:spLocks noGrp="1"/>
           </p:cNvSpPr>
@@ -11053,78 +12247,16 @@
           <a:lstStyle/>
           <a:p>
             <a:r>
-              <a:rPr lang="en-US" dirty="0" smtClean="0"/>
-              <a:t>2 classification approaches</a:t>
-            </a:r>
-            <a:endParaRPr lang="en-US" dirty="0"/>
-          </a:p>
-        </p:txBody>
-      </p:sp>
-      <p:sp>
-        <p:nvSpPr>
-          <p:cNvPr id="3" name="Date Placeholder 2"/>
-          <p:cNvSpPr>
-            <a:spLocks noGrp="1"/>
-          </p:cNvSpPr>
-          <p:nvPr>
-            <p:ph type="dt" sz="half" idx="10"/>
-          </p:nvPr>
-        </p:nvSpPr>
-        <p:spPr/>
-        <p:txBody>
-          <a:bodyPr/>
-          <a:lstStyle/>
-          <a:p>
-            <a:fld id="{E3C8A2D6-A616-4504-925B-170393655917}" type="datetime2">
-              <a:rPr lang="en-US" smtClean="0"/>
-              <a:t>Wednesday, December 12, 2018</a:t>
-            </a:fld>
-            <a:endParaRPr lang="en-US" dirty="0"/>
-          </a:p>
-        </p:txBody>
-      </p:sp>
-      <p:sp>
-        <p:nvSpPr>
-          <p:cNvPr id="4" name="Slide Number Placeholder 3"/>
-          <p:cNvSpPr>
-            <a:spLocks noGrp="1"/>
-          </p:cNvSpPr>
-          <p:nvPr>
-            <p:ph type="sldNum" sz="quarter" idx="11"/>
-          </p:nvPr>
-        </p:nvSpPr>
-        <p:spPr/>
-        <p:txBody>
-          <a:bodyPr/>
-          <a:lstStyle/>
-          <a:p>
-            <a:fld id="{1789C0F2-17E0-497A-9BBE-0C73201AAFE3}" type="slidenum">
-              <a:rPr lang="en-US" smtClean="0"/>
-              <a:pPr/>
-              <a:t>17</a:t>
-            </a:fld>
-            <a:endParaRPr lang="en-US" dirty="0"/>
-          </a:p>
-        </p:txBody>
-      </p:sp>
-      <p:sp>
-        <p:nvSpPr>
-          <p:cNvPr id="5" name="Footer Placeholder 4"/>
-          <p:cNvSpPr>
-            <a:spLocks noGrp="1"/>
-          </p:cNvSpPr>
-          <p:nvPr>
-            <p:ph type="ftr" sz="quarter" idx="12"/>
-          </p:nvPr>
-        </p:nvSpPr>
-        <p:spPr/>
-        <p:txBody>
-          <a:bodyPr/>
-          <a:lstStyle/>
-          <a:p>
-            <a:r>
-              <a:rPr lang="en-US" smtClean="0"/>
-              <a:t>Codecademy - Machine Learning Fundamentals – Tay Khek Yang</a:t>
+              <a:rPr lang="en-US" dirty="0">
+                <a:effectLst/>
+              </a:rPr>
+              <a:t>Comparison of 2 classification </a:t>
+            </a:r>
+            <a:r>
+              <a:rPr lang="en-US" dirty="0" smtClean="0">
+                <a:effectLst/>
+              </a:rPr>
+              <a:t>approaches</a:t>
             </a:r>
             <a:endParaRPr lang="en-US" dirty="0"/>
           </a:p>
@@ -11133,7 +12265,7 @@
     </p:spTree>
     <p:extLst>
       <p:ext uri="{BB962C8B-B14F-4D97-AF65-F5344CB8AC3E}">
-        <p14:creationId xmlns:p14="http://schemas.microsoft.com/office/powerpoint/2010/main" val="1161608303"/>
+        <p14:creationId xmlns:p14="http://schemas.microsoft.com/office/powerpoint/2010/main" val="2661247740"/>
       </p:ext>
     </p:extLst>
   </p:cSld>
@@ -11143,7 +12275,7 @@
 </p:sld>
 </file>
 
-<file path=ppt/slides/slide18.xml><?xml version="1.0" encoding="utf-8"?>
+<file path=ppt/slides/slide21.xml><?xml version="1.0" encoding="utf-8"?>
 <p:sld xmlns:a="http://schemas.openxmlformats.org/drawingml/2006/main" xmlns:r="http://schemas.openxmlformats.org/officeDocument/2006/relationships" xmlns:p="http://schemas.openxmlformats.org/presentationml/2006/main">
   <p:cSld>
     <p:spTree>
@@ -11162,6 +12294,171 @@
       </p:grpSpPr>
       <p:sp>
         <p:nvSpPr>
+          <p:cNvPr id="8" name="Content Placeholder 7"/>
+          <p:cNvSpPr>
+            <a:spLocks noGrp="1"/>
+          </p:cNvSpPr>
+          <p:nvPr>
+            <p:ph idx="1"/>
+          </p:nvPr>
+        </p:nvSpPr>
+        <p:spPr/>
+        <p:txBody>
+          <a:bodyPr/>
+          <a:lstStyle/>
+          <a:p>
+            <a:r>
+              <a:rPr lang="en-US" dirty="0" smtClean="0"/>
+              <a:t>There are 2 main classification approaches which is used in this project</a:t>
+            </a:r>
+          </a:p>
+          <a:p>
+            <a:pPr lvl="1"/>
+            <a:r>
+              <a:rPr lang="en-US" dirty="0" err="1" smtClean="0"/>
+              <a:t>KNeighborsClassifier</a:t>
+            </a:r>
+            <a:endParaRPr lang="en-US" dirty="0" smtClean="0"/>
+          </a:p>
+          <a:p>
+            <a:pPr lvl="1"/>
+            <a:r>
+              <a:rPr lang="en-US" dirty="0" err="1" smtClean="0"/>
+              <a:t>KMeans</a:t>
+            </a:r>
+            <a:r>
+              <a:rPr lang="en-US" dirty="0" smtClean="0"/>
+              <a:t>++</a:t>
+            </a:r>
+            <a:endParaRPr lang="en-US" dirty="0"/>
+          </a:p>
+        </p:txBody>
+      </p:sp>
+      <p:sp>
+        <p:nvSpPr>
+          <p:cNvPr id="7" name="Title 6"/>
+          <p:cNvSpPr>
+            <a:spLocks noGrp="1"/>
+          </p:cNvSpPr>
+          <p:nvPr>
+            <p:ph type="title"/>
+          </p:nvPr>
+        </p:nvSpPr>
+        <p:spPr/>
+        <p:txBody>
+          <a:bodyPr/>
+          <a:lstStyle/>
+          <a:p>
+            <a:r>
+              <a:rPr lang="en-US" dirty="0" smtClean="0"/>
+              <a:t>2 classification approaches</a:t>
+            </a:r>
+            <a:endParaRPr lang="en-US" dirty="0"/>
+          </a:p>
+        </p:txBody>
+      </p:sp>
+      <p:sp>
+        <p:nvSpPr>
+          <p:cNvPr id="3" name="Date Placeholder 2"/>
+          <p:cNvSpPr>
+            <a:spLocks noGrp="1"/>
+          </p:cNvSpPr>
+          <p:nvPr>
+            <p:ph type="dt" sz="half" idx="10"/>
+          </p:nvPr>
+        </p:nvSpPr>
+        <p:spPr/>
+        <p:txBody>
+          <a:bodyPr/>
+          <a:lstStyle/>
+          <a:p>
+            <a:fld id="{E3C8A2D6-A616-4504-925B-170393655917}" type="datetime2">
+              <a:rPr lang="en-US" smtClean="0"/>
+              <a:t>Monday, December 17, 2018</a:t>
+            </a:fld>
+            <a:endParaRPr lang="en-US" dirty="0"/>
+          </a:p>
+        </p:txBody>
+      </p:sp>
+      <p:sp>
+        <p:nvSpPr>
+          <p:cNvPr id="4" name="Slide Number Placeholder 3"/>
+          <p:cNvSpPr>
+            <a:spLocks noGrp="1"/>
+          </p:cNvSpPr>
+          <p:nvPr>
+            <p:ph type="sldNum" sz="quarter" idx="11"/>
+          </p:nvPr>
+        </p:nvSpPr>
+        <p:spPr/>
+        <p:txBody>
+          <a:bodyPr/>
+          <a:lstStyle/>
+          <a:p>
+            <a:fld id="{1789C0F2-17E0-497A-9BBE-0C73201AAFE3}" type="slidenum">
+              <a:rPr lang="en-US" smtClean="0"/>
+              <a:pPr/>
+              <a:t>21</a:t>
+            </a:fld>
+            <a:endParaRPr lang="en-US" dirty="0"/>
+          </a:p>
+        </p:txBody>
+      </p:sp>
+      <p:sp>
+        <p:nvSpPr>
+          <p:cNvPr id="5" name="Footer Placeholder 4"/>
+          <p:cNvSpPr>
+            <a:spLocks noGrp="1"/>
+          </p:cNvSpPr>
+          <p:nvPr>
+            <p:ph type="ftr" sz="quarter" idx="12"/>
+          </p:nvPr>
+        </p:nvSpPr>
+        <p:spPr/>
+        <p:txBody>
+          <a:bodyPr/>
+          <a:lstStyle/>
+          <a:p>
+            <a:r>
+              <a:rPr lang="en-US" smtClean="0"/>
+              <a:t>Codecademy - Machine Learning Fundamentals – Tay Khek Yang</a:t>
+            </a:r>
+            <a:endParaRPr lang="en-US" dirty="0"/>
+          </a:p>
+        </p:txBody>
+      </p:sp>
+    </p:spTree>
+    <p:extLst>
+      <p:ext uri="{BB962C8B-B14F-4D97-AF65-F5344CB8AC3E}">
+        <p14:creationId xmlns:p14="http://schemas.microsoft.com/office/powerpoint/2010/main" val="1161608303"/>
+      </p:ext>
+    </p:extLst>
+  </p:cSld>
+  <p:clrMapOvr>
+    <a:masterClrMapping/>
+  </p:clrMapOvr>
+</p:sld>
+</file>
+
+<file path=ppt/slides/slide22.xml><?xml version="1.0" encoding="utf-8"?>
+<p:sld xmlns:a="http://schemas.openxmlformats.org/drawingml/2006/main" xmlns:r="http://schemas.openxmlformats.org/officeDocument/2006/relationships" xmlns:p="http://schemas.openxmlformats.org/presentationml/2006/main">
+  <p:cSld>
+    <p:spTree>
+      <p:nvGrpSpPr>
+        <p:cNvPr id="1" name=""/>
+        <p:cNvGrpSpPr/>
+        <p:nvPr/>
+      </p:nvGrpSpPr>
+      <p:grpSpPr>
+        <a:xfrm>
+          <a:off x="0" y="0"/>
+          <a:ext cx="0" cy="0"/>
+          <a:chOff x="0" y="0"/>
+          <a:chExt cx="0" cy="0"/>
+        </a:xfrm>
+      </p:grpSpPr>
+      <p:sp>
+        <p:nvSpPr>
           <p:cNvPr id="2" name="Content Placeholder 1"/>
           <p:cNvSpPr>
             <a:spLocks noGrp="1"/>
@@ -11172,47 +12469,74 @@
         </p:nvSpPr>
         <p:spPr>
           <a:xfrm>
-            <a:off x="4644008" y="685801"/>
-            <a:ext cx="3585592" cy="3657599"/>
+            <a:off x="4644008" y="836712"/>
+            <a:ext cx="3585592" cy="3823521"/>
           </a:xfrm>
         </p:spPr>
         <p:txBody>
           <a:bodyPr>
-            <a:normAutofit fontScale="92500" lnSpcReduction="10000"/>
+            <a:normAutofit fontScale="92500" lnSpcReduction="20000"/>
           </a:bodyPr>
           <a:lstStyle/>
           <a:p>
             <a:r>
               <a:rPr lang="en-US" dirty="0" smtClean="0"/>
-              <a:t>We were able to predict and have up to 3 types of income categories using this approach – It appears to have difficulty predicting for the “high income” category</a:t>
-            </a:r>
-          </a:p>
-          <a:p>
-            <a:endParaRPr lang="en-US" dirty="0"/>
-          </a:p>
-          <a:p>
-            <a:endParaRPr lang="en-US" dirty="0"/>
+              <a:t>We </a:t>
+            </a:r>
+            <a:r>
+              <a:rPr lang="en-US" dirty="0"/>
+              <a:t>are getting quite good scores when </a:t>
+            </a:r>
+            <a:r>
+              <a:rPr lang="en-US" dirty="0" err="1"/>
+              <a:t>n_neighbors</a:t>
+            </a:r>
+            <a:r>
+              <a:rPr lang="en-US" dirty="0"/>
+              <a:t> is set to 15(0.6214421252371917</a:t>
+            </a:r>
+            <a:r>
+              <a:rPr lang="en-US" dirty="0" smtClean="0"/>
+              <a:t>)</a:t>
+            </a:r>
           </a:p>
           <a:p>
             <a:endParaRPr lang="en-US" dirty="0" smtClean="0"/>
           </a:p>
           <a:p>
+            <a:endParaRPr lang="en-US" dirty="0"/>
+          </a:p>
+          <a:p>
             <a:r>
               <a:rPr lang="en-US" dirty="0" smtClean="0"/>
-              <a:t>We are getting quite good scores when </a:t>
-            </a:r>
-            <a:r>
-              <a:rPr lang="en-US" dirty="0" err="1" smtClean="0"/>
+              <a:t>Score </a:t>
+            </a:r>
+            <a:r>
+              <a:rPr lang="en-US" dirty="0"/>
+              <a:t>value can be set higher if the </a:t>
+            </a:r>
+            <a:r>
+              <a:rPr lang="en-US" dirty="0" err="1"/>
               <a:t>n_neighbors</a:t>
             </a:r>
             <a:r>
               <a:rPr lang="en-US" dirty="0"/>
-              <a:t> is set to 5 (</a:t>
-            </a:r>
-            <a:r>
-              <a:rPr lang="en-US" dirty="0" smtClean="0"/>
-              <a:t>0.7509081473793461)</a:t>
-            </a:r>
+              <a:t> is set to a higher value (up to 25) – Running with higher </a:t>
+            </a:r>
+            <a:r>
+              <a:rPr lang="en-US" dirty="0" err="1"/>
+              <a:t>n_neighbors</a:t>
+            </a:r>
+            <a:r>
+              <a:rPr lang="en-US" dirty="0"/>
+              <a:t> values has diminishing returns as per scoring comparison (0-200 tested – takes ~ 2 minutes to complete)</a:t>
+            </a:r>
+          </a:p>
+          <a:p>
+            <a:pPr marL="18288" indent="0">
+              <a:buNone/>
+            </a:pPr>
+            <a:endParaRPr lang="en-US" dirty="0"/>
           </a:p>
           <a:p>
             <a:pPr lvl="1"/>
@@ -11260,7 +12584,7 @@
           <a:p>
             <a:fld id="{86272B70-7F64-4F73-8F20-BB9EC051EBD1}" type="datetime2">
               <a:rPr lang="en-US" smtClean="0"/>
-              <a:t>Wednesday, December 12, 2018</a:t>
+              <a:t>Monday, December 17, 2018</a:t>
             </a:fld>
             <a:endParaRPr lang="en-US" dirty="0"/>
           </a:p>
@@ -11284,7 +12608,7 @@
             <a:fld id="{1789C0F2-17E0-497A-9BBE-0C73201AAFE3}" type="slidenum">
               <a:rPr lang="en-US" smtClean="0"/>
               <a:pPr/>
-              <a:t>18</a:t>
+              <a:t>22</a:t>
             </a:fld>
             <a:endParaRPr lang="en-US" dirty="0"/>
           </a:p>
@@ -11315,9 +12639,9 @@
       </p:sp>
       <p:pic>
         <p:nvPicPr>
-          <p:cNvPr id="7" name="Picture 6"/>
+          <p:cNvPr id="12" name="Picture 2"/>
           <p:cNvPicPr>
-            <a:picLocks noChangeAspect="1"/>
+            <a:picLocks noChangeAspect="1" noChangeArrowheads="1"/>
           </p:cNvPicPr>
           <p:nvPr/>
         </p:nvPicPr>
@@ -11329,23 +12653,47 @@
               </a:ext>
             </a:extLst>
           </a:blip>
+          <a:srcRect/>
           <a:stretch>
             <a:fillRect/>
           </a:stretch>
         </p:blipFill>
-        <p:spPr>
+        <p:spPr bwMode="auto">
           <a:xfrm>
-            <a:off x="539552" y="332656"/>
-            <a:ext cx="3870598" cy="2586882"/>
+            <a:off x="827584" y="2112660"/>
+            <a:ext cx="3388704" cy="2784970"/>
           </a:xfrm>
           <a:prstGeom prst="rect">
             <a:avLst/>
           </a:prstGeom>
+          <a:noFill/>
+          <a:ln>
+            <a:noFill/>
+          </a:ln>
+          <a:extLst>
+            <a:ext uri="{909E8E84-426E-40DD-AFC4-6F175D3DCCD1}">
+              <a14:hiddenFill xmlns:a14="http://schemas.microsoft.com/office/drawing/2010/main">
+                <a:solidFill>
+                  <a:schemeClr val="accent1"/>
+                </a:solidFill>
+              </a14:hiddenFill>
+            </a:ext>
+            <a:ext uri="{91240B29-F687-4F45-9708-019B960494DF}">
+              <a14:hiddenLine xmlns:a14="http://schemas.microsoft.com/office/drawing/2010/main" w="9525">
+                <a:solidFill>
+                  <a:schemeClr val="tx1"/>
+                </a:solidFill>
+                <a:miter lim="800000"/>
+                <a:headEnd/>
+                <a:tailEnd/>
+              </a14:hiddenLine>
+            </a:ext>
+          </a:extLst>
         </p:spPr>
       </p:pic>
       <p:pic>
         <p:nvPicPr>
-          <p:cNvPr id="2050" name="Picture 2"/>
+          <p:cNvPr id="1028" name="Picture 4"/>
           <p:cNvPicPr>
             <a:picLocks noChangeAspect="1" noChangeArrowheads="1"/>
           </p:cNvPicPr>
@@ -11366,8 +12714,8 @@
         </p:blipFill>
         <p:spPr bwMode="auto">
           <a:xfrm>
-            <a:off x="971600" y="3284984"/>
-            <a:ext cx="3394227" cy="816868"/>
+            <a:off x="827584" y="402187"/>
+            <a:ext cx="3378440" cy="1446854"/>
           </a:xfrm>
           <a:prstGeom prst="rect">
             <a:avLst/>
@@ -11410,7 +12758,7 @@
 </p:sld>
 </file>
 
-<file path=ppt/slides/slide19.xml><?xml version="1.0" encoding="utf-8"?>
+<file path=ppt/slides/slide23.xml><?xml version="1.0" encoding="utf-8"?>
 <p:sld xmlns:a="http://schemas.openxmlformats.org/drawingml/2006/main" xmlns:r="http://schemas.openxmlformats.org/officeDocument/2006/relationships" xmlns:p="http://schemas.openxmlformats.org/presentationml/2006/main">
   <p:cSld>
     <p:spTree>
@@ -11439,64 +12787,61 @@
         </p:nvSpPr>
         <p:spPr>
           <a:xfrm>
-            <a:off x="4499992" y="620688"/>
-            <a:ext cx="3729608" cy="4032447"/>
+            <a:off x="4788024" y="620688"/>
+            <a:ext cx="3729608" cy="4392488"/>
           </a:xfrm>
         </p:spPr>
         <p:txBody>
           <a:bodyPr>
-            <a:normAutofit fontScale="85000" lnSpcReduction="20000"/>
+            <a:normAutofit fontScale="92500" lnSpcReduction="20000"/>
           </a:bodyPr>
           <a:lstStyle/>
           <a:p>
             <a:r>
               <a:rPr lang="en-US" dirty="0" smtClean="0"/>
-              <a:t>Score value can be set higher if the </a:t>
-            </a:r>
-            <a:r>
-              <a:rPr lang="en-US" dirty="0" err="1" smtClean="0"/>
-              <a:t>n_neighbors</a:t>
-            </a:r>
+              <a:t>In comparison of X Test prediction vs actual count of Y test output – we can observe the following:</a:t>
+            </a:r>
+          </a:p>
+          <a:p>
+            <a:pPr lvl="1"/>
             <a:r>
               <a:rPr lang="en-US" dirty="0" smtClean="0"/>
-              <a:t> is set to a higher value (up to 25) – Running with higher </a:t>
-            </a:r>
-            <a:r>
-              <a:rPr lang="en-US" dirty="0" err="1" smtClean="0"/>
-              <a:t>n_neighbors</a:t>
+              <a:t>The classifier appears to have difficulty predicting entries with High Income</a:t>
+            </a:r>
+          </a:p>
+          <a:p>
+            <a:pPr lvl="1"/>
+            <a:r>
+              <a:rPr lang="en-US" dirty="0"/>
+              <a:t>The general count looks </a:t>
             </a:r>
             <a:r>
               <a:rPr lang="en-US" dirty="0" smtClean="0"/>
-              <a:t> values has diminishing returns as per scoring comparison (0-200 tested – takes ~ 2 minutes to complete)</a:t>
-            </a:r>
-          </a:p>
-          <a:p>
+              <a:t>similar with </a:t>
+            </a:r>
+            <a:r>
+              <a:rPr lang="en-US" dirty="0"/>
+              <a:t>the income category for all selected dataset with Income information </a:t>
+            </a:r>
+            <a:r>
+              <a:rPr lang="en-US" dirty="0" smtClean="0"/>
+              <a:t>i.e.</a:t>
+            </a:r>
+          </a:p>
+          <a:p>
+            <a:pPr lvl="2"/>
+            <a:r>
+              <a:rPr lang="en-US" dirty="0" smtClean="0"/>
+              <a:t>Low and Middle Income are much bigger in number vs High Income</a:t>
+            </a:r>
+          </a:p>
+          <a:p>
+            <a:pPr lvl="2"/>
+            <a:r>
+              <a:rPr lang="en-US" dirty="0" smtClean="0"/>
+              <a:t>Middle Income is slightly more than Low income</a:t>
+            </a:r>
             <a:endParaRPr lang="en-US" dirty="0" smtClean="0"/>
-          </a:p>
-          <a:p>
-            <a:endParaRPr lang="en-US" dirty="0" smtClean="0"/>
-          </a:p>
-          <a:p>
-            <a:r>
-              <a:rPr lang="en-US" dirty="0" smtClean="0"/>
-              <a:t>When score values go up – the income categories become reduced to 2 types only being predicted (i.e. “No Income” and “</a:t>
-            </a:r>
-            <a:r>
-              <a:rPr lang="en-US" dirty="0" err="1" smtClean="0"/>
-              <a:t>Midde</a:t>
-            </a:r>
-            <a:r>
-              <a:rPr lang="en-US" dirty="0" smtClean="0"/>
-              <a:t> Income”) – e.g. </a:t>
-            </a:r>
-            <a:r>
-              <a:rPr lang="en-US" dirty="0" err="1" smtClean="0"/>
-              <a:t>n_neighbors</a:t>
-            </a:r>
-            <a:r>
-              <a:rPr lang="en-US" dirty="0" smtClean="0"/>
-              <a:t>=15</a:t>
-            </a:r>
           </a:p>
           <a:p>
             <a:pPr lvl="1"/>
@@ -11518,7 +12863,12 @@
             <p:ph type="title"/>
           </p:nvPr>
         </p:nvSpPr>
-        <p:spPr/>
+        <p:spPr>
+          <a:xfrm>
+            <a:off x="755576" y="5013176"/>
+            <a:ext cx="7543800" cy="914400"/>
+          </a:xfrm>
+        </p:spPr>
         <p:txBody>
           <a:bodyPr/>
           <a:lstStyle/>
@@ -11560,7 +12910,7 @@
           <a:p>
             <a:fld id="{86272B70-7F64-4F73-8F20-BB9EC051EBD1}" type="datetime2">
               <a:rPr lang="en-US" smtClean="0"/>
-              <a:t>Wednesday, December 12, 2018</a:t>
+              <a:t>Monday, December 17, 2018</a:t>
             </a:fld>
             <a:endParaRPr lang="en-US" dirty="0"/>
           </a:p>
@@ -11584,7 +12934,7 @@
             <a:fld id="{1789C0F2-17E0-497A-9BBE-0C73201AAFE3}" type="slidenum">
               <a:rPr lang="en-US" smtClean="0"/>
               <a:pPr/>
-              <a:t>19</a:t>
+              <a:t>23</a:t>
             </a:fld>
             <a:endParaRPr lang="en-US" dirty="0"/>
           </a:p>
@@ -11615,9 +12965,9 @@
       </p:sp>
       <p:pic>
         <p:nvPicPr>
-          <p:cNvPr id="7" name="Picture 6"/>
+          <p:cNvPr id="3075" name="Picture 3"/>
           <p:cNvPicPr>
-            <a:picLocks noChangeAspect="1"/>
+            <a:picLocks noChangeAspect="1" noChangeArrowheads="1"/>
           </p:cNvPicPr>
           <p:nvPr/>
         </p:nvPicPr>
@@ -11629,54 +12979,48 @@
               </a:ext>
             </a:extLst>
           </a:blip>
+          <a:srcRect/>
           <a:stretch>
             <a:fillRect/>
           </a:stretch>
         </p:blipFill>
-        <p:spPr>
+        <p:spPr bwMode="auto">
           <a:xfrm>
-            <a:off x="683568" y="332656"/>
-            <a:ext cx="3315633" cy="2193017"/>
+            <a:off x="611560" y="692696"/>
+            <a:ext cx="3977172" cy="3888432"/>
           </a:xfrm>
           <a:prstGeom prst="rect">
             <a:avLst/>
           </a:prstGeom>
-        </p:spPr>
-      </p:pic>
-      <p:pic>
-        <p:nvPicPr>
-          <p:cNvPr id="8" name="Picture 7"/>
-          <p:cNvPicPr>
-            <a:picLocks noChangeAspect="1"/>
-          </p:cNvPicPr>
-          <p:nvPr/>
-        </p:nvPicPr>
-        <p:blipFill>
-          <a:blip r:embed="rId3">
-            <a:extLst>
-              <a:ext uri="{28A0092B-C50C-407E-A947-70E740481C1C}">
-                <a14:useLocalDpi xmlns:a14="http://schemas.microsoft.com/office/drawing/2010/main" val="0"/>
-              </a:ext>
-            </a:extLst>
-          </a:blip>
-          <a:stretch>
-            <a:fillRect/>
-          </a:stretch>
-        </p:blipFill>
-        <p:spPr>
-          <a:xfrm>
-            <a:off x="611559" y="2598107"/>
-            <a:ext cx="3387641" cy="2272614"/>
-          </a:xfrm>
-          <a:prstGeom prst="rect">
-            <a:avLst/>
-          </a:prstGeom>
+          <a:noFill/>
+          <a:ln>
+            <a:noFill/>
+          </a:ln>
+          <a:extLst>
+            <a:ext uri="{909E8E84-426E-40DD-AFC4-6F175D3DCCD1}">
+              <a14:hiddenFill xmlns:a14="http://schemas.microsoft.com/office/drawing/2010/main">
+                <a:solidFill>
+                  <a:schemeClr val="accent1"/>
+                </a:solidFill>
+              </a14:hiddenFill>
+            </a:ext>
+            <a:ext uri="{91240B29-F687-4F45-9708-019B960494DF}">
+              <a14:hiddenLine xmlns:a14="http://schemas.microsoft.com/office/drawing/2010/main" w="9525">
+                <a:solidFill>
+                  <a:schemeClr val="tx1"/>
+                </a:solidFill>
+                <a:miter lim="800000"/>
+                <a:headEnd/>
+                <a:tailEnd/>
+              </a14:hiddenLine>
+            </a:ext>
+          </a:extLst>
         </p:spPr>
       </p:pic>
     </p:spTree>
     <p:extLst>
       <p:ext uri="{BB962C8B-B14F-4D97-AF65-F5344CB8AC3E}">
-        <p14:creationId xmlns:p14="http://schemas.microsoft.com/office/powerpoint/2010/main" val="515875226"/>
+        <p14:creationId xmlns:p14="http://schemas.microsoft.com/office/powerpoint/2010/main" val="1637882933"/>
       </p:ext>
     </p:extLst>
   </p:cSld>
@@ -11686,7 +13030,7 @@
 </p:sld>
 </file>
 
-<file path=ppt/slides/slide2.xml><?xml version="1.0" encoding="utf-8"?>
+<file path=ppt/slides/slide24.xml><?xml version="1.0" encoding="utf-8"?>
 <p:sld xmlns:a="http://schemas.openxmlformats.org/drawingml/2006/main" xmlns:r="http://schemas.openxmlformats.org/officeDocument/2006/relationships" xmlns:p="http://schemas.openxmlformats.org/presentationml/2006/main">
   <p:cSld>
     <p:spTree>
@@ -11705,7 +13049,7 @@
       </p:grpSpPr>
       <p:sp>
         <p:nvSpPr>
-          <p:cNvPr id="8" name="Content Placeholder 7"/>
+          <p:cNvPr id="2" name="Content Placeholder 1"/>
           <p:cNvSpPr>
             <a:spLocks noGrp="1"/>
           </p:cNvSpPr>
@@ -11715,96 +13059,150 @@
         </p:nvSpPr>
         <p:spPr>
           <a:xfrm>
-            <a:off x="1403648" y="692696"/>
-            <a:ext cx="6096000" cy="3657599"/>
+            <a:off x="4499992" y="332656"/>
+            <a:ext cx="3729608" cy="4320479"/>
           </a:xfrm>
         </p:spPr>
         <p:txBody>
           <a:bodyPr>
-            <a:normAutofit/>
+            <a:normAutofit fontScale="62500" lnSpcReduction="20000"/>
           </a:bodyPr>
           <a:lstStyle/>
           <a:p>
             <a:r>
               <a:rPr lang="en-US" dirty="0" smtClean="0"/>
-              <a:t>Exploration of Dataset</a:t>
-            </a:r>
-            <a:endParaRPr lang="en-US" dirty="0">
-              <a:effectLst/>
-            </a:endParaRPr>
-          </a:p>
-          <a:p>
-            <a:r>
-              <a:rPr lang="en-US" dirty="0" smtClean="0">
-                <a:effectLst/>
-              </a:rPr>
-              <a:t>Statement </a:t>
-            </a:r>
-            <a:r>
-              <a:rPr lang="en-US" dirty="0">
-                <a:effectLst/>
-              </a:rPr>
-              <a:t>of </a:t>
-            </a:r>
-            <a:r>
-              <a:rPr lang="en-US" dirty="0" smtClean="0">
-                <a:effectLst/>
-              </a:rPr>
-              <a:t>Question</a:t>
-            </a:r>
-            <a:endParaRPr lang="en-US" dirty="0">
-              <a:effectLst/>
-            </a:endParaRPr>
-          </a:p>
-          <a:p>
-            <a:r>
-              <a:rPr lang="en-US" dirty="0" smtClean="0">
-                <a:effectLst/>
-              </a:rPr>
-              <a:t>Definition of New Columns</a:t>
-            </a:r>
-            <a:endParaRPr lang="en-US" dirty="0">
-              <a:effectLst/>
-            </a:endParaRPr>
-          </a:p>
-          <a:p>
-            <a:r>
-              <a:rPr lang="en-US" dirty="0" smtClean="0">
-                <a:effectLst/>
-              </a:rPr>
-              <a:t>Comparison of 2 classification approaches</a:t>
-            </a:r>
-            <a:endParaRPr lang="en-US" dirty="0">
-              <a:effectLst/>
-            </a:endParaRPr>
-          </a:p>
-          <a:p>
-            <a:r>
-              <a:rPr lang="en-US" dirty="0" smtClean="0">
-                <a:effectLst/>
-              </a:rPr>
-              <a:t>Comparison of 2 regression approaches</a:t>
-            </a:r>
-            <a:endParaRPr lang="en-US" dirty="0">
-              <a:effectLst/>
-            </a:endParaRPr>
-          </a:p>
-          <a:p>
-            <a:r>
-              <a:rPr lang="en-US" dirty="0" smtClean="0">
-                <a:effectLst/>
-              </a:rPr>
-              <a:t>Conclusion</a:t>
-            </a:r>
-            <a:endParaRPr lang="en-US" dirty="0">
-              <a:effectLst/>
-            </a:endParaRPr>
-          </a:p>
-        </p:txBody>
-      </p:sp>
-      <p:sp>
-        <p:nvSpPr>
-          <p:cNvPr id="7" name="Title 6"/>
+              <a:t>When running </a:t>
+            </a:r>
+            <a:r>
+              <a:rPr lang="en-US" dirty="0" err="1" smtClean="0"/>
+              <a:t>KneighboursClassifier</a:t>
+            </a:r>
+            <a:r>
+              <a:rPr lang="en-US" dirty="0" smtClean="0"/>
+              <a:t> on N/A income users </a:t>
+            </a:r>
+          </a:p>
+          <a:p>
+            <a:endParaRPr lang="en-US" dirty="0"/>
+          </a:p>
+          <a:p>
+            <a:r>
+              <a:rPr lang="en-US" dirty="0" smtClean="0"/>
+              <a:t>We </a:t>
+            </a:r>
+            <a:r>
+              <a:rPr lang="en-US" dirty="0"/>
+              <a:t>were able to predict and have up to 3 types of income categories using this approach – </a:t>
+            </a:r>
+            <a:endParaRPr lang="en-US" dirty="0" smtClean="0"/>
+          </a:p>
+          <a:p>
+            <a:pPr lvl="1"/>
+            <a:r>
+              <a:rPr lang="en-US" dirty="0"/>
+              <a:t>The general count looks </a:t>
+            </a:r>
+            <a:r>
+              <a:rPr lang="en-US" dirty="0" smtClean="0"/>
+              <a:t>similar with the income category for all selected dataset with Income information </a:t>
+            </a:r>
+            <a:r>
+              <a:rPr lang="en-US" dirty="0"/>
+              <a:t>i.e.</a:t>
+            </a:r>
+          </a:p>
+          <a:p>
+            <a:pPr lvl="2"/>
+            <a:r>
+              <a:rPr lang="en-US" dirty="0"/>
+              <a:t>Low and Middle </a:t>
+            </a:r>
+            <a:r>
+              <a:rPr lang="en-US" dirty="0" smtClean="0"/>
+              <a:t>Income </a:t>
+            </a:r>
+            <a:r>
+              <a:rPr lang="en-US" dirty="0"/>
+              <a:t>are much bigger in number vs High income</a:t>
+            </a:r>
+          </a:p>
+          <a:p>
+            <a:pPr lvl="2"/>
+            <a:r>
+              <a:rPr lang="en-US" dirty="0"/>
+              <a:t>Middle </a:t>
+            </a:r>
+            <a:r>
+              <a:rPr lang="en-US" dirty="0" smtClean="0"/>
+              <a:t>Income </a:t>
+            </a:r>
+            <a:r>
+              <a:rPr lang="en-US" dirty="0"/>
+              <a:t>is slightly more than Low </a:t>
+            </a:r>
+            <a:r>
+              <a:rPr lang="en-US" dirty="0" smtClean="0"/>
+              <a:t>income</a:t>
+            </a:r>
+          </a:p>
+          <a:p>
+            <a:pPr lvl="2"/>
+            <a:r>
+              <a:rPr lang="en-US" dirty="0" smtClean="0"/>
+              <a:t>High Income is smaller</a:t>
+            </a:r>
+            <a:endParaRPr lang="en-US" dirty="0"/>
+          </a:p>
+          <a:p>
+            <a:endParaRPr lang="en-US" dirty="0" smtClean="0"/>
+          </a:p>
+          <a:p>
+            <a:endParaRPr lang="en-US" dirty="0" smtClean="0"/>
+          </a:p>
+          <a:p>
+            <a:r>
+              <a:rPr lang="en-US" dirty="0" smtClean="0"/>
+              <a:t>When score values go </a:t>
+            </a:r>
+            <a:r>
+              <a:rPr lang="en-US" dirty="0" smtClean="0"/>
+              <a:t>up higher (e.g. 100) – </a:t>
+            </a:r>
+            <a:r>
+              <a:rPr lang="en-US" dirty="0" smtClean="0"/>
+              <a:t>the income categories become reduced to 2 types only being predicted (i.e. “No Income” and “</a:t>
+            </a:r>
+            <a:r>
+              <a:rPr lang="en-US" dirty="0" err="1" smtClean="0"/>
+              <a:t>Midde</a:t>
+            </a:r>
+            <a:r>
+              <a:rPr lang="en-US" dirty="0" smtClean="0"/>
+              <a:t> Income”) – e.g. </a:t>
+            </a:r>
+            <a:r>
+              <a:rPr lang="en-US" dirty="0" err="1" smtClean="0"/>
+              <a:t>n_neighbors</a:t>
+            </a:r>
+            <a:r>
+              <a:rPr lang="en-US" dirty="0" smtClean="0"/>
+              <a:t>=100 due to difficulty to clearly predict High Income  users</a:t>
+            </a:r>
+            <a:endParaRPr lang="en-US" dirty="0" smtClean="0"/>
+          </a:p>
+          <a:p>
+            <a:pPr lvl="1"/>
+            <a:endParaRPr lang="en-US" dirty="0" smtClean="0"/>
+          </a:p>
+          <a:p>
+            <a:pPr lvl="1"/>
+            <a:endParaRPr lang="en-US" dirty="0" smtClean="0"/>
+          </a:p>
+        </p:txBody>
+      </p:sp>
+      <p:sp>
+        <p:nvSpPr>
+          <p:cNvPr id="3" name="Title 2"/>
           <p:cNvSpPr>
             <a:spLocks noGrp="1"/>
           </p:cNvSpPr>
@@ -11818,10 +13216,14 @@
           <a:lstStyle/>
           <a:p>
             <a:r>
-              <a:rPr lang="en-US" dirty="0" smtClean="0"/>
-              <a:t>Contents</a:t>
-            </a:r>
-            <a:endParaRPr lang="en-US" dirty="0"/>
+              <a:rPr lang="en-US" sz="3200" dirty="0" err="1" smtClean="0"/>
+              <a:t>KNeighboursClassifier</a:t>
+            </a:r>
+            <a:r>
+              <a:rPr lang="en-US" sz="3200" dirty="0" smtClean="0"/>
+              <a:t> (on N/A Income)</a:t>
+            </a:r>
+            <a:endParaRPr lang="en-US" sz="3200" dirty="0"/>
           </a:p>
         </p:txBody>
       </p:sp>
@@ -11842,7 +13244,7 @@
           <a:p>
             <a:fld id="{86272B70-7F64-4F73-8F20-BB9EC051EBD1}" type="datetime2">
               <a:rPr lang="en-US" smtClean="0"/>
-              <a:t>Wednesday, December 12, 2018</a:t>
+              <a:t>Monday, December 17, 2018</a:t>
             </a:fld>
             <a:endParaRPr lang="en-US" dirty="0"/>
           </a:p>
@@ -11866,7 +13268,7 @@
             <a:fld id="{1789C0F2-17E0-497A-9BBE-0C73201AAFE3}" type="slidenum">
               <a:rPr lang="en-US" smtClean="0"/>
               <a:pPr/>
-              <a:t>2</a:t>
+              <a:t>24</a:t>
             </a:fld>
             <a:endParaRPr lang="en-US" dirty="0"/>
           </a:p>
@@ -11895,10 +13297,118 @@
           </a:p>
         </p:txBody>
       </p:sp>
+      <p:pic>
+        <p:nvPicPr>
+          <p:cNvPr id="2052" name="Picture 4"/>
+          <p:cNvPicPr>
+            <a:picLocks noChangeAspect="1" noChangeArrowheads="1"/>
+          </p:cNvPicPr>
+          <p:nvPr/>
+        </p:nvPicPr>
+        <p:blipFill>
+          <a:blip r:embed="rId2">
+            <a:extLst>
+              <a:ext uri="{28A0092B-C50C-407E-A947-70E740481C1C}">
+                <a14:useLocalDpi xmlns:a14="http://schemas.microsoft.com/office/drawing/2010/main" val="0"/>
+              </a:ext>
+            </a:extLst>
+          </a:blip>
+          <a:srcRect/>
+          <a:stretch>
+            <a:fillRect/>
+          </a:stretch>
+        </p:blipFill>
+        <p:spPr bwMode="auto">
+          <a:xfrm>
+            <a:off x="1018871" y="2708920"/>
+            <a:ext cx="3073809" cy="2001019"/>
+          </a:xfrm>
+          <a:prstGeom prst="rect">
+            <a:avLst/>
+          </a:prstGeom>
+          <a:noFill/>
+          <a:ln>
+            <a:noFill/>
+          </a:ln>
+          <a:extLst>
+            <a:ext uri="{909E8E84-426E-40DD-AFC4-6F175D3DCCD1}">
+              <a14:hiddenFill xmlns:a14="http://schemas.microsoft.com/office/drawing/2010/main">
+                <a:solidFill>
+                  <a:schemeClr val="accent1"/>
+                </a:solidFill>
+              </a14:hiddenFill>
+            </a:ext>
+            <a:ext uri="{91240B29-F687-4F45-9708-019B960494DF}">
+              <a14:hiddenLine xmlns:a14="http://schemas.microsoft.com/office/drawing/2010/main" w="9525">
+                <a:solidFill>
+                  <a:schemeClr val="tx1"/>
+                </a:solidFill>
+                <a:miter lim="800000"/>
+                <a:headEnd/>
+                <a:tailEnd/>
+              </a14:hiddenLine>
+            </a:ext>
+          </a:extLst>
+        </p:spPr>
+      </p:pic>
+      <p:pic>
+        <p:nvPicPr>
+          <p:cNvPr id="2054" name="Picture 6"/>
+          <p:cNvPicPr>
+            <a:picLocks noChangeAspect="1" noChangeArrowheads="1"/>
+          </p:cNvPicPr>
+          <p:nvPr/>
+        </p:nvPicPr>
+        <p:blipFill>
+          <a:blip r:embed="rId3">
+            <a:extLst>
+              <a:ext uri="{28A0092B-C50C-407E-A947-70E740481C1C}">
+                <a14:useLocalDpi xmlns:a14="http://schemas.microsoft.com/office/drawing/2010/main" val="0"/>
+              </a:ext>
+            </a:extLst>
+          </a:blip>
+          <a:srcRect/>
+          <a:stretch>
+            <a:fillRect/>
+          </a:stretch>
+        </p:blipFill>
+        <p:spPr bwMode="auto">
+          <a:xfrm>
+            <a:off x="899592" y="476672"/>
+            <a:ext cx="3117408" cy="1909961"/>
+          </a:xfrm>
+          <a:prstGeom prst="rect">
+            <a:avLst/>
+          </a:prstGeom>
+          <a:noFill/>
+          <a:ln>
+            <a:noFill/>
+          </a:ln>
+          <a:extLst>
+            <a:ext uri="{909E8E84-426E-40DD-AFC4-6F175D3DCCD1}">
+              <a14:hiddenFill xmlns:a14="http://schemas.microsoft.com/office/drawing/2010/main">
+                <a:solidFill>
+                  <a:schemeClr val="accent1"/>
+                </a:solidFill>
+              </a14:hiddenFill>
+            </a:ext>
+            <a:ext uri="{91240B29-F687-4F45-9708-019B960494DF}">
+              <a14:hiddenLine xmlns:a14="http://schemas.microsoft.com/office/drawing/2010/main" w="9525">
+                <a:solidFill>
+                  <a:schemeClr val="tx1"/>
+                </a:solidFill>
+                <a:miter lim="800000"/>
+                <a:headEnd/>
+                <a:tailEnd/>
+              </a14:hiddenLine>
+            </a:ext>
+          </a:extLst>
+        </p:spPr>
+      </p:pic>
     </p:spTree>
     <p:extLst>
       <p:ext uri="{BB962C8B-B14F-4D97-AF65-F5344CB8AC3E}">
-        <p14:creationId xmlns:p14="http://schemas.microsoft.com/office/powerpoint/2010/main" val="3882238348"/>
+        <p14:creationId xmlns:p14="http://schemas.microsoft.com/office/powerpoint/2010/main" val="515875226"/>
       </p:ext>
     </p:extLst>
   </p:cSld>
@@ -11908,7 +13418,7 @@
 </p:sld>
 </file>
 
-<file path=ppt/slides/slide20.xml><?xml version="1.0" encoding="utf-8"?>
+<file path=ppt/slides/slide25.xml><?xml version="1.0" encoding="utf-8"?>
 <p:sld xmlns:a="http://schemas.openxmlformats.org/drawingml/2006/main" xmlns:r="http://schemas.openxmlformats.org/officeDocument/2006/relationships" xmlns:p="http://schemas.openxmlformats.org/presentationml/2006/main">
   <p:cSld>
     <p:spTree>
@@ -11937,55 +13447,230 @@
         </p:nvSpPr>
         <p:spPr>
           <a:xfrm>
-            <a:off x="4499992" y="620688"/>
-            <a:ext cx="3729608" cy="4032447"/>
+            <a:off x="5220072" y="548680"/>
+            <a:ext cx="3441576" cy="5544616"/>
           </a:xfrm>
         </p:spPr>
         <p:txBody>
           <a:bodyPr>
-            <a:normAutofit/>
+            <a:normAutofit fontScale="70000" lnSpcReduction="20000"/>
           </a:bodyPr>
           <a:lstStyle/>
           <a:p>
             <a:r>
               <a:rPr lang="en-US" dirty="0" smtClean="0"/>
-              <a:t>By working only on entries which the job value is defined as “other” and “rather not say” – at </a:t>
-            </a:r>
-            <a:r>
-              <a:rPr lang="en-US" dirty="0" err="1" smtClean="0"/>
-              <a:t>n_neighbors</a:t>
+              <a:t>We were able to predict mainly 4 clusters – although </a:t>
             </a:r>
             <a:r>
               <a:rPr lang="en-US" dirty="0" smtClean="0"/>
-              <a:t> = 5, we have a similar looking – but missing “Low Income” and “High Income” group</a:t>
-            </a:r>
-          </a:p>
-          <a:p>
+              <a:t>they </a:t>
+            </a:r>
             <a:r>
               <a:rPr lang="en-US" dirty="0" smtClean="0"/>
-              <a:t>We have an </a:t>
-            </a:r>
-            <a:r>
-              <a:rPr lang="en-US" dirty="0"/>
-              <a:t>accuracy </a:t>
-            </a:r>
-            <a:r>
-              <a:rPr lang="en-US" dirty="0" smtClean="0"/>
-              <a:t>score on the unknown values </a:t>
-            </a:r>
-            <a:r>
-              <a:rPr lang="en-US" dirty="0"/>
-              <a:t>of 0.7939920077166873</a:t>
-            </a:r>
-            <a:endParaRPr lang="en-US" dirty="0" smtClean="0"/>
+              <a:t>don’t appear to be clearly divided as expected based on income category</a:t>
+            </a:r>
+          </a:p>
+          <a:p>
+            <a:r>
+              <a:rPr lang="en-US" dirty="0" smtClean="0">
+                <a:effectLst/>
+              </a:rPr>
+              <a:t>Based on </a:t>
+            </a:r>
+            <a:r>
+              <a:rPr lang="en-US" dirty="0">
+                <a:effectLst/>
+              </a:rPr>
+              <a:t>total number entries of cluster zero / one / two - we </a:t>
+            </a:r>
+            <a:r>
+              <a:rPr lang="en-US" dirty="0" err="1" smtClean="0">
+                <a:effectLst/>
+              </a:rPr>
+              <a:t>conclud</a:t>
+            </a:r>
+            <a:endParaRPr lang="en-US" dirty="0">
+              <a:effectLst/>
+            </a:endParaRPr>
           </a:p>
           <a:p>
             <a:pPr lvl="1"/>
-            <a:endParaRPr lang="en-US" dirty="0" smtClean="0"/>
+            <a:r>
+              <a:rPr lang="en-US" dirty="0" err="1">
+                <a:effectLst/>
+              </a:rPr>
+              <a:t>cluster_zero</a:t>
+            </a:r>
+            <a:r>
+              <a:rPr lang="en-US" dirty="0">
+                <a:effectLst/>
+              </a:rPr>
+              <a:t> ~ middle income</a:t>
+            </a:r>
           </a:p>
           <a:p>
             <a:pPr lvl="1"/>
-            <a:endParaRPr lang="en-US" dirty="0" smtClean="0"/>
+            <a:r>
+              <a:rPr lang="en-US" dirty="0" err="1">
+                <a:effectLst/>
+              </a:rPr>
+              <a:t>cluster_one</a:t>
+            </a:r>
+            <a:r>
+              <a:rPr lang="en-US" dirty="0">
+                <a:effectLst/>
+              </a:rPr>
+              <a:t> ~ low income</a:t>
+            </a:r>
+          </a:p>
+          <a:p>
+            <a:pPr lvl="1"/>
+            <a:r>
+              <a:rPr lang="en-US" dirty="0" err="1">
+                <a:effectLst/>
+              </a:rPr>
+              <a:t>cluster_two</a:t>
+            </a:r>
+            <a:r>
+              <a:rPr lang="en-US" dirty="0">
+                <a:effectLst/>
+              </a:rPr>
+              <a:t> ~ high </a:t>
+            </a:r>
+            <a:r>
+              <a:rPr lang="en-US" dirty="0" smtClean="0">
+                <a:effectLst/>
+              </a:rPr>
+              <a:t>income</a:t>
+            </a:r>
+          </a:p>
+          <a:p>
+            <a:r>
+              <a:rPr lang="en-US" dirty="0" smtClean="0">
+                <a:effectLst/>
+              </a:rPr>
+              <a:t>Observations based on job category</a:t>
+            </a:r>
+          </a:p>
+          <a:p>
+            <a:pPr lvl="1"/>
+            <a:r>
+              <a:rPr lang="en-US" dirty="0">
+                <a:effectLst/>
+              </a:rPr>
+              <a:t>T</a:t>
+            </a:r>
+            <a:r>
+              <a:rPr lang="en-US" dirty="0" smtClean="0">
+                <a:effectLst/>
+              </a:rPr>
+              <a:t>he </a:t>
+            </a:r>
+            <a:r>
+              <a:rPr lang="en-US" dirty="0">
+                <a:effectLst/>
+              </a:rPr>
+              <a:t>amount of finance job category (4) is higher from low income (</a:t>
+            </a:r>
+            <a:r>
+              <a:rPr lang="en-US" dirty="0" err="1">
+                <a:effectLst/>
+              </a:rPr>
+              <a:t>cluster_one</a:t>
+            </a:r>
+            <a:r>
+              <a:rPr lang="en-US" dirty="0">
+                <a:effectLst/>
+              </a:rPr>
+              <a:t>) - to middle income ( </a:t>
+            </a:r>
+            <a:r>
+              <a:rPr lang="en-US" dirty="0" err="1">
+                <a:effectLst/>
+              </a:rPr>
+              <a:t>cluster_zero</a:t>
+            </a:r>
+            <a:r>
+              <a:rPr lang="en-US" dirty="0">
+                <a:effectLst/>
+              </a:rPr>
+              <a:t> ) - </a:t>
+            </a:r>
+            <a:r>
+              <a:rPr lang="en-US" dirty="0">
+                <a:effectLst/>
+              </a:rPr>
+              <a:t>to high income (</a:t>
+            </a:r>
+            <a:r>
+              <a:rPr lang="en-US" dirty="0" err="1">
+                <a:effectLst/>
+              </a:rPr>
+              <a:t>cluster_two</a:t>
+            </a:r>
+            <a:r>
+              <a:rPr lang="en-US" dirty="0">
+                <a:effectLst/>
+              </a:rPr>
+              <a:t>)</a:t>
+            </a:r>
+          </a:p>
+          <a:p>
+            <a:pPr lvl="1"/>
+            <a:r>
+              <a:rPr lang="en-US" dirty="0">
+                <a:effectLst/>
+              </a:rPr>
+              <a:t>We can see the inverse above the relationship mentioned above for the non finance / non STEM job category (2)</a:t>
+            </a:r>
+          </a:p>
+          <a:p>
+            <a:pPr lvl="1"/>
+            <a:r>
+              <a:rPr lang="en-US" dirty="0">
+                <a:effectLst/>
+              </a:rPr>
+              <a:t>Based on the two points above – we can kind of get that relationship </a:t>
+            </a:r>
+            <a:r>
+              <a:rPr lang="en-US" dirty="0">
+                <a:effectLst/>
+              </a:rPr>
+              <a:t>from earlier slide (Exploration of Data - </a:t>
+            </a:r>
+            <a:r>
+              <a:rPr lang="en-US" dirty="0">
+                <a:effectLst/>
+              </a:rPr>
+              <a:t>Income Groups (for STEM</a:t>
+            </a:r>
+            <a:r>
+              <a:rPr lang="en-US" dirty="0">
+                <a:effectLst/>
+              </a:rPr>
+              <a:t>) &amp; </a:t>
+            </a:r>
+            <a:r>
+              <a:rPr lang="en-US" dirty="0">
+                <a:effectLst/>
+              </a:rPr>
+              <a:t>Income Groups (for </a:t>
+            </a:r>
+            <a:r>
+              <a:rPr lang="en-US" dirty="0">
+                <a:effectLst/>
+              </a:rPr>
+              <a:t>Finance</a:t>
+            </a:r>
+            <a:r>
+              <a:rPr lang="en-US" dirty="0" smtClean="0">
+                <a:effectLst/>
+              </a:rPr>
+              <a:t>))</a:t>
+            </a:r>
+            <a:endParaRPr lang="en-US" dirty="0">
+              <a:effectLst/>
+            </a:endParaRPr>
           </a:p>
         </p:txBody>
       </p:sp>
@@ -12001,8 +13686,8 @@
         </p:nvSpPr>
         <p:spPr>
           <a:xfrm>
-            <a:off x="755576" y="5013176"/>
-            <a:ext cx="7543800" cy="914400"/>
+            <a:off x="773385" y="5013176"/>
+            <a:ext cx="3938776" cy="914400"/>
           </a:xfrm>
         </p:spPr>
         <p:txBody>
@@ -12011,265 +13696,6 @@
           <a:p>
             <a:r>
               <a:rPr lang="en-US" sz="4000" dirty="0" err="1" smtClean="0"/>
-              <a:t>KNeighboursClassifier</a:t>
-            </a:r>
-            <a:r>
-              <a:rPr lang="en-US" sz="4000" dirty="0" smtClean="0"/>
-              <a:t> </a:t>
-            </a:r>
-            <a:r>
-              <a:rPr lang="en-US" sz="4000" dirty="0" err="1" smtClean="0"/>
-              <a:t>cont</a:t>
-            </a:r>
-            <a:r>
-              <a:rPr lang="en-US" sz="4000" dirty="0" smtClean="0"/>
-              <a:t>’</a:t>
-            </a:r>
-            <a:endParaRPr lang="en-US" sz="4000" dirty="0"/>
-          </a:p>
-        </p:txBody>
-      </p:sp>
-      <p:sp>
-        <p:nvSpPr>
-          <p:cNvPr id="4" name="Date Placeholder 3"/>
-          <p:cNvSpPr>
-            <a:spLocks noGrp="1"/>
-          </p:cNvSpPr>
-          <p:nvPr>
-            <p:ph type="dt" sz="half" idx="10"/>
-          </p:nvPr>
-        </p:nvSpPr>
-        <p:spPr/>
-        <p:txBody>
-          <a:bodyPr/>
-          <a:lstStyle/>
-          <a:p>
-            <a:fld id="{86272B70-7F64-4F73-8F20-BB9EC051EBD1}" type="datetime2">
-              <a:rPr lang="en-US" smtClean="0"/>
-              <a:t>Wednesday, December 12, 2018</a:t>
-            </a:fld>
-            <a:endParaRPr lang="en-US" dirty="0"/>
-          </a:p>
-        </p:txBody>
-      </p:sp>
-      <p:sp>
-        <p:nvSpPr>
-          <p:cNvPr id="5" name="Slide Number Placeholder 4"/>
-          <p:cNvSpPr>
-            <a:spLocks noGrp="1"/>
-          </p:cNvSpPr>
-          <p:nvPr>
-            <p:ph type="sldNum" sz="quarter" idx="11"/>
-          </p:nvPr>
-        </p:nvSpPr>
-        <p:spPr/>
-        <p:txBody>
-          <a:bodyPr/>
-          <a:lstStyle/>
-          <a:p>
-            <a:fld id="{1789C0F2-17E0-497A-9BBE-0C73201AAFE3}" type="slidenum">
-              <a:rPr lang="en-US" smtClean="0"/>
-              <a:pPr/>
-              <a:t>20</a:t>
-            </a:fld>
-            <a:endParaRPr lang="en-US" dirty="0"/>
-          </a:p>
-        </p:txBody>
-      </p:sp>
-      <p:sp>
-        <p:nvSpPr>
-          <p:cNvPr id="6" name="Footer Placeholder 5"/>
-          <p:cNvSpPr>
-            <a:spLocks noGrp="1"/>
-          </p:cNvSpPr>
-          <p:nvPr>
-            <p:ph type="ftr" sz="quarter" idx="12"/>
-          </p:nvPr>
-        </p:nvSpPr>
-        <p:spPr/>
-        <p:txBody>
-          <a:bodyPr/>
-          <a:lstStyle/>
-          <a:p>
-            <a:r>
-              <a:rPr lang="en-US" smtClean="0"/>
-              <a:t>Codecademy - Machine Learning Fundamentals – Tay Khek Yang</a:t>
-            </a:r>
-            <a:endParaRPr lang="en-US" dirty="0"/>
-          </a:p>
-        </p:txBody>
-      </p:sp>
-      <p:pic>
-        <p:nvPicPr>
-          <p:cNvPr id="9" name="Picture 8"/>
-          <p:cNvPicPr>
-            <a:picLocks noChangeAspect="1"/>
-          </p:cNvPicPr>
-          <p:nvPr/>
-        </p:nvPicPr>
-        <p:blipFill>
-          <a:blip r:embed="rId2">
-            <a:extLst>
-              <a:ext uri="{28A0092B-C50C-407E-A947-70E740481C1C}">
-                <a14:useLocalDpi xmlns:a14="http://schemas.microsoft.com/office/drawing/2010/main" val="0"/>
-              </a:ext>
-            </a:extLst>
-          </a:blip>
-          <a:stretch>
-            <a:fillRect/>
-          </a:stretch>
-        </p:blipFill>
-        <p:spPr>
-          <a:xfrm>
-            <a:off x="467544" y="188640"/>
-            <a:ext cx="3816424" cy="2550676"/>
-          </a:xfrm>
-          <a:prstGeom prst="rect">
-            <a:avLst/>
-          </a:prstGeom>
-        </p:spPr>
-      </p:pic>
-      <p:pic>
-        <p:nvPicPr>
-          <p:cNvPr id="10" name="Picture 9"/>
-          <p:cNvPicPr>
-            <a:picLocks noChangeAspect="1"/>
-          </p:cNvPicPr>
-          <p:nvPr/>
-        </p:nvPicPr>
-        <p:blipFill>
-          <a:blip r:embed="rId3">
-            <a:extLst>
-              <a:ext uri="{28A0092B-C50C-407E-A947-70E740481C1C}">
-                <a14:useLocalDpi xmlns:a14="http://schemas.microsoft.com/office/drawing/2010/main" val="0"/>
-              </a:ext>
-            </a:extLst>
-          </a:blip>
-          <a:stretch>
-            <a:fillRect/>
-          </a:stretch>
-        </p:blipFill>
-        <p:spPr>
-          <a:xfrm>
-            <a:off x="395536" y="2636912"/>
-            <a:ext cx="3888432" cy="2598801"/>
-          </a:xfrm>
-          <a:prstGeom prst="rect">
-            <a:avLst/>
-          </a:prstGeom>
-        </p:spPr>
-      </p:pic>
-    </p:spTree>
-    <p:extLst>
-      <p:ext uri="{BB962C8B-B14F-4D97-AF65-F5344CB8AC3E}">
-        <p14:creationId xmlns:p14="http://schemas.microsoft.com/office/powerpoint/2010/main" val="1637882933"/>
-      </p:ext>
-    </p:extLst>
-  </p:cSld>
-  <p:clrMapOvr>
-    <a:masterClrMapping/>
-  </p:clrMapOvr>
-</p:sld>
-</file>
-
-<file path=ppt/slides/slide21.xml><?xml version="1.0" encoding="utf-8"?>
-<p:sld xmlns:a="http://schemas.openxmlformats.org/drawingml/2006/main" xmlns:r="http://schemas.openxmlformats.org/officeDocument/2006/relationships" xmlns:p="http://schemas.openxmlformats.org/presentationml/2006/main">
-  <p:cSld>
-    <p:spTree>
-      <p:nvGrpSpPr>
-        <p:cNvPr id="1" name=""/>
-        <p:cNvGrpSpPr/>
-        <p:nvPr/>
-      </p:nvGrpSpPr>
-      <p:grpSpPr>
-        <a:xfrm>
-          <a:off x="0" y="0"/>
-          <a:ext cx="0" cy="0"/>
-          <a:chOff x="0" y="0"/>
-          <a:chExt cx="0" cy="0"/>
-        </a:xfrm>
-      </p:grpSpPr>
-      <p:sp>
-        <p:nvSpPr>
-          <p:cNvPr id="2" name="Content Placeholder 1"/>
-          <p:cNvSpPr>
-            <a:spLocks noGrp="1"/>
-          </p:cNvSpPr>
-          <p:nvPr>
-            <p:ph idx="1"/>
-          </p:nvPr>
-        </p:nvSpPr>
-        <p:spPr>
-          <a:xfrm>
-            <a:off x="5220072" y="548680"/>
-            <a:ext cx="3441576" cy="3895327"/>
-          </a:xfrm>
-        </p:spPr>
-        <p:txBody>
-          <a:bodyPr>
-            <a:normAutofit fontScale="92500"/>
-          </a:bodyPr>
-          <a:lstStyle/>
-          <a:p>
-            <a:r>
-              <a:rPr lang="en-US" dirty="0" smtClean="0"/>
-              <a:t>We were able to predict mainly 4 clusters – although the don’t appear to be clearly divided as expected based on income category</a:t>
-            </a:r>
-          </a:p>
-          <a:p>
-            <a:r>
-              <a:rPr lang="en-US" dirty="0" smtClean="0"/>
-              <a:t>Based on the length of each cluster we could assume</a:t>
-            </a:r>
-          </a:p>
-          <a:p>
-            <a:pPr lvl="1"/>
-            <a:r>
-              <a:rPr lang="en-US" dirty="0" smtClean="0"/>
-              <a:t>Cluster 0 – No Income</a:t>
-            </a:r>
-          </a:p>
-          <a:p>
-            <a:pPr lvl="1"/>
-            <a:r>
-              <a:rPr lang="en-US" dirty="0" smtClean="0"/>
-              <a:t>Cluster 1 – Low Income</a:t>
-            </a:r>
-          </a:p>
-          <a:p>
-            <a:pPr lvl="1"/>
-            <a:r>
-              <a:rPr lang="en-US" dirty="0" smtClean="0"/>
-              <a:t>Cluster 2 – Mid Income</a:t>
-            </a:r>
-          </a:p>
-          <a:p>
-            <a:pPr lvl="1"/>
-            <a:r>
-              <a:rPr lang="en-US" dirty="0" smtClean="0"/>
-              <a:t>Cluster 3 – High Income</a:t>
-            </a:r>
-            <a:endParaRPr lang="en-US" dirty="0"/>
-          </a:p>
-        </p:txBody>
-      </p:sp>
-      <p:sp>
-        <p:nvSpPr>
-          <p:cNvPr id="3" name="Title 2"/>
-          <p:cNvSpPr>
-            <a:spLocks noGrp="1"/>
-          </p:cNvSpPr>
-          <p:nvPr>
-            <p:ph type="title"/>
-          </p:nvPr>
-        </p:nvSpPr>
-        <p:spPr/>
-        <p:txBody>
-          <a:bodyPr/>
-          <a:lstStyle/>
-          <a:p>
-            <a:r>
-              <a:rPr lang="en-US" sz="4000" dirty="0" err="1" smtClean="0"/>
               <a:t>KMeans</a:t>
             </a:r>
             <a:r>
@@ -12297,7 +13723,7 @@
           <a:p>
             <a:fld id="{86272B70-7F64-4F73-8F20-BB9EC051EBD1}" type="datetime2">
               <a:rPr lang="en-US" smtClean="0"/>
-              <a:t>Wednesday, December 12, 2018</a:t>
+              <a:t>Monday, December 17, 2018</a:t>
             </a:fld>
             <a:endParaRPr lang="en-US" dirty="0"/>
           </a:p>
@@ -12321,214 +13747,7 @@
             <a:fld id="{1789C0F2-17E0-497A-9BBE-0C73201AAFE3}" type="slidenum">
               <a:rPr lang="en-US" smtClean="0"/>
               <a:pPr/>
-              <a:t>21</a:t>
-            </a:fld>
-            <a:endParaRPr lang="en-US" dirty="0"/>
-          </a:p>
-        </p:txBody>
-      </p:sp>
-      <p:sp>
-        <p:nvSpPr>
-          <p:cNvPr id="6" name="Footer Placeholder 5"/>
-          <p:cNvSpPr>
-            <a:spLocks noGrp="1"/>
-          </p:cNvSpPr>
-          <p:nvPr>
-            <p:ph type="ftr" sz="quarter" idx="12"/>
-          </p:nvPr>
-        </p:nvSpPr>
-        <p:spPr/>
-        <p:txBody>
-          <a:bodyPr/>
-          <a:lstStyle/>
-          <a:p>
-            <a:r>
-              <a:rPr lang="en-US" smtClean="0"/>
-              <a:t>Codecademy - Machine Learning Fundamentals – Tay Khek Yang</a:t>
-            </a:r>
-            <a:endParaRPr lang="en-US" dirty="0"/>
-          </a:p>
-        </p:txBody>
-      </p:sp>
-      <p:pic>
-        <p:nvPicPr>
-          <p:cNvPr id="7" name="Picture 6"/>
-          <p:cNvPicPr>
-            <a:picLocks noChangeAspect="1"/>
-          </p:cNvPicPr>
-          <p:nvPr/>
-        </p:nvPicPr>
-        <p:blipFill>
-          <a:blip r:embed="rId2">
-            <a:extLst>
-              <a:ext uri="{28A0092B-C50C-407E-A947-70E740481C1C}">
-                <a14:useLocalDpi xmlns:a14="http://schemas.microsoft.com/office/drawing/2010/main" val="0"/>
-              </a:ext>
-            </a:extLst>
-          </a:blip>
-          <a:stretch>
-            <a:fillRect/>
-          </a:stretch>
-        </p:blipFill>
-        <p:spPr>
-          <a:xfrm>
-            <a:off x="467544" y="404664"/>
-            <a:ext cx="4482194" cy="4515594"/>
-          </a:xfrm>
-          <a:prstGeom prst="rect">
-            <a:avLst/>
-          </a:prstGeom>
-        </p:spPr>
-      </p:pic>
-    </p:spTree>
-    <p:extLst>
-      <p:ext uri="{BB962C8B-B14F-4D97-AF65-F5344CB8AC3E}">
-        <p14:creationId xmlns:p14="http://schemas.microsoft.com/office/powerpoint/2010/main" val="466659655"/>
-      </p:ext>
-    </p:extLst>
-  </p:cSld>
-  <p:clrMapOvr>
-    <a:masterClrMapping/>
-  </p:clrMapOvr>
-</p:sld>
-</file>
-
-<file path=ppt/slides/slide22.xml><?xml version="1.0" encoding="utf-8"?>
-<p:sld xmlns:a="http://schemas.openxmlformats.org/drawingml/2006/main" xmlns:r="http://schemas.openxmlformats.org/officeDocument/2006/relationships" xmlns:p="http://schemas.openxmlformats.org/presentationml/2006/main">
-  <p:cSld>
-    <p:spTree>
-      <p:nvGrpSpPr>
-        <p:cNvPr id="1" name=""/>
-        <p:cNvGrpSpPr/>
-        <p:nvPr/>
-      </p:nvGrpSpPr>
-      <p:grpSpPr>
-        <a:xfrm>
-          <a:off x="0" y="0"/>
-          <a:ext cx="0" cy="0"/>
-          <a:chOff x="0" y="0"/>
-          <a:chExt cx="0" cy="0"/>
-        </a:xfrm>
-      </p:grpSpPr>
-      <p:sp>
-        <p:nvSpPr>
-          <p:cNvPr id="2" name="Content Placeholder 1"/>
-          <p:cNvSpPr>
-            <a:spLocks noGrp="1"/>
-          </p:cNvSpPr>
-          <p:nvPr>
-            <p:ph idx="1"/>
-          </p:nvPr>
-        </p:nvSpPr>
-        <p:spPr>
-          <a:xfrm>
-            <a:off x="5220072" y="548680"/>
-            <a:ext cx="3441576" cy="3895327"/>
-          </a:xfrm>
-        </p:spPr>
-        <p:txBody>
-          <a:bodyPr>
-            <a:normAutofit/>
-          </a:bodyPr>
-          <a:lstStyle/>
-          <a:p>
-            <a:r>
-              <a:rPr lang="en-US" dirty="0" smtClean="0"/>
-              <a:t>The score on </a:t>
-            </a:r>
-            <a:r>
-              <a:rPr lang="en-US" dirty="0" err="1" smtClean="0"/>
-              <a:t>KMeans</a:t>
-            </a:r>
-            <a:r>
-              <a:rPr lang="en-US" dirty="0" smtClean="0"/>
-              <a:t>++ is very far off as compared to </a:t>
-            </a:r>
-            <a:r>
-              <a:rPr lang="en-US" dirty="0" err="1" smtClean="0"/>
-              <a:t>KneighboursClassifier</a:t>
-            </a:r>
-            <a:endParaRPr lang="en-US" dirty="0"/>
-          </a:p>
-        </p:txBody>
-      </p:sp>
-      <p:sp>
-        <p:nvSpPr>
-          <p:cNvPr id="3" name="Title 2"/>
-          <p:cNvSpPr>
-            <a:spLocks noGrp="1"/>
-          </p:cNvSpPr>
-          <p:nvPr>
-            <p:ph type="title"/>
-          </p:nvPr>
-        </p:nvSpPr>
-        <p:spPr/>
-        <p:txBody>
-          <a:bodyPr/>
-          <a:lstStyle/>
-          <a:p>
-            <a:r>
-              <a:rPr lang="en-US" sz="4000" dirty="0" err="1" smtClean="0"/>
-              <a:t>KMeans</a:t>
-            </a:r>
-            <a:r>
-              <a:rPr lang="en-US" sz="4000" dirty="0" smtClean="0"/>
-              <a:t>++ </a:t>
-            </a:r>
-            <a:r>
-              <a:rPr lang="en-US" sz="4000" dirty="0" err="1" smtClean="0"/>
-              <a:t>cont</a:t>
-            </a:r>
-            <a:r>
-              <a:rPr lang="en-US" sz="4000" dirty="0" smtClean="0"/>
-              <a:t>’</a:t>
-            </a:r>
-            <a:endParaRPr lang="en-US" sz="4000" dirty="0"/>
-          </a:p>
-        </p:txBody>
-      </p:sp>
-      <p:sp>
-        <p:nvSpPr>
-          <p:cNvPr id="4" name="Date Placeholder 3"/>
-          <p:cNvSpPr>
-            <a:spLocks noGrp="1"/>
-          </p:cNvSpPr>
-          <p:nvPr>
-            <p:ph type="dt" sz="half" idx="10"/>
-          </p:nvPr>
-        </p:nvSpPr>
-        <p:spPr/>
-        <p:txBody>
-          <a:bodyPr/>
-          <a:lstStyle/>
-          <a:p>
-            <a:fld id="{86272B70-7F64-4F73-8F20-BB9EC051EBD1}" type="datetime2">
-              <a:rPr lang="en-US" smtClean="0"/>
-              <a:t>Wednesday, December 12, 2018</a:t>
-            </a:fld>
-            <a:endParaRPr lang="en-US" dirty="0"/>
-          </a:p>
-        </p:txBody>
-      </p:sp>
-      <p:sp>
-        <p:nvSpPr>
-          <p:cNvPr id="5" name="Slide Number Placeholder 4"/>
-          <p:cNvSpPr>
-            <a:spLocks noGrp="1"/>
-          </p:cNvSpPr>
-          <p:nvPr>
-            <p:ph type="sldNum" sz="quarter" idx="11"/>
-          </p:nvPr>
-        </p:nvSpPr>
-        <p:spPr/>
-        <p:txBody>
-          <a:bodyPr/>
-          <a:lstStyle/>
-          <a:p>
-            <a:fld id="{1789C0F2-17E0-497A-9BBE-0C73201AAFE3}" type="slidenum">
-              <a:rPr lang="en-US" smtClean="0"/>
-              <a:pPr/>
-              <a:t>22</a:t>
+              <a:t>25</a:t>
             </a:fld>
             <a:endParaRPr lang="en-US" dirty="0"/>
           </a:p>
@@ -12580,8 +13799,239 @@
         </p:blipFill>
         <p:spPr bwMode="auto">
           <a:xfrm>
-            <a:off x="755576" y="2204864"/>
-            <a:ext cx="4086225" cy="704850"/>
+            <a:off x="539552" y="548680"/>
+            <a:ext cx="4406442" cy="4588396"/>
+          </a:xfrm>
+          <a:prstGeom prst="rect">
+            <a:avLst/>
+          </a:prstGeom>
+          <a:noFill/>
+          <a:ln>
+            <a:noFill/>
+          </a:ln>
+          <a:extLst>
+            <a:ext uri="{909E8E84-426E-40DD-AFC4-6F175D3DCCD1}">
+              <a14:hiddenFill xmlns:a14="http://schemas.microsoft.com/office/drawing/2010/main">
+                <a:solidFill>
+                  <a:schemeClr val="accent1"/>
+                </a:solidFill>
+              </a14:hiddenFill>
+            </a:ext>
+            <a:ext uri="{91240B29-F687-4F45-9708-019B960494DF}">
+              <a14:hiddenLine xmlns:a14="http://schemas.microsoft.com/office/drawing/2010/main" w="9525">
+                <a:solidFill>
+                  <a:schemeClr val="tx1"/>
+                </a:solidFill>
+                <a:miter lim="800000"/>
+                <a:headEnd/>
+                <a:tailEnd/>
+              </a14:hiddenLine>
+            </a:ext>
+          </a:extLst>
+        </p:spPr>
+      </p:pic>
+    </p:spTree>
+    <p:extLst>
+      <p:ext uri="{BB962C8B-B14F-4D97-AF65-F5344CB8AC3E}">
+        <p14:creationId xmlns:p14="http://schemas.microsoft.com/office/powerpoint/2010/main" val="466659655"/>
+      </p:ext>
+    </p:extLst>
+  </p:cSld>
+  <p:clrMapOvr>
+    <a:masterClrMapping/>
+  </p:clrMapOvr>
+</p:sld>
+</file>
+
+<file path=ppt/slides/slide26.xml><?xml version="1.0" encoding="utf-8"?>
+<p:sld xmlns:a="http://schemas.openxmlformats.org/drawingml/2006/main" xmlns:r="http://schemas.openxmlformats.org/officeDocument/2006/relationships" xmlns:p="http://schemas.openxmlformats.org/presentationml/2006/main">
+  <p:cSld>
+    <p:spTree>
+      <p:nvGrpSpPr>
+        <p:cNvPr id="1" name=""/>
+        <p:cNvGrpSpPr/>
+        <p:nvPr/>
+      </p:nvGrpSpPr>
+      <p:grpSpPr>
+        <a:xfrm>
+          <a:off x="0" y="0"/>
+          <a:ext cx="0" cy="0"/>
+          <a:chOff x="0" y="0"/>
+          <a:chExt cx="0" cy="0"/>
+        </a:xfrm>
+      </p:grpSpPr>
+      <p:sp>
+        <p:nvSpPr>
+          <p:cNvPr id="2" name="Content Placeholder 1"/>
+          <p:cNvSpPr>
+            <a:spLocks noGrp="1"/>
+          </p:cNvSpPr>
+          <p:nvPr>
+            <p:ph idx="1"/>
+          </p:nvPr>
+        </p:nvSpPr>
+        <p:spPr>
+          <a:xfrm>
+            <a:off x="5220072" y="548680"/>
+            <a:ext cx="3441576" cy="3895327"/>
+          </a:xfrm>
+        </p:spPr>
+        <p:txBody>
+          <a:bodyPr>
+            <a:normAutofit/>
+          </a:bodyPr>
+          <a:lstStyle/>
+          <a:p>
+            <a:r>
+              <a:rPr lang="en-US" dirty="0" smtClean="0"/>
+              <a:t>The score on </a:t>
+            </a:r>
+            <a:r>
+              <a:rPr lang="en-US" dirty="0" err="1" smtClean="0"/>
+              <a:t>KMeans</a:t>
+            </a:r>
+            <a:r>
+              <a:rPr lang="en-US" dirty="0" smtClean="0"/>
+              <a:t>++ is very far off as compared to </a:t>
+            </a:r>
+            <a:r>
+              <a:rPr lang="en-US" dirty="0" err="1" smtClean="0"/>
+              <a:t>KneighboursClassifier</a:t>
+            </a:r>
+            <a:endParaRPr lang="en-US" dirty="0"/>
+          </a:p>
+        </p:txBody>
+      </p:sp>
+      <p:sp>
+        <p:nvSpPr>
+          <p:cNvPr id="3" name="Title 2"/>
+          <p:cNvSpPr>
+            <a:spLocks noGrp="1"/>
+          </p:cNvSpPr>
+          <p:nvPr>
+            <p:ph type="title"/>
+          </p:nvPr>
+        </p:nvSpPr>
+        <p:spPr/>
+        <p:txBody>
+          <a:bodyPr/>
+          <a:lstStyle/>
+          <a:p>
+            <a:r>
+              <a:rPr lang="en-US" sz="4000" dirty="0" err="1" smtClean="0"/>
+              <a:t>KMeans</a:t>
+            </a:r>
+            <a:r>
+              <a:rPr lang="en-US" sz="4000" dirty="0" smtClean="0"/>
+              <a:t>++ </a:t>
+            </a:r>
+            <a:r>
+              <a:rPr lang="en-US" sz="4000" dirty="0" err="1" smtClean="0"/>
+              <a:t>cont</a:t>
+            </a:r>
+            <a:r>
+              <a:rPr lang="en-US" sz="4000" dirty="0" smtClean="0"/>
+              <a:t>’</a:t>
+            </a:r>
+            <a:endParaRPr lang="en-US" sz="4000" dirty="0"/>
+          </a:p>
+        </p:txBody>
+      </p:sp>
+      <p:sp>
+        <p:nvSpPr>
+          <p:cNvPr id="4" name="Date Placeholder 3"/>
+          <p:cNvSpPr>
+            <a:spLocks noGrp="1"/>
+          </p:cNvSpPr>
+          <p:nvPr>
+            <p:ph type="dt" sz="half" idx="10"/>
+          </p:nvPr>
+        </p:nvSpPr>
+        <p:spPr/>
+        <p:txBody>
+          <a:bodyPr/>
+          <a:lstStyle/>
+          <a:p>
+            <a:fld id="{86272B70-7F64-4F73-8F20-BB9EC051EBD1}" type="datetime2">
+              <a:rPr lang="en-US" smtClean="0"/>
+              <a:t>Monday, December 17, 2018</a:t>
+            </a:fld>
+            <a:endParaRPr lang="en-US" dirty="0"/>
+          </a:p>
+        </p:txBody>
+      </p:sp>
+      <p:sp>
+        <p:nvSpPr>
+          <p:cNvPr id="5" name="Slide Number Placeholder 4"/>
+          <p:cNvSpPr>
+            <a:spLocks noGrp="1"/>
+          </p:cNvSpPr>
+          <p:nvPr>
+            <p:ph type="sldNum" sz="quarter" idx="11"/>
+          </p:nvPr>
+        </p:nvSpPr>
+        <p:spPr/>
+        <p:txBody>
+          <a:bodyPr/>
+          <a:lstStyle/>
+          <a:p>
+            <a:fld id="{1789C0F2-17E0-497A-9BBE-0C73201AAFE3}" type="slidenum">
+              <a:rPr lang="en-US" smtClean="0"/>
+              <a:pPr/>
+              <a:t>26</a:t>
+            </a:fld>
+            <a:endParaRPr lang="en-US" dirty="0"/>
+          </a:p>
+        </p:txBody>
+      </p:sp>
+      <p:sp>
+        <p:nvSpPr>
+          <p:cNvPr id="6" name="Footer Placeholder 5"/>
+          <p:cNvSpPr>
+            <a:spLocks noGrp="1"/>
+          </p:cNvSpPr>
+          <p:nvPr>
+            <p:ph type="ftr" sz="quarter" idx="12"/>
+          </p:nvPr>
+        </p:nvSpPr>
+        <p:spPr/>
+        <p:txBody>
+          <a:bodyPr/>
+          <a:lstStyle/>
+          <a:p>
+            <a:r>
+              <a:rPr lang="en-US" smtClean="0"/>
+              <a:t>Codecademy - Machine Learning Fundamentals – Tay Khek Yang</a:t>
+            </a:r>
+            <a:endParaRPr lang="en-US" dirty="0"/>
+          </a:p>
+        </p:txBody>
+      </p:sp>
+      <p:pic>
+        <p:nvPicPr>
+          <p:cNvPr id="5122" name="Picture 2"/>
+          <p:cNvPicPr>
+            <a:picLocks noChangeAspect="1" noChangeArrowheads="1"/>
+          </p:cNvPicPr>
+          <p:nvPr/>
+        </p:nvPicPr>
+        <p:blipFill>
+          <a:blip r:embed="rId2">
+            <a:extLst>
+              <a:ext uri="{28A0092B-C50C-407E-A947-70E740481C1C}">
+                <a14:useLocalDpi xmlns:a14="http://schemas.microsoft.com/office/drawing/2010/main" val="0"/>
+              </a:ext>
+            </a:extLst>
+          </a:blip>
+          <a:srcRect/>
+          <a:stretch>
+            <a:fillRect/>
+          </a:stretch>
+        </p:blipFill>
+        <p:spPr bwMode="auto">
+          <a:xfrm>
+            <a:off x="827584" y="2204864"/>
+            <a:ext cx="3924300" cy="600075"/>
           </a:xfrm>
           <a:prstGeom prst="rect">
             <a:avLst/>
@@ -12624,7 +14074,7 @@
 </p:sld>
 </file>
 
-<file path=ppt/slides/slide23.xml><?xml version="1.0" encoding="utf-8"?>
+<file path=ppt/slides/slide27.xml><?xml version="1.0" encoding="utf-8"?>
 <p:sld xmlns:a="http://schemas.openxmlformats.org/drawingml/2006/main" xmlns:r="http://schemas.openxmlformats.org/officeDocument/2006/relationships" xmlns:p="http://schemas.openxmlformats.org/presentationml/2006/main">
   <p:cSld>
     <p:spTree>
@@ -12697,7 +14147,7 @@
           <a:p>
             <a:fld id="{86272B70-7F64-4F73-8F20-BB9EC051EBD1}" type="datetime2">
               <a:rPr lang="en-US" smtClean="0"/>
-              <a:t>Wednesday, December 12, 2018</a:t>
+              <a:t>Monday, December 17, 2018</a:t>
             </a:fld>
             <a:endParaRPr lang="en-US" dirty="0"/>
           </a:p>
@@ -12721,7 +14171,7 @@
             <a:fld id="{1789C0F2-17E0-497A-9BBE-0C73201AAFE3}" type="slidenum">
               <a:rPr lang="en-US" smtClean="0"/>
               <a:pPr/>
-              <a:t>23</a:t>
+              <a:t>27</a:t>
             </a:fld>
             <a:endParaRPr lang="en-US" dirty="0"/>
           </a:p>
@@ -12794,7 +14244,7 @@
 </p:sld>
 </file>
 
-<file path=ppt/slides/slide24.xml><?xml version="1.0" encoding="utf-8"?>
+<file path=ppt/slides/slide28.xml><?xml version="1.0" encoding="utf-8"?>
 <p:sld xmlns:a="http://schemas.openxmlformats.org/drawingml/2006/main" xmlns:r="http://schemas.openxmlformats.org/officeDocument/2006/relationships" xmlns:p="http://schemas.openxmlformats.org/presentationml/2006/main">
   <p:cSld>
     <p:spTree>
@@ -12813,46 +14263,86 @@
       </p:grpSpPr>
       <p:sp>
         <p:nvSpPr>
-          <p:cNvPr id="8" name="Text Placeholder 7"/>
-          <p:cNvSpPr>
-            <a:spLocks noGrp="1"/>
-          </p:cNvSpPr>
-          <p:nvPr>
-            <p:ph type="body" idx="1"/>
+          <p:cNvPr id="8" name="Content Placeholder 7"/>
+          <p:cNvSpPr>
+            <a:spLocks noGrp="1"/>
+          </p:cNvSpPr>
+          <p:nvPr>
+            <p:ph idx="1"/>
           </p:nvPr>
         </p:nvSpPr>
         <p:spPr/>
         <p:txBody>
+          <a:bodyPr>
+            <a:normAutofit/>
+          </a:bodyPr>
+          <a:lstStyle/>
+          <a:p>
+            <a:r>
+              <a:rPr lang="en-US" sz="1900" dirty="0"/>
+              <a:t>There are 2 main </a:t>
+            </a:r>
+            <a:r>
+              <a:rPr lang="en-US" sz="1900" dirty="0" smtClean="0"/>
+              <a:t>regression approaches </a:t>
+            </a:r>
+            <a:r>
+              <a:rPr lang="en-US" sz="1900" dirty="0"/>
+              <a:t>which is used in this project</a:t>
+            </a:r>
+          </a:p>
+          <a:p>
+            <a:pPr lvl="1"/>
+            <a:r>
+              <a:rPr lang="en-US" dirty="0" err="1"/>
+              <a:t>LinearRegression</a:t>
+            </a:r>
+            <a:endParaRPr lang="en-US" dirty="0"/>
+          </a:p>
+          <a:p>
+            <a:pPr lvl="1"/>
+            <a:r>
+              <a:rPr lang="en-US" dirty="0"/>
+              <a:t>K-Nearest Neighbors </a:t>
+            </a:r>
+            <a:r>
+              <a:rPr lang="en-US" dirty="0" err="1"/>
+              <a:t>Regressor</a:t>
+            </a:r>
+            <a:endParaRPr lang="en-US" dirty="0"/>
+          </a:p>
+        </p:txBody>
+      </p:sp>
+      <p:sp>
+        <p:nvSpPr>
+          <p:cNvPr id="7" name="Title 6"/>
+          <p:cNvSpPr>
+            <a:spLocks noGrp="1"/>
+          </p:cNvSpPr>
+          <p:nvPr>
+            <p:ph type="title"/>
+          </p:nvPr>
+        </p:nvSpPr>
+        <p:spPr/>
+        <p:txBody>
           <a:bodyPr/>
           <a:lstStyle/>
           <a:p>
             <a:r>
-              <a:rPr lang="en-US" dirty="0" err="1"/>
-              <a:t>Codecademy</a:t>
-            </a:r>
-            <a:r>
-              <a:rPr lang="en-US" dirty="0"/>
-              <a:t> - </a:t>
-            </a:r>
-            <a:r>
-              <a:rPr lang="en-US" dirty="0" err="1"/>
-              <a:t>OKCupid</a:t>
-            </a:r>
-            <a:r>
-              <a:rPr lang="en-US" dirty="0"/>
-              <a:t> sample </a:t>
-            </a:r>
-            <a:r>
               <a:rPr lang="en-US" dirty="0" smtClean="0"/>
-              <a:t>data</a:t>
-            </a:r>
-            <a:endParaRPr lang="en-US" dirty="0"/>
-          </a:p>
-        </p:txBody>
-      </p:sp>
-      <p:sp>
-        <p:nvSpPr>
-          <p:cNvPr id="4" name="Date Placeholder 3"/>
+              <a:t>2 </a:t>
+            </a:r>
+            <a:r>
+              <a:rPr lang="en-US" dirty="0" smtClean="0"/>
+              <a:t>regression approaches</a:t>
+            </a:r>
+            <a:endParaRPr lang="en-US" dirty="0"/>
+          </a:p>
+        </p:txBody>
+      </p:sp>
+      <p:sp>
+        <p:nvSpPr>
+          <p:cNvPr id="3" name="Date Placeholder 2"/>
           <p:cNvSpPr>
             <a:spLocks noGrp="1"/>
           </p:cNvSpPr>
@@ -12865,9 +14355,9 @@
           <a:bodyPr/>
           <a:lstStyle/>
           <a:p>
-            <a:fld id="{86272B70-7F64-4F73-8F20-BB9EC051EBD1}" type="datetime2">
-              <a:rPr lang="en-US" smtClean="0"/>
-              <a:t>Wednesday, December 12, 2018</a:t>
+            <a:fld id="{E3C8A2D6-A616-4504-925B-170393655917}" type="datetime2">
+              <a:rPr lang="en-US" smtClean="0"/>
+              <a:t>Monday, December 17, 2018</a:t>
             </a:fld>
             <a:endParaRPr lang="en-US" dirty="0"/>
           </a:p>
@@ -12875,7 +14365,7 @@
       </p:sp>
       <p:sp>
         <p:nvSpPr>
-          <p:cNvPr id="5" name="Slide Number Placeholder 4"/>
+          <p:cNvPr id="4" name="Slide Number Placeholder 3"/>
           <p:cNvSpPr>
             <a:spLocks noGrp="1"/>
           </p:cNvSpPr>
@@ -12891,7 +14381,7 @@
             <a:fld id="{1789C0F2-17E0-497A-9BBE-0C73201AAFE3}" type="slidenum">
               <a:rPr lang="en-US" smtClean="0"/>
               <a:pPr/>
-              <a:t>24</a:t>
+              <a:t>28</a:t>
             </a:fld>
             <a:endParaRPr lang="en-US" dirty="0"/>
           </a:p>
@@ -12899,7 +14389,7 @@
       </p:sp>
       <p:sp>
         <p:nvSpPr>
-          <p:cNvPr id="6" name="Footer Placeholder 5"/>
+          <p:cNvPr id="5" name="Footer Placeholder 4"/>
           <p:cNvSpPr>
             <a:spLocks noGrp="1"/>
           </p:cNvSpPr>
@@ -12916,36 +14406,6 @@
               <a:rPr lang="en-US" smtClean="0"/>
               <a:t>Codecademy - Machine Learning Fundamentals – Tay Khek Yang</a:t>
             </a:r>
-            <a:endParaRPr lang="en-US" dirty="0"/>
-          </a:p>
-        </p:txBody>
-      </p:sp>
-      <p:sp>
-        <p:nvSpPr>
-          <p:cNvPr id="7" name="Title 6"/>
-          <p:cNvSpPr>
-            <a:spLocks noGrp="1"/>
-          </p:cNvSpPr>
-          <p:nvPr>
-            <p:ph type="title"/>
-          </p:nvPr>
-        </p:nvSpPr>
-        <p:spPr/>
-        <p:txBody>
-          <a:bodyPr/>
-          <a:lstStyle/>
-          <a:p>
-            <a:r>
-              <a:rPr lang="en-US" dirty="0" smtClean="0">
-                <a:effectLst/>
-              </a:rPr>
-              <a:t>Conclusion</a:t>
-            </a:r>
-            <a:br>
-              <a:rPr lang="en-US" dirty="0" smtClean="0">
-                <a:effectLst/>
-              </a:rPr>
-            </a:br>
             <a:endParaRPr lang="en-US" dirty="0"/>
           </a:p>
         </p:txBody>
@@ -12953,7 +14413,7 @@
     </p:spTree>
     <p:extLst>
       <p:ext uri="{BB962C8B-B14F-4D97-AF65-F5344CB8AC3E}">
-        <p14:creationId xmlns:p14="http://schemas.microsoft.com/office/powerpoint/2010/main" val="1207015161"/>
+        <p14:creationId xmlns:p14="http://schemas.microsoft.com/office/powerpoint/2010/main" val="1773277562"/>
       </p:ext>
     </p:extLst>
   </p:cSld>
@@ -12963,7 +14423,7 @@
 </p:sld>
 </file>
 
-<file path=ppt/slides/slide25.xml><?xml version="1.0" encoding="utf-8"?>
+<file path=ppt/slides/slide29.xml><?xml version="1.0" encoding="utf-8"?>
 <p:sld xmlns:a="http://schemas.openxmlformats.org/drawingml/2006/main" xmlns:r="http://schemas.openxmlformats.org/officeDocument/2006/relationships" xmlns:p="http://schemas.openxmlformats.org/presentationml/2006/main">
   <p:cSld>
     <p:spTree>
@@ -12982,197 +14442,473 @@
       </p:grpSpPr>
       <p:sp>
         <p:nvSpPr>
-          <p:cNvPr id="8" name="Content Placeholder 7"/>
-          <p:cNvSpPr>
-            <a:spLocks noGrp="1"/>
-          </p:cNvSpPr>
-          <p:nvPr>
-            <p:ph idx="1"/>
+          <p:cNvPr id="7" name="Title 6"/>
+          <p:cNvSpPr>
+            <a:spLocks noGrp="1"/>
+          </p:cNvSpPr>
+          <p:nvPr>
+            <p:ph type="title"/>
           </p:nvPr>
         </p:nvSpPr>
         <p:spPr>
           <a:xfrm>
-            <a:off x="2133600" y="685801"/>
-            <a:ext cx="6096000" cy="4039343"/>
+            <a:off x="777240" y="4876800"/>
+            <a:ext cx="5594960" cy="914400"/>
           </a:xfrm>
         </p:spPr>
         <p:txBody>
-          <a:bodyPr>
-            <a:normAutofit fontScale="85000" lnSpcReduction="20000"/>
+          <a:bodyPr/>
+          <a:lstStyle/>
+          <a:p>
+            <a:r>
+              <a:rPr lang="en-US" dirty="0" smtClean="0"/>
+              <a:t>Linear Regression</a:t>
+            </a:r>
+            <a:endParaRPr lang="en-US" dirty="0"/>
+          </a:p>
+        </p:txBody>
+      </p:sp>
+      <p:sp>
+        <p:nvSpPr>
+          <p:cNvPr id="3" name="Date Placeholder 2"/>
+          <p:cNvSpPr>
+            <a:spLocks noGrp="1"/>
+          </p:cNvSpPr>
+          <p:nvPr>
+            <p:ph type="dt" sz="half" idx="10"/>
+          </p:nvPr>
+        </p:nvSpPr>
+        <p:spPr/>
+        <p:txBody>
+          <a:bodyPr/>
+          <a:lstStyle/>
+          <a:p>
+            <a:fld id="{E3C8A2D6-A616-4504-925B-170393655917}" type="datetime2">
+              <a:rPr lang="en-US" smtClean="0"/>
+              <a:t>Monday, December 17, 2018</a:t>
+            </a:fld>
+            <a:endParaRPr lang="en-US" dirty="0"/>
+          </a:p>
+        </p:txBody>
+      </p:sp>
+      <p:sp>
+        <p:nvSpPr>
+          <p:cNvPr id="4" name="Slide Number Placeholder 3"/>
+          <p:cNvSpPr>
+            <a:spLocks noGrp="1"/>
+          </p:cNvSpPr>
+          <p:nvPr>
+            <p:ph type="sldNum" sz="quarter" idx="11"/>
+          </p:nvPr>
+        </p:nvSpPr>
+        <p:spPr/>
+        <p:txBody>
+          <a:bodyPr/>
+          <a:lstStyle/>
+          <a:p>
+            <a:fld id="{1789C0F2-17E0-497A-9BBE-0C73201AAFE3}" type="slidenum">
+              <a:rPr lang="en-US" smtClean="0"/>
+              <a:pPr/>
+              <a:t>29</a:t>
+            </a:fld>
+            <a:endParaRPr lang="en-US" dirty="0"/>
+          </a:p>
+        </p:txBody>
+      </p:sp>
+      <p:sp>
+        <p:nvSpPr>
+          <p:cNvPr id="5" name="Footer Placeholder 4"/>
+          <p:cNvSpPr>
+            <a:spLocks noGrp="1"/>
+          </p:cNvSpPr>
+          <p:nvPr>
+            <p:ph type="ftr" sz="quarter" idx="12"/>
+          </p:nvPr>
+        </p:nvSpPr>
+        <p:spPr/>
+        <p:txBody>
+          <a:bodyPr/>
+          <a:lstStyle/>
+          <a:p>
+            <a:r>
+              <a:rPr lang="en-US" smtClean="0"/>
+              <a:t>Codecademy - Machine Learning Fundamentals – Tay Khek Yang</a:t>
+            </a:r>
+            <a:endParaRPr lang="en-US" dirty="0"/>
+          </a:p>
+        </p:txBody>
+      </p:sp>
+      <p:pic>
+        <p:nvPicPr>
+          <p:cNvPr id="6146" name="Picture 2"/>
+          <p:cNvPicPr>
+            <a:picLocks noGrp="1" noChangeAspect="1" noChangeArrowheads="1"/>
+          </p:cNvPicPr>
+          <p:nvPr>
+            <p:ph idx="1"/>
+          </p:nvPr>
+        </p:nvPicPr>
+        <p:blipFill>
+          <a:blip r:embed="rId2">
+            <a:extLst>
+              <a:ext uri="{28A0092B-C50C-407E-A947-70E740481C1C}">
+                <a14:useLocalDpi xmlns:a14="http://schemas.microsoft.com/office/drawing/2010/main" val="0"/>
+              </a:ext>
+            </a:extLst>
+          </a:blip>
+          <a:srcRect/>
+          <a:stretch>
+            <a:fillRect/>
+          </a:stretch>
+        </p:blipFill>
+        <p:spPr bwMode="auto">
+          <a:xfrm>
+            <a:off x="1259632" y="692696"/>
+            <a:ext cx="3842157" cy="3657600"/>
+          </a:xfrm>
+          <a:prstGeom prst="rect">
+            <a:avLst/>
+          </a:prstGeom>
+          <a:noFill/>
+          <a:ln>
+            <a:noFill/>
+          </a:ln>
+          <a:extLst>
+            <a:ext uri="{909E8E84-426E-40DD-AFC4-6F175D3DCCD1}">
+              <a14:hiddenFill xmlns:a14="http://schemas.microsoft.com/office/drawing/2010/main">
+                <a:solidFill>
+                  <a:schemeClr val="accent1"/>
+                </a:solidFill>
+              </a14:hiddenFill>
+            </a:ext>
+            <a:ext uri="{91240B29-F687-4F45-9708-019B960494DF}">
+              <a14:hiddenLine xmlns:a14="http://schemas.microsoft.com/office/drawing/2010/main" w="9525">
+                <a:solidFill>
+                  <a:schemeClr val="tx1"/>
+                </a:solidFill>
+                <a:miter lim="800000"/>
+                <a:headEnd/>
+                <a:tailEnd/>
+              </a14:hiddenLine>
+            </a:ext>
+          </a:extLst>
+        </p:spPr>
+      </p:pic>
+      <p:sp>
+        <p:nvSpPr>
+          <p:cNvPr id="10" name="Content Placeholder 1"/>
+          <p:cNvSpPr txBox="1">
+            <a:spLocks/>
+          </p:cNvSpPr>
+          <p:nvPr/>
+        </p:nvSpPr>
+        <p:spPr>
+          <a:xfrm>
+            <a:off x="5220072" y="548680"/>
+            <a:ext cx="3441576" cy="4752528"/>
+          </a:xfrm>
+          <a:prstGeom prst="rect">
+            <a:avLst/>
+          </a:prstGeom>
+        </p:spPr>
+        <p:txBody>
+          <a:bodyPr vert="horz" lIns="91440" tIns="45720" rIns="91440" bIns="45720" rtlCol="0" anchor="ctr">
+            <a:normAutofit fontScale="92500" lnSpcReduction="10000"/>
           </a:bodyPr>
-          <a:lstStyle/>
-          <a:p>
-            <a:r>
-              <a:rPr lang="en-US" dirty="0" smtClean="0"/>
-              <a:t>Machine Learning using </a:t>
-            </a:r>
-            <a:r>
-              <a:rPr lang="en-US" dirty="0" err="1" smtClean="0"/>
-              <a:t>KNeighboursClassifier</a:t>
-            </a:r>
-            <a:r>
-              <a:rPr lang="en-US" dirty="0" smtClean="0"/>
-              <a:t> and </a:t>
-            </a:r>
-            <a:r>
-              <a:rPr lang="en-US" dirty="0" err="1" smtClean="0"/>
-              <a:t>KMeans</a:t>
-            </a:r>
-            <a:r>
-              <a:rPr lang="en-US" dirty="0" smtClean="0"/>
-              <a:t>++ is quite straight forward, fast and simple to use</a:t>
-            </a:r>
-          </a:p>
-          <a:p>
-            <a:r>
-              <a:rPr lang="en-US" dirty="0" smtClean="0"/>
-              <a:t>Referring to the sample data and method of categorization used in this project – </a:t>
-            </a:r>
-            <a:r>
-              <a:rPr lang="en-US" dirty="0" err="1" smtClean="0"/>
-              <a:t>KNeighboursClassifier</a:t>
-            </a:r>
-            <a:r>
-              <a:rPr lang="en-US" dirty="0" smtClean="0"/>
-              <a:t> is more accurate to be used vs </a:t>
-            </a:r>
-            <a:r>
-              <a:rPr lang="en-US" dirty="0" err="1" smtClean="0"/>
-              <a:t>KMeans</a:t>
-            </a:r>
-            <a:r>
-              <a:rPr lang="en-US" dirty="0" smtClean="0"/>
-              <a:t>++</a:t>
-            </a:r>
-          </a:p>
-          <a:p>
-            <a:r>
-              <a:rPr lang="en-US" dirty="0" smtClean="0"/>
-              <a:t>Better method of categorization can be considered</a:t>
+          <a:lstStyle>
+            <a:lvl1pPr marL="274320" indent="-256032" algn="l" defTabSz="914400" rtl="0" eaLnBrk="1" latinLnBrk="0" hangingPunct="1">
+              <a:spcBef>
+                <a:spcPct val="20000"/>
+              </a:spcBef>
+              <a:spcAft>
+                <a:spcPts val="0"/>
+              </a:spcAft>
+              <a:buSzPct val="60000"/>
+              <a:buFont typeface="Wingdings" pitchFamily="2" charset="2"/>
+              <a:buChar char=""/>
+              <a:defRPr sz="2100" kern="1200">
+                <a:solidFill>
+                  <a:schemeClr val="tx1"/>
+                </a:solidFill>
+                <a:effectLst>
+                  <a:outerShdw blurRad="38100" dist="38100" dir="2700000" algn="tl">
+                    <a:srgbClr val="000000">
+                      <a:alpha val="43137"/>
+                    </a:srgbClr>
+                  </a:outerShdw>
+                </a:effectLst>
+                <a:latin typeface="+mn-lt"/>
+                <a:ea typeface="+mn-ea"/>
+                <a:cs typeface="+mn-cs"/>
+              </a:defRPr>
+            </a:lvl1pPr>
+            <a:lvl2pPr marL="640080" indent="-256032" algn="l" defTabSz="914400" rtl="0" eaLnBrk="1" latinLnBrk="0" hangingPunct="1">
+              <a:spcBef>
+                <a:spcPct val="20000"/>
+              </a:spcBef>
+              <a:buSzPct val="60000"/>
+              <a:buFont typeface="Wingdings" pitchFamily="2" charset="2"/>
+              <a:buChar char=""/>
+              <a:defRPr sz="1900" kern="1200">
+                <a:solidFill>
+                  <a:schemeClr val="tx1"/>
+                </a:solidFill>
+                <a:effectLst>
+                  <a:outerShdw blurRad="38100" dist="38100" dir="2700000" algn="tl">
+                    <a:srgbClr val="000000">
+                      <a:alpha val="43137"/>
+                    </a:srgbClr>
+                  </a:outerShdw>
+                </a:effectLst>
+                <a:latin typeface="+mn-lt"/>
+                <a:ea typeface="+mn-ea"/>
+                <a:cs typeface="+mn-cs"/>
+              </a:defRPr>
+            </a:lvl2pPr>
+            <a:lvl3pPr marL="1005840" indent="-256032" algn="l" defTabSz="914400" rtl="0" eaLnBrk="1" latinLnBrk="0" hangingPunct="1">
+              <a:spcBef>
+                <a:spcPct val="20000"/>
+              </a:spcBef>
+              <a:buSzPct val="60000"/>
+              <a:buFont typeface="Wingdings" pitchFamily="2" charset="2"/>
+              <a:buChar char=""/>
+              <a:defRPr sz="1700" kern="1200">
+                <a:solidFill>
+                  <a:schemeClr val="tx1"/>
+                </a:solidFill>
+                <a:effectLst>
+                  <a:outerShdw blurRad="38100" dist="38100" dir="2700000" algn="tl">
+                    <a:srgbClr val="000000">
+                      <a:alpha val="43137"/>
+                    </a:srgbClr>
+                  </a:outerShdw>
+                </a:effectLst>
+                <a:latin typeface="+mn-lt"/>
+                <a:ea typeface="+mn-ea"/>
+                <a:cs typeface="+mn-cs"/>
+              </a:defRPr>
+            </a:lvl3pPr>
+            <a:lvl4pPr marL="1371600" indent="-256032" algn="l" defTabSz="914400" rtl="0" eaLnBrk="1" latinLnBrk="0" hangingPunct="1">
+              <a:spcBef>
+                <a:spcPct val="20000"/>
+              </a:spcBef>
+              <a:buSzPct val="60000"/>
+              <a:buFont typeface="Wingdings" pitchFamily="2" charset="2"/>
+              <a:buChar char=""/>
+              <a:defRPr sz="1600" kern="1200">
+                <a:solidFill>
+                  <a:schemeClr val="tx1"/>
+                </a:solidFill>
+                <a:effectLst>
+                  <a:outerShdw blurRad="38100" dist="38100" dir="2700000" algn="tl">
+                    <a:srgbClr val="000000">
+                      <a:alpha val="43137"/>
+                    </a:srgbClr>
+                  </a:outerShdw>
+                </a:effectLst>
+                <a:latin typeface="+mn-lt"/>
+                <a:ea typeface="+mn-ea"/>
+                <a:cs typeface="+mn-cs"/>
+              </a:defRPr>
+            </a:lvl4pPr>
+            <a:lvl5pPr marL="1645920" indent="-256032" algn="l" defTabSz="914400" rtl="0" eaLnBrk="1" latinLnBrk="0" hangingPunct="1">
+              <a:spcBef>
+                <a:spcPct val="20000"/>
+              </a:spcBef>
+              <a:buSzPct val="60000"/>
+              <a:buFont typeface="Wingdings" pitchFamily="2" charset="2"/>
+              <a:buChar char=""/>
+              <a:defRPr sz="1500" kern="1200">
+                <a:solidFill>
+                  <a:schemeClr val="tx1"/>
+                </a:solidFill>
+                <a:effectLst>
+                  <a:outerShdw blurRad="38100" dist="38100" dir="2700000" algn="tl">
+                    <a:srgbClr val="000000">
+                      <a:alpha val="43137"/>
+                    </a:srgbClr>
+                  </a:outerShdw>
+                </a:effectLst>
+                <a:latin typeface="+mn-lt"/>
+                <a:ea typeface="+mn-ea"/>
+                <a:cs typeface="+mn-cs"/>
+              </a:defRPr>
+            </a:lvl5pPr>
+            <a:lvl6pPr marL="1965960" indent="-256032" algn="l" defTabSz="914400" rtl="0" eaLnBrk="1" latinLnBrk="0" hangingPunct="1">
+              <a:spcBef>
+                <a:spcPct val="20000"/>
+              </a:spcBef>
+              <a:buSzPct val="60000"/>
+              <a:buFont typeface="Wingdings" pitchFamily="2" charset="2"/>
+              <a:buChar char=""/>
+              <a:defRPr sz="1400" kern="1200">
+                <a:solidFill>
+                  <a:schemeClr val="tx1"/>
+                </a:solidFill>
+                <a:effectLst>
+                  <a:outerShdw blurRad="38100" dist="38100" dir="2700000" algn="ctr" rotWithShape="0">
+                    <a:srgbClr val="000000">
+                      <a:alpha val="43000"/>
+                    </a:srgbClr>
+                  </a:outerShdw>
+                </a:effectLst>
+                <a:latin typeface="+mn-lt"/>
+                <a:ea typeface="+mn-ea"/>
+                <a:cs typeface="+mn-cs"/>
+              </a:defRPr>
+            </a:lvl6pPr>
+            <a:lvl7pPr marL="2240280" indent="-256032" algn="l" defTabSz="914400" rtl="0" eaLnBrk="1" latinLnBrk="0" hangingPunct="1">
+              <a:spcBef>
+                <a:spcPct val="20000"/>
+              </a:spcBef>
+              <a:buSzPct val="60000"/>
+              <a:buFont typeface="Wingdings" pitchFamily="2" charset="2"/>
+              <a:buChar char=""/>
+              <a:defRPr sz="1400" kern="1200">
+                <a:solidFill>
+                  <a:schemeClr val="tx1"/>
+                </a:solidFill>
+                <a:effectLst>
+                  <a:outerShdw blurRad="38100" dist="38100" dir="2700000" algn="ctr" rotWithShape="0">
+                    <a:srgbClr val="000000">
+                      <a:alpha val="43000"/>
+                    </a:srgbClr>
+                  </a:outerShdw>
+                </a:effectLst>
+                <a:latin typeface="+mn-lt"/>
+                <a:ea typeface="+mn-ea"/>
+                <a:cs typeface="+mn-cs"/>
+              </a:defRPr>
+            </a:lvl7pPr>
+            <a:lvl8pPr marL="2514600" indent="-256032" algn="l" defTabSz="914400" rtl="0" eaLnBrk="1" latinLnBrk="0" hangingPunct="1">
+              <a:spcBef>
+                <a:spcPct val="20000"/>
+              </a:spcBef>
+              <a:buSzPct val="60000"/>
+              <a:buFont typeface="Wingdings" pitchFamily="2" charset="2"/>
+              <a:buChar char=""/>
+              <a:defRPr sz="1400" kern="1200">
+                <a:solidFill>
+                  <a:schemeClr val="tx1"/>
+                </a:solidFill>
+                <a:effectLst>
+                  <a:outerShdw blurRad="38100" dist="38100" dir="2700000" algn="ctr" rotWithShape="0">
+                    <a:srgbClr val="000000">
+                      <a:alpha val="43000"/>
+                    </a:srgbClr>
+                  </a:outerShdw>
+                </a:effectLst>
+                <a:latin typeface="+mn-lt"/>
+                <a:ea typeface="+mn-ea"/>
+                <a:cs typeface="+mn-cs"/>
+              </a:defRPr>
+            </a:lvl8pPr>
+            <a:lvl9pPr marL="2834640" indent="-256032" algn="l" defTabSz="914400" rtl="0" eaLnBrk="1" latinLnBrk="0" hangingPunct="1">
+              <a:spcBef>
+                <a:spcPct val="20000"/>
+              </a:spcBef>
+              <a:buSzPct val="60000"/>
+              <a:buFont typeface="Wingdings" pitchFamily="2" charset="2"/>
+              <a:buChar char=""/>
+              <a:defRPr sz="1400" kern="1200">
+                <a:solidFill>
+                  <a:schemeClr val="tx1"/>
+                </a:solidFill>
+                <a:effectLst>
+                  <a:outerShdw blurRad="38100" dist="38100" dir="2700000" algn="ctr" rotWithShape="0">
+                    <a:srgbClr val="000000">
+                      <a:alpha val="43000"/>
+                    </a:srgbClr>
+                  </a:outerShdw>
+                </a:effectLst>
+                <a:latin typeface="+mn-lt"/>
+                <a:ea typeface="+mn-ea"/>
+                <a:cs typeface="+mn-cs"/>
+              </a:defRPr>
+            </a:lvl9pPr>
+          </a:lstStyle>
+          <a:p>
+            <a:r>
+              <a:rPr lang="en-US" dirty="0">
+                <a:effectLst/>
+              </a:rPr>
+              <a:t>W</a:t>
+            </a:r>
+            <a:r>
+              <a:rPr lang="en-US" dirty="0" smtClean="0">
+                <a:effectLst/>
+              </a:rPr>
+              <a:t>e </a:t>
+            </a:r>
+            <a:r>
+              <a:rPr lang="en-US" dirty="0">
+                <a:effectLst/>
+              </a:rPr>
+              <a:t>compare the Income Category vs Predicted Income Category - we have the following </a:t>
+            </a:r>
+            <a:r>
+              <a:rPr lang="en-US" dirty="0" smtClean="0">
+                <a:effectLst/>
+              </a:rPr>
+              <a:t>observations</a:t>
             </a:r>
           </a:p>
           <a:p>
             <a:pPr lvl="1"/>
             <a:r>
-              <a:rPr lang="en-US" dirty="0" smtClean="0"/>
-              <a:t>Consider categorizing additional entries for Finance perhaps as this is one industry that pays probably better than STEM</a:t>
-            </a:r>
-          </a:p>
-          <a:p>
-            <a:r>
-              <a:rPr lang="en-US" dirty="0" smtClean="0"/>
-              <a:t>Additional fields which ideally can be obtained</a:t>
+              <a:rPr lang="en-US" dirty="0">
+                <a:effectLst/>
+              </a:rPr>
+              <a:t>Low Income category predictions have about half of the entries in the Middle Income Category</a:t>
             </a:r>
           </a:p>
           <a:p>
             <a:pPr lvl="1"/>
             <a:r>
-              <a:rPr lang="en-US" dirty="0" smtClean="0"/>
-              <a:t>Total amount of years working (More experience may mean higher chance of higher income category – a good indicator)</a:t>
+              <a:rPr lang="en-US" dirty="0">
+                <a:effectLst/>
+              </a:rPr>
+              <a:t>Middle Income category prediction is scattered quite accurately in a 0.5 range around the value of 2 (Middle </a:t>
+            </a:r>
+            <a:r>
+              <a:rPr lang="en-US" dirty="0" smtClean="0">
+                <a:effectLst/>
+              </a:rPr>
+              <a:t>Income </a:t>
+            </a:r>
+            <a:r>
+              <a:rPr lang="en-US" dirty="0">
+                <a:effectLst/>
+              </a:rPr>
+              <a:t>Category</a:t>
+            </a:r>
+            <a:r>
+              <a:rPr lang="en-US" dirty="0" smtClean="0">
+                <a:effectLst/>
+              </a:rPr>
+              <a:t>)</a:t>
             </a:r>
           </a:p>
           <a:p>
             <a:pPr lvl="1"/>
             <a:r>
-              <a:rPr lang="en-US" dirty="0" smtClean="0"/>
-              <a:t>Size of company worked at in terms of staff (Bigger company may generally indicate higher pay?)</a:t>
-            </a:r>
+              <a:rPr lang="en-US" dirty="0">
+                <a:effectLst/>
+              </a:rPr>
+              <a:t>There is zero accuracy for High income category prediction</a:t>
+            </a:r>
+            <a:r>
+              <a:rPr lang="en-US" dirty="0" smtClean="0">
+                <a:effectLst/>
+              </a:rPr>
+              <a:t>.</a:t>
+            </a:r>
+            <a:endParaRPr lang="en-US" dirty="0">
+              <a:effectLst/>
+            </a:endParaRPr>
           </a:p>
           <a:p>
             <a:pPr lvl="1"/>
-            <a:endParaRPr lang="en-US" dirty="0" smtClean="0"/>
-          </a:p>
-        </p:txBody>
-      </p:sp>
-      <p:sp>
-        <p:nvSpPr>
-          <p:cNvPr id="7" name="Title 6"/>
-          <p:cNvSpPr>
-            <a:spLocks noGrp="1"/>
-          </p:cNvSpPr>
-          <p:nvPr>
-            <p:ph type="title"/>
-          </p:nvPr>
-        </p:nvSpPr>
-        <p:spPr/>
-        <p:txBody>
-          <a:bodyPr/>
-          <a:lstStyle/>
-          <a:p>
-            <a:r>
-              <a:rPr lang="en-US" dirty="0" smtClean="0"/>
-              <a:t>Conclusion</a:t>
-            </a:r>
-            <a:endParaRPr lang="en-US" dirty="0"/>
-          </a:p>
-        </p:txBody>
-      </p:sp>
-      <p:sp>
-        <p:nvSpPr>
-          <p:cNvPr id="3" name="Date Placeholder 2"/>
-          <p:cNvSpPr>
-            <a:spLocks noGrp="1"/>
-          </p:cNvSpPr>
-          <p:nvPr>
-            <p:ph type="dt" sz="half" idx="10"/>
-          </p:nvPr>
-        </p:nvSpPr>
-        <p:spPr/>
-        <p:txBody>
-          <a:bodyPr/>
-          <a:lstStyle/>
-          <a:p>
-            <a:fld id="{E3C8A2D6-A616-4504-925B-170393655917}" type="datetime2">
-              <a:rPr lang="en-US" smtClean="0"/>
-              <a:t>Wednesday, December 12, 2018</a:t>
-            </a:fld>
-            <a:endParaRPr lang="en-US" dirty="0"/>
-          </a:p>
-        </p:txBody>
-      </p:sp>
-      <p:sp>
-        <p:nvSpPr>
-          <p:cNvPr id="4" name="Slide Number Placeholder 3"/>
-          <p:cNvSpPr>
-            <a:spLocks noGrp="1"/>
-          </p:cNvSpPr>
-          <p:nvPr>
-            <p:ph type="sldNum" sz="quarter" idx="11"/>
-          </p:nvPr>
-        </p:nvSpPr>
-        <p:spPr/>
-        <p:txBody>
-          <a:bodyPr/>
-          <a:lstStyle/>
-          <a:p>
-            <a:fld id="{1789C0F2-17E0-497A-9BBE-0C73201AAFE3}" type="slidenum">
-              <a:rPr lang="en-US" smtClean="0"/>
-              <a:pPr/>
-              <a:t>25</a:t>
-            </a:fld>
-            <a:endParaRPr lang="en-US" dirty="0"/>
-          </a:p>
-        </p:txBody>
-      </p:sp>
-      <p:sp>
-        <p:nvSpPr>
-          <p:cNvPr id="5" name="Footer Placeholder 4"/>
-          <p:cNvSpPr>
-            <a:spLocks noGrp="1"/>
-          </p:cNvSpPr>
-          <p:nvPr>
-            <p:ph type="ftr" sz="quarter" idx="12"/>
-          </p:nvPr>
-        </p:nvSpPr>
-        <p:spPr/>
-        <p:txBody>
-          <a:bodyPr/>
-          <a:lstStyle/>
-          <a:p>
-            <a:r>
-              <a:rPr lang="en-US" smtClean="0"/>
-              <a:t>Codecademy - Machine Learning Fundamentals – Tay Khek Yang</a:t>
-            </a:r>
             <a:endParaRPr lang="en-US" dirty="0"/>
           </a:p>
         </p:txBody>
@@ -13180,7 +14916,7 @@
     </p:spTree>
     <p:extLst>
       <p:ext uri="{BB962C8B-B14F-4D97-AF65-F5344CB8AC3E}">
-        <p14:creationId xmlns:p14="http://schemas.microsoft.com/office/powerpoint/2010/main" val="1663061694"/>
+        <p14:creationId xmlns:p14="http://schemas.microsoft.com/office/powerpoint/2010/main" val="873377908"/>
       </p:ext>
     </p:extLst>
   </p:cSld>
@@ -13259,7 +14995,7 @@
           <a:p>
             <a:fld id="{86272B70-7F64-4F73-8F20-BB9EC051EBD1}" type="datetime2">
               <a:rPr lang="en-US" smtClean="0"/>
-              <a:t>Wednesday, December 12, 2018</a:t>
+              <a:t>Monday, December 17, 2018</a:t>
             </a:fld>
             <a:endParaRPr lang="en-US" dirty="0"/>
           </a:p>
@@ -13339,6 +15075,903 @@
     <p:extLst>
       <p:ext uri="{BB962C8B-B14F-4D97-AF65-F5344CB8AC3E}">
         <p14:creationId xmlns:p14="http://schemas.microsoft.com/office/powerpoint/2010/main" val="3010502669"/>
+      </p:ext>
+    </p:extLst>
+  </p:cSld>
+  <p:clrMapOvr>
+    <a:masterClrMapping/>
+  </p:clrMapOvr>
+</p:sld>
+</file>
+
+<file path=ppt/slides/slide30.xml><?xml version="1.0" encoding="utf-8"?>
+<p:sld xmlns:a="http://schemas.openxmlformats.org/drawingml/2006/main" xmlns:r="http://schemas.openxmlformats.org/officeDocument/2006/relationships" xmlns:p="http://schemas.openxmlformats.org/presentationml/2006/main">
+  <p:cSld>
+    <p:spTree>
+      <p:nvGrpSpPr>
+        <p:cNvPr id="1" name=""/>
+        <p:cNvGrpSpPr/>
+        <p:nvPr/>
+      </p:nvGrpSpPr>
+      <p:grpSpPr>
+        <a:xfrm>
+          <a:off x="0" y="0"/>
+          <a:ext cx="0" cy="0"/>
+          <a:chOff x="0" y="0"/>
+          <a:chExt cx="0" cy="0"/>
+        </a:xfrm>
+      </p:grpSpPr>
+      <p:sp>
+        <p:nvSpPr>
+          <p:cNvPr id="7" name="Title 6"/>
+          <p:cNvSpPr>
+            <a:spLocks noGrp="1"/>
+          </p:cNvSpPr>
+          <p:nvPr>
+            <p:ph type="title"/>
+          </p:nvPr>
+        </p:nvSpPr>
+        <p:spPr>
+          <a:xfrm>
+            <a:off x="777240" y="4876800"/>
+            <a:ext cx="5594960" cy="914400"/>
+          </a:xfrm>
+        </p:spPr>
+        <p:txBody>
+          <a:bodyPr/>
+          <a:lstStyle/>
+          <a:p>
+            <a:r>
+              <a:rPr lang="en-US" sz="3600" b="1" dirty="0">
+                <a:effectLst/>
+              </a:rPr>
+              <a:t>K-Nearest Neighbors </a:t>
+            </a:r>
+            <a:r>
+              <a:rPr lang="en-US" sz="3600" b="1" dirty="0" err="1">
+                <a:effectLst/>
+              </a:rPr>
+              <a:t>Regressor</a:t>
+            </a:r>
+            <a:endParaRPr lang="en-US" sz="3600" b="1" dirty="0">
+              <a:effectLst/>
+            </a:endParaRPr>
+          </a:p>
+        </p:txBody>
+      </p:sp>
+      <p:sp>
+        <p:nvSpPr>
+          <p:cNvPr id="3" name="Date Placeholder 2"/>
+          <p:cNvSpPr>
+            <a:spLocks noGrp="1"/>
+          </p:cNvSpPr>
+          <p:nvPr>
+            <p:ph type="dt" sz="half" idx="10"/>
+          </p:nvPr>
+        </p:nvSpPr>
+        <p:spPr/>
+        <p:txBody>
+          <a:bodyPr/>
+          <a:lstStyle/>
+          <a:p>
+            <a:fld id="{E3C8A2D6-A616-4504-925B-170393655917}" type="datetime2">
+              <a:rPr lang="en-US" smtClean="0"/>
+              <a:t>Monday, December 17, 2018</a:t>
+            </a:fld>
+            <a:endParaRPr lang="en-US" dirty="0"/>
+          </a:p>
+        </p:txBody>
+      </p:sp>
+      <p:sp>
+        <p:nvSpPr>
+          <p:cNvPr id="4" name="Slide Number Placeholder 3"/>
+          <p:cNvSpPr>
+            <a:spLocks noGrp="1"/>
+          </p:cNvSpPr>
+          <p:nvPr>
+            <p:ph type="sldNum" sz="quarter" idx="11"/>
+          </p:nvPr>
+        </p:nvSpPr>
+        <p:spPr/>
+        <p:txBody>
+          <a:bodyPr/>
+          <a:lstStyle/>
+          <a:p>
+            <a:fld id="{1789C0F2-17E0-497A-9BBE-0C73201AAFE3}" type="slidenum">
+              <a:rPr lang="en-US" smtClean="0"/>
+              <a:pPr/>
+              <a:t>30</a:t>
+            </a:fld>
+            <a:endParaRPr lang="en-US" dirty="0"/>
+          </a:p>
+        </p:txBody>
+      </p:sp>
+      <p:sp>
+        <p:nvSpPr>
+          <p:cNvPr id="5" name="Footer Placeholder 4"/>
+          <p:cNvSpPr>
+            <a:spLocks noGrp="1"/>
+          </p:cNvSpPr>
+          <p:nvPr>
+            <p:ph type="ftr" sz="quarter" idx="12"/>
+          </p:nvPr>
+        </p:nvSpPr>
+        <p:spPr/>
+        <p:txBody>
+          <a:bodyPr/>
+          <a:lstStyle/>
+          <a:p>
+            <a:r>
+              <a:rPr lang="en-US" smtClean="0"/>
+              <a:t>Codecademy - Machine Learning Fundamentals – Tay Khek Yang</a:t>
+            </a:r>
+            <a:endParaRPr lang="en-US" dirty="0"/>
+          </a:p>
+        </p:txBody>
+      </p:sp>
+      <p:sp>
+        <p:nvSpPr>
+          <p:cNvPr id="10" name="Content Placeholder 1"/>
+          <p:cNvSpPr txBox="1">
+            <a:spLocks/>
+          </p:cNvSpPr>
+          <p:nvPr/>
+        </p:nvSpPr>
+        <p:spPr>
+          <a:xfrm>
+            <a:off x="5220072" y="548680"/>
+            <a:ext cx="3441576" cy="4752528"/>
+          </a:xfrm>
+          <a:prstGeom prst="rect">
+            <a:avLst/>
+          </a:prstGeom>
+        </p:spPr>
+        <p:txBody>
+          <a:bodyPr vert="horz" lIns="91440" tIns="45720" rIns="91440" bIns="45720" rtlCol="0" anchor="ctr">
+            <a:normAutofit fontScale="92500" lnSpcReduction="20000"/>
+          </a:bodyPr>
+          <a:lstStyle>
+            <a:lvl1pPr marL="274320" indent="-256032" algn="l" defTabSz="914400" rtl="0" eaLnBrk="1" latinLnBrk="0" hangingPunct="1">
+              <a:spcBef>
+                <a:spcPct val="20000"/>
+              </a:spcBef>
+              <a:spcAft>
+                <a:spcPts val="0"/>
+              </a:spcAft>
+              <a:buSzPct val="60000"/>
+              <a:buFont typeface="Wingdings" pitchFamily="2" charset="2"/>
+              <a:buChar char=""/>
+              <a:defRPr sz="2100" kern="1200">
+                <a:solidFill>
+                  <a:schemeClr val="tx1"/>
+                </a:solidFill>
+                <a:effectLst>
+                  <a:outerShdw blurRad="38100" dist="38100" dir="2700000" algn="tl">
+                    <a:srgbClr val="000000">
+                      <a:alpha val="43137"/>
+                    </a:srgbClr>
+                  </a:outerShdw>
+                </a:effectLst>
+                <a:latin typeface="+mn-lt"/>
+                <a:ea typeface="+mn-ea"/>
+                <a:cs typeface="+mn-cs"/>
+              </a:defRPr>
+            </a:lvl1pPr>
+            <a:lvl2pPr marL="640080" indent="-256032" algn="l" defTabSz="914400" rtl="0" eaLnBrk="1" latinLnBrk="0" hangingPunct="1">
+              <a:spcBef>
+                <a:spcPct val="20000"/>
+              </a:spcBef>
+              <a:buSzPct val="60000"/>
+              <a:buFont typeface="Wingdings" pitchFamily="2" charset="2"/>
+              <a:buChar char=""/>
+              <a:defRPr sz="1900" kern="1200">
+                <a:solidFill>
+                  <a:schemeClr val="tx1"/>
+                </a:solidFill>
+                <a:effectLst>
+                  <a:outerShdw blurRad="38100" dist="38100" dir="2700000" algn="tl">
+                    <a:srgbClr val="000000">
+                      <a:alpha val="43137"/>
+                    </a:srgbClr>
+                  </a:outerShdw>
+                </a:effectLst>
+                <a:latin typeface="+mn-lt"/>
+                <a:ea typeface="+mn-ea"/>
+                <a:cs typeface="+mn-cs"/>
+              </a:defRPr>
+            </a:lvl2pPr>
+            <a:lvl3pPr marL="1005840" indent="-256032" algn="l" defTabSz="914400" rtl="0" eaLnBrk="1" latinLnBrk="0" hangingPunct="1">
+              <a:spcBef>
+                <a:spcPct val="20000"/>
+              </a:spcBef>
+              <a:buSzPct val="60000"/>
+              <a:buFont typeface="Wingdings" pitchFamily="2" charset="2"/>
+              <a:buChar char=""/>
+              <a:defRPr sz="1700" kern="1200">
+                <a:solidFill>
+                  <a:schemeClr val="tx1"/>
+                </a:solidFill>
+                <a:effectLst>
+                  <a:outerShdw blurRad="38100" dist="38100" dir="2700000" algn="tl">
+                    <a:srgbClr val="000000">
+                      <a:alpha val="43137"/>
+                    </a:srgbClr>
+                  </a:outerShdw>
+                </a:effectLst>
+                <a:latin typeface="+mn-lt"/>
+                <a:ea typeface="+mn-ea"/>
+                <a:cs typeface="+mn-cs"/>
+              </a:defRPr>
+            </a:lvl3pPr>
+            <a:lvl4pPr marL="1371600" indent="-256032" algn="l" defTabSz="914400" rtl="0" eaLnBrk="1" latinLnBrk="0" hangingPunct="1">
+              <a:spcBef>
+                <a:spcPct val="20000"/>
+              </a:spcBef>
+              <a:buSzPct val="60000"/>
+              <a:buFont typeface="Wingdings" pitchFamily="2" charset="2"/>
+              <a:buChar char=""/>
+              <a:defRPr sz="1600" kern="1200">
+                <a:solidFill>
+                  <a:schemeClr val="tx1"/>
+                </a:solidFill>
+                <a:effectLst>
+                  <a:outerShdw blurRad="38100" dist="38100" dir="2700000" algn="tl">
+                    <a:srgbClr val="000000">
+                      <a:alpha val="43137"/>
+                    </a:srgbClr>
+                  </a:outerShdw>
+                </a:effectLst>
+                <a:latin typeface="+mn-lt"/>
+                <a:ea typeface="+mn-ea"/>
+                <a:cs typeface="+mn-cs"/>
+              </a:defRPr>
+            </a:lvl4pPr>
+            <a:lvl5pPr marL="1645920" indent="-256032" algn="l" defTabSz="914400" rtl="0" eaLnBrk="1" latinLnBrk="0" hangingPunct="1">
+              <a:spcBef>
+                <a:spcPct val="20000"/>
+              </a:spcBef>
+              <a:buSzPct val="60000"/>
+              <a:buFont typeface="Wingdings" pitchFamily="2" charset="2"/>
+              <a:buChar char=""/>
+              <a:defRPr sz="1500" kern="1200">
+                <a:solidFill>
+                  <a:schemeClr val="tx1"/>
+                </a:solidFill>
+                <a:effectLst>
+                  <a:outerShdw blurRad="38100" dist="38100" dir="2700000" algn="tl">
+                    <a:srgbClr val="000000">
+                      <a:alpha val="43137"/>
+                    </a:srgbClr>
+                  </a:outerShdw>
+                </a:effectLst>
+                <a:latin typeface="+mn-lt"/>
+                <a:ea typeface="+mn-ea"/>
+                <a:cs typeface="+mn-cs"/>
+              </a:defRPr>
+            </a:lvl5pPr>
+            <a:lvl6pPr marL="1965960" indent="-256032" algn="l" defTabSz="914400" rtl="0" eaLnBrk="1" latinLnBrk="0" hangingPunct="1">
+              <a:spcBef>
+                <a:spcPct val="20000"/>
+              </a:spcBef>
+              <a:buSzPct val="60000"/>
+              <a:buFont typeface="Wingdings" pitchFamily="2" charset="2"/>
+              <a:buChar char=""/>
+              <a:defRPr sz="1400" kern="1200">
+                <a:solidFill>
+                  <a:schemeClr val="tx1"/>
+                </a:solidFill>
+                <a:effectLst>
+                  <a:outerShdw blurRad="38100" dist="38100" dir="2700000" algn="ctr" rotWithShape="0">
+                    <a:srgbClr val="000000">
+                      <a:alpha val="43000"/>
+                    </a:srgbClr>
+                  </a:outerShdw>
+                </a:effectLst>
+                <a:latin typeface="+mn-lt"/>
+                <a:ea typeface="+mn-ea"/>
+                <a:cs typeface="+mn-cs"/>
+              </a:defRPr>
+            </a:lvl6pPr>
+            <a:lvl7pPr marL="2240280" indent="-256032" algn="l" defTabSz="914400" rtl="0" eaLnBrk="1" latinLnBrk="0" hangingPunct="1">
+              <a:spcBef>
+                <a:spcPct val="20000"/>
+              </a:spcBef>
+              <a:buSzPct val="60000"/>
+              <a:buFont typeface="Wingdings" pitchFamily="2" charset="2"/>
+              <a:buChar char=""/>
+              <a:defRPr sz="1400" kern="1200">
+                <a:solidFill>
+                  <a:schemeClr val="tx1"/>
+                </a:solidFill>
+                <a:effectLst>
+                  <a:outerShdw blurRad="38100" dist="38100" dir="2700000" algn="ctr" rotWithShape="0">
+                    <a:srgbClr val="000000">
+                      <a:alpha val="43000"/>
+                    </a:srgbClr>
+                  </a:outerShdw>
+                </a:effectLst>
+                <a:latin typeface="+mn-lt"/>
+                <a:ea typeface="+mn-ea"/>
+                <a:cs typeface="+mn-cs"/>
+              </a:defRPr>
+            </a:lvl7pPr>
+            <a:lvl8pPr marL="2514600" indent="-256032" algn="l" defTabSz="914400" rtl="0" eaLnBrk="1" latinLnBrk="0" hangingPunct="1">
+              <a:spcBef>
+                <a:spcPct val="20000"/>
+              </a:spcBef>
+              <a:buSzPct val="60000"/>
+              <a:buFont typeface="Wingdings" pitchFamily="2" charset="2"/>
+              <a:buChar char=""/>
+              <a:defRPr sz="1400" kern="1200">
+                <a:solidFill>
+                  <a:schemeClr val="tx1"/>
+                </a:solidFill>
+                <a:effectLst>
+                  <a:outerShdw blurRad="38100" dist="38100" dir="2700000" algn="ctr" rotWithShape="0">
+                    <a:srgbClr val="000000">
+                      <a:alpha val="43000"/>
+                    </a:srgbClr>
+                  </a:outerShdw>
+                </a:effectLst>
+                <a:latin typeface="+mn-lt"/>
+                <a:ea typeface="+mn-ea"/>
+                <a:cs typeface="+mn-cs"/>
+              </a:defRPr>
+            </a:lvl8pPr>
+            <a:lvl9pPr marL="2834640" indent="-256032" algn="l" defTabSz="914400" rtl="0" eaLnBrk="1" latinLnBrk="0" hangingPunct="1">
+              <a:spcBef>
+                <a:spcPct val="20000"/>
+              </a:spcBef>
+              <a:buSzPct val="60000"/>
+              <a:buFont typeface="Wingdings" pitchFamily="2" charset="2"/>
+              <a:buChar char=""/>
+              <a:defRPr sz="1400" kern="1200">
+                <a:solidFill>
+                  <a:schemeClr val="tx1"/>
+                </a:solidFill>
+                <a:effectLst>
+                  <a:outerShdw blurRad="38100" dist="38100" dir="2700000" algn="ctr" rotWithShape="0">
+                    <a:srgbClr val="000000">
+                      <a:alpha val="43000"/>
+                    </a:srgbClr>
+                  </a:outerShdw>
+                </a:effectLst>
+                <a:latin typeface="+mn-lt"/>
+                <a:ea typeface="+mn-ea"/>
+                <a:cs typeface="+mn-cs"/>
+              </a:defRPr>
+            </a:lvl9pPr>
+          </a:lstStyle>
+          <a:p>
+            <a:r>
+              <a:rPr lang="en-US" dirty="0">
+                <a:effectLst/>
+              </a:rPr>
+              <a:t>W</a:t>
+            </a:r>
+            <a:r>
+              <a:rPr lang="en-US" dirty="0" smtClean="0">
+                <a:effectLst/>
+              </a:rPr>
+              <a:t>e </a:t>
+            </a:r>
+            <a:r>
+              <a:rPr lang="en-US" dirty="0">
+                <a:effectLst/>
+              </a:rPr>
+              <a:t>compare the Income Category vs Predicted Income Category - we have the following </a:t>
+            </a:r>
+            <a:r>
+              <a:rPr lang="en-US" dirty="0" smtClean="0">
+                <a:effectLst/>
+              </a:rPr>
+              <a:t>observations</a:t>
+            </a:r>
+          </a:p>
+          <a:p>
+            <a:pPr lvl="1"/>
+            <a:r>
+              <a:rPr lang="en-US" dirty="0">
+                <a:effectLst/>
+              </a:rPr>
+              <a:t>Low Income category predictions have more than half of the entries in the Middle Income Category</a:t>
+            </a:r>
+          </a:p>
+          <a:p>
+            <a:pPr lvl="1"/>
+            <a:r>
+              <a:rPr lang="en-US" dirty="0">
+                <a:effectLst/>
+              </a:rPr>
+              <a:t>Middle Income category prediction is scattered quite accurately in a 0.5 range around the value of 2 (Middle </a:t>
+            </a:r>
+            <a:r>
+              <a:rPr lang="en-US" dirty="0" smtClean="0">
+                <a:effectLst/>
+              </a:rPr>
+              <a:t>Income </a:t>
+            </a:r>
+            <a:r>
+              <a:rPr lang="en-US" dirty="0">
+                <a:effectLst/>
+              </a:rPr>
+              <a:t>Category)</a:t>
+            </a:r>
+          </a:p>
+          <a:p>
+            <a:pPr lvl="1"/>
+            <a:r>
+              <a:rPr lang="en-US" dirty="0">
+                <a:effectLst/>
+              </a:rPr>
+              <a:t>There is some entries with High income category prediction - but accuracy is low</a:t>
+            </a:r>
+          </a:p>
+          <a:p>
+            <a:pPr lvl="1"/>
+            <a:endParaRPr lang="en-US" dirty="0"/>
+          </a:p>
+        </p:txBody>
+      </p:sp>
+      <p:pic>
+        <p:nvPicPr>
+          <p:cNvPr id="7170" name="Picture 2"/>
+          <p:cNvPicPr>
+            <a:picLocks noChangeAspect="1" noChangeArrowheads="1"/>
+          </p:cNvPicPr>
+          <p:nvPr/>
+        </p:nvPicPr>
+        <p:blipFill>
+          <a:blip r:embed="rId2">
+            <a:extLst>
+              <a:ext uri="{28A0092B-C50C-407E-A947-70E740481C1C}">
+                <a14:useLocalDpi xmlns:a14="http://schemas.microsoft.com/office/drawing/2010/main" val="0"/>
+              </a:ext>
+            </a:extLst>
+          </a:blip>
+          <a:srcRect/>
+          <a:stretch>
+            <a:fillRect/>
+          </a:stretch>
+        </p:blipFill>
+        <p:spPr bwMode="auto">
+          <a:xfrm>
+            <a:off x="382672" y="548680"/>
+            <a:ext cx="4686686" cy="3648110"/>
+          </a:xfrm>
+          <a:prstGeom prst="rect">
+            <a:avLst/>
+          </a:prstGeom>
+          <a:noFill/>
+          <a:ln>
+            <a:noFill/>
+          </a:ln>
+          <a:extLst>
+            <a:ext uri="{909E8E84-426E-40DD-AFC4-6F175D3DCCD1}">
+              <a14:hiddenFill xmlns:a14="http://schemas.microsoft.com/office/drawing/2010/main">
+                <a:solidFill>
+                  <a:schemeClr val="accent1"/>
+                </a:solidFill>
+              </a14:hiddenFill>
+            </a:ext>
+            <a:ext uri="{91240B29-F687-4F45-9708-019B960494DF}">
+              <a14:hiddenLine xmlns:a14="http://schemas.microsoft.com/office/drawing/2010/main" w="9525">
+                <a:solidFill>
+                  <a:schemeClr val="tx1"/>
+                </a:solidFill>
+                <a:miter lim="800000"/>
+                <a:headEnd/>
+                <a:tailEnd/>
+              </a14:hiddenLine>
+            </a:ext>
+          </a:extLst>
+        </p:spPr>
+      </p:pic>
+    </p:spTree>
+    <p:extLst>
+      <p:ext uri="{BB962C8B-B14F-4D97-AF65-F5344CB8AC3E}">
+        <p14:creationId xmlns:p14="http://schemas.microsoft.com/office/powerpoint/2010/main" val="1648077641"/>
+      </p:ext>
+    </p:extLst>
+  </p:cSld>
+  <p:clrMapOvr>
+    <a:masterClrMapping/>
+  </p:clrMapOvr>
+</p:sld>
+</file>
+
+<file path=ppt/slides/slide31.xml><?xml version="1.0" encoding="utf-8"?>
+<p:sld xmlns:a="http://schemas.openxmlformats.org/drawingml/2006/main" xmlns:r="http://schemas.openxmlformats.org/officeDocument/2006/relationships" xmlns:p="http://schemas.openxmlformats.org/presentationml/2006/main">
+  <p:cSld>
+    <p:spTree>
+      <p:nvGrpSpPr>
+        <p:cNvPr id="1" name=""/>
+        <p:cNvGrpSpPr/>
+        <p:nvPr/>
+      </p:nvGrpSpPr>
+      <p:grpSpPr>
+        <a:xfrm>
+          <a:off x="0" y="0"/>
+          <a:ext cx="0" cy="0"/>
+          <a:chOff x="0" y="0"/>
+          <a:chExt cx="0" cy="0"/>
+        </a:xfrm>
+      </p:grpSpPr>
+      <p:sp>
+        <p:nvSpPr>
+          <p:cNvPr id="8" name="Text Placeholder 7"/>
+          <p:cNvSpPr>
+            <a:spLocks noGrp="1"/>
+          </p:cNvSpPr>
+          <p:nvPr>
+            <p:ph type="body" idx="1"/>
+          </p:nvPr>
+        </p:nvSpPr>
+        <p:spPr/>
+        <p:txBody>
+          <a:bodyPr/>
+          <a:lstStyle/>
+          <a:p>
+            <a:r>
+              <a:rPr lang="en-US" dirty="0" err="1"/>
+              <a:t>Codecademy</a:t>
+            </a:r>
+            <a:r>
+              <a:rPr lang="en-US" dirty="0"/>
+              <a:t> - </a:t>
+            </a:r>
+            <a:r>
+              <a:rPr lang="en-US" dirty="0" err="1"/>
+              <a:t>OKCupid</a:t>
+            </a:r>
+            <a:r>
+              <a:rPr lang="en-US" dirty="0"/>
+              <a:t> sample </a:t>
+            </a:r>
+            <a:r>
+              <a:rPr lang="en-US" dirty="0" smtClean="0"/>
+              <a:t>data</a:t>
+            </a:r>
+            <a:endParaRPr lang="en-US" dirty="0"/>
+          </a:p>
+        </p:txBody>
+      </p:sp>
+      <p:sp>
+        <p:nvSpPr>
+          <p:cNvPr id="4" name="Date Placeholder 3"/>
+          <p:cNvSpPr>
+            <a:spLocks noGrp="1"/>
+          </p:cNvSpPr>
+          <p:nvPr>
+            <p:ph type="dt" sz="half" idx="10"/>
+          </p:nvPr>
+        </p:nvSpPr>
+        <p:spPr/>
+        <p:txBody>
+          <a:bodyPr/>
+          <a:lstStyle/>
+          <a:p>
+            <a:fld id="{86272B70-7F64-4F73-8F20-BB9EC051EBD1}" type="datetime2">
+              <a:rPr lang="en-US" smtClean="0"/>
+              <a:t>Monday, December 17, 2018</a:t>
+            </a:fld>
+            <a:endParaRPr lang="en-US" dirty="0"/>
+          </a:p>
+        </p:txBody>
+      </p:sp>
+      <p:sp>
+        <p:nvSpPr>
+          <p:cNvPr id="5" name="Slide Number Placeholder 4"/>
+          <p:cNvSpPr>
+            <a:spLocks noGrp="1"/>
+          </p:cNvSpPr>
+          <p:nvPr>
+            <p:ph type="sldNum" sz="quarter" idx="11"/>
+          </p:nvPr>
+        </p:nvSpPr>
+        <p:spPr/>
+        <p:txBody>
+          <a:bodyPr/>
+          <a:lstStyle/>
+          <a:p>
+            <a:fld id="{1789C0F2-17E0-497A-9BBE-0C73201AAFE3}" type="slidenum">
+              <a:rPr lang="en-US" smtClean="0"/>
+              <a:pPr/>
+              <a:t>31</a:t>
+            </a:fld>
+            <a:endParaRPr lang="en-US" dirty="0"/>
+          </a:p>
+        </p:txBody>
+      </p:sp>
+      <p:sp>
+        <p:nvSpPr>
+          <p:cNvPr id="6" name="Footer Placeholder 5"/>
+          <p:cNvSpPr>
+            <a:spLocks noGrp="1"/>
+          </p:cNvSpPr>
+          <p:nvPr>
+            <p:ph type="ftr" sz="quarter" idx="12"/>
+          </p:nvPr>
+        </p:nvSpPr>
+        <p:spPr/>
+        <p:txBody>
+          <a:bodyPr/>
+          <a:lstStyle/>
+          <a:p>
+            <a:r>
+              <a:rPr lang="en-US" smtClean="0"/>
+              <a:t>Codecademy - Machine Learning Fundamentals – Tay Khek Yang</a:t>
+            </a:r>
+            <a:endParaRPr lang="en-US" dirty="0"/>
+          </a:p>
+        </p:txBody>
+      </p:sp>
+      <p:sp>
+        <p:nvSpPr>
+          <p:cNvPr id="7" name="Title 6"/>
+          <p:cNvSpPr>
+            <a:spLocks noGrp="1"/>
+          </p:cNvSpPr>
+          <p:nvPr>
+            <p:ph type="title"/>
+          </p:nvPr>
+        </p:nvSpPr>
+        <p:spPr/>
+        <p:txBody>
+          <a:bodyPr/>
+          <a:lstStyle/>
+          <a:p>
+            <a:r>
+              <a:rPr lang="en-US" dirty="0" smtClean="0">
+                <a:effectLst/>
+              </a:rPr>
+              <a:t>Conclusion</a:t>
+            </a:r>
+            <a:br>
+              <a:rPr lang="en-US" dirty="0" smtClean="0">
+                <a:effectLst/>
+              </a:rPr>
+            </a:br>
+            <a:endParaRPr lang="en-US" dirty="0"/>
+          </a:p>
+        </p:txBody>
+      </p:sp>
+    </p:spTree>
+    <p:extLst>
+      <p:ext uri="{BB962C8B-B14F-4D97-AF65-F5344CB8AC3E}">
+        <p14:creationId xmlns:p14="http://schemas.microsoft.com/office/powerpoint/2010/main" val="1207015161"/>
+      </p:ext>
+    </p:extLst>
+  </p:cSld>
+  <p:clrMapOvr>
+    <a:masterClrMapping/>
+  </p:clrMapOvr>
+</p:sld>
+</file>
+
+<file path=ppt/slides/slide32.xml><?xml version="1.0" encoding="utf-8"?>
+<p:sld xmlns:a="http://schemas.openxmlformats.org/drawingml/2006/main" xmlns:r="http://schemas.openxmlformats.org/officeDocument/2006/relationships" xmlns:p="http://schemas.openxmlformats.org/presentationml/2006/main">
+  <p:cSld>
+    <p:spTree>
+      <p:nvGrpSpPr>
+        <p:cNvPr id="1" name=""/>
+        <p:cNvGrpSpPr/>
+        <p:nvPr/>
+      </p:nvGrpSpPr>
+      <p:grpSpPr>
+        <a:xfrm>
+          <a:off x="0" y="0"/>
+          <a:ext cx="0" cy="0"/>
+          <a:chOff x="0" y="0"/>
+          <a:chExt cx="0" cy="0"/>
+        </a:xfrm>
+      </p:grpSpPr>
+      <p:sp>
+        <p:nvSpPr>
+          <p:cNvPr id="8" name="Content Placeholder 7"/>
+          <p:cNvSpPr>
+            <a:spLocks noGrp="1"/>
+          </p:cNvSpPr>
+          <p:nvPr>
+            <p:ph idx="1"/>
+          </p:nvPr>
+        </p:nvSpPr>
+        <p:spPr>
+          <a:xfrm>
+            <a:off x="2133600" y="685801"/>
+            <a:ext cx="6096000" cy="4039343"/>
+          </a:xfrm>
+        </p:spPr>
+        <p:txBody>
+          <a:bodyPr>
+            <a:normAutofit fontScale="85000" lnSpcReduction="20000"/>
+          </a:bodyPr>
+          <a:lstStyle/>
+          <a:p>
+            <a:r>
+              <a:rPr lang="en-US" dirty="0" smtClean="0"/>
+              <a:t>Machine Learning using </a:t>
+            </a:r>
+            <a:r>
+              <a:rPr lang="en-US" dirty="0" err="1" smtClean="0"/>
+              <a:t>KNeighboursClassifier</a:t>
+            </a:r>
+            <a:r>
+              <a:rPr lang="en-US" dirty="0" smtClean="0"/>
+              <a:t> and </a:t>
+            </a:r>
+            <a:r>
+              <a:rPr lang="en-US" dirty="0" err="1" smtClean="0"/>
+              <a:t>KMeans</a:t>
+            </a:r>
+            <a:r>
+              <a:rPr lang="en-US" dirty="0" smtClean="0"/>
+              <a:t>++ is quite straight forward, fast and simple to use</a:t>
+            </a:r>
+          </a:p>
+          <a:p>
+            <a:r>
+              <a:rPr lang="en-US" dirty="0" smtClean="0"/>
+              <a:t>Referring to the sample data and method of categorization used in this project – </a:t>
+            </a:r>
+            <a:r>
+              <a:rPr lang="en-US" dirty="0" err="1" smtClean="0"/>
+              <a:t>KNeighboursClassifier</a:t>
+            </a:r>
+            <a:r>
+              <a:rPr lang="en-US" dirty="0" smtClean="0"/>
+              <a:t> is more accurate to be used vs </a:t>
+            </a:r>
+            <a:r>
+              <a:rPr lang="en-US" dirty="0" err="1" smtClean="0"/>
+              <a:t>KMeans</a:t>
+            </a:r>
+            <a:r>
+              <a:rPr lang="en-US" dirty="0" smtClean="0"/>
+              <a:t>++</a:t>
+            </a:r>
+          </a:p>
+          <a:p>
+            <a:r>
+              <a:rPr lang="en-US" dirty="0" smtClean="0"/>
+              <a:t>Better method of categorization can be considered</a:t>
+            </a:r>
+          </a:p>
+          <a:p>
+            <a:pPr lvl="1"/>
+            <a:r>
+              <a:rPr lang="en-US" dirty="0" smtClean="0"/>
+              <a:t>Consider categorizing </a:t>
+            </a:r>
+            <a:r>
+              <a:rPr lang="en-US" dirty="0" smtClean="0"/>
+              <a:t>based on age in 5 or 10 years intervals</a:t>
+            </a:r>
+            <a:endParaRPr lang="en-US" dirty="0" smtClean="0"/>
+          </a:p>
+          <a:p>
+            <a:r>
+              <a:rPr lang="en-US" dirty="0" smtClean="0"/>
+              <a:t>Additional fields which ideally can be obtained</a:t>
+            </a:r>
+          </a:p>
+          <a:p>
+            <a:pPr lvl="1"/>
+            <a:r>
+              <a:rPr lang="en-US" dirty="0" smtClean="0"/>
+              <a:t>Total amount of years working (More experience may mean higher chance of higher income category – a good indicator)</a:t>
+            </a:r>
+          </a:p>
+          <a:p>
+            <a:pPr lvl="1"/>
+            <a:r>
+              <a:rPr lang="en-US" dirty="0" smtClean="0"/>
+              <a:t>Size of company worked at in terms of staff (Bigger company may generally indicate higher pay?)</a:t>
+            </a:r>
+          </a:p>
+          <a:p>
+            <a:pPr lvl="1"/>
+            <a:endParaRPr lang="en-US" dirty="0" smtClean="0"/>
+          </a:p>
+        </p:txBody>
+      </p:sp>
+      <p:sp>
+        <p:nvSpPr>
+          <p:cNvPr id="7" name="Title 6"/>
+          <p:cNvSpPr>
+            <a:spLocks noGrp="1"/>
+          </p:cNvSpPr>
+          <p:nvPr>
+            <p:ph type="title"/>
+          </p:nvPr>
+        </p:nvSpPr>
+        <p:spPr/>
+        <p:txBody>
+          <a:bodyPr/>
+          <a:lstStyle/>
+          <a:p>
+            <a:r>
+              <a:rPr lang="en-US" dirty="0" smtClean="0"/>
+              <a:t>Conclusion</a:t>
+            </a:r>
+            <a:endParaRPr lang="en-US" dirty="0"/>
+          </a:p>
+        </p:txBody>
+      </p:sp>
+      <p:sp>
+        <p:nvSpPr>
+          <p:cNvPr id="3" name="Date Placeholder 2"/>
+          <p:cNvSpPr>
+            <a:spLocks noGrp="1"/>
+          </p:cNvSpPr>
+          <p:nvPr>
+            <p:ph type="dt" sz="half" idx="10"/>
+          </p:nvPr>
+        </p:nvSpPr>
+        <p:spPr/>
+        <p:txBody>
+          <a:bodyPr/>
+          <a:lstStyle/>
+          <a:p>
+            <a:fld id="{E3C8A2D6-A616-4504-925B-170393655917}" type="datetime2">
+              <a:rPr lang="en-US" smtClean="0"/>
+              <a:t>Monday, December 17, 2018</a:t>
+            </a:fld>
+            <a:endParaRPr lang="en-US" dirty="0"/>
+          </a:p>
+        </p:txBody>
+      </p:sp>
+      <p:sp>
+        <p:nvSpPr>
+          <p:cNvPr id="4" name="Slide Number Placeholder 3"/>
+          <p:cNvSpPr>
+            <a:spLocks noGrp="1"/>
+          </p:cNvSpPr>
+          <p:nvPr>
+            <p:ph type="sldNum" sz="quarter" idx="11"/>
+          </p:nvPr>
+        </p:nvSpPr>
+        <p:spPr/>
+        <p:txBody>
+          <a:bodyPr/>
+          <a:lstStyle/>
+          <a:p>
+            <a:fld id="{1789C0F2-17E0-497A-9BBE-0C73201AAFE3}" type="slidenum">
+              <a:rPr lang="en-US" smtClean="0"/>
+              <a:pPr/>
+              <a:t>32</a:t>
+            </a:fld>
+            <a:endParaRPr lang="en-US" dirty="0"/>
+          </a:p>
+        </p:txBody>
+      </p:sp>
+      <p:sp>
+        <p:nvSpPr>
+          <p:cNvPr id="5" name="Footer Placeholder 4"/>
+          <p:cNvSpPr>
+            <a:spLocks noGrp="1"/>
+          </p:cNvSpPr>
+          <p:nvPr>
+            <p:ph type="ftr" sz="quarter" idx="12"/>
+          </p:nvPr>
+        </p:nvSpPr>
+        <p:spPr/>
+        <p:txBody>
+          <a:bodyPr/>
+          <a:lstStyle/>
+          <a:p>
+            <a:r>
+              <a:rPr lang="en-US" smtClean="0"/>
+              <a:t>Codecademy - Machine Learning Fundamentals – Tay Khek Yang</a:t>
+            </a:r>
+            <a:endParaRPr lang="en-US" dirty="0"/>
+          </a:p>
+        </p:txBody>
+      </p:sp>
+    </p:spTree>
+    <p:extLst>
+      <p:ext uri="{BB962C8B-B14F-4D97-AF65-F5344CB8AC3E}">
+        <p14:creationId xmlns:p14="http://schemas.microsoft.com/office/powerpoint/2010/main" val="1663061694"/>
       </p:ext>
     </p:extLst>
   </p:cSld>
@@ -13434,7 +16067,7 @@
           <a:p>
             <a:fld id="{86272B70-7F64-4F73-8F20-BB9EC051EBD1}" type="datetime2">
               <a:rPr lang="en-US" smtClean="0"/>
-              <a:t>Wednesday, December 12, 2018</a:t>
+              <a:t>Monday, December 17, 2018</a:t>
             </a:fld>
             <a:endParaRPr lang="en-US" dirty="0"/>
           </a:p>
@@ -13496,7 +16129,7 @@
         <p:spPr>
           <a:xfrm>
             <a:off x="6208123" y="1772816"/>
-            <a:ext cx="2210862" cy="1200329"/>
+            <a:ext cx="2278188" cy="923330"/>
           </a:xfrm>
           <a:prstGeom prst="rect">
             <a:avLst/>
@@ -13517,23 +16150,26 @@
           <a:p>
             <a:r>
               <a:rPr lang="en-US" dirty="0" smtClean="0"/>
-              <a:t>the age group of </a:t>
-            </a:r>
-          </a:p>
-          <a:p>
+              <a:t>the age </a:t>
+            </a:r>
+            <a:r>
+              <a:rPr lang="en-US" dirty="0" smtClean="0"/>
+              <a:t>of </a:t>
+            </a:r>
             <a:r>
               <a:rPr lang="en-US" dirty="0" err="1" smtClean="0"/>
               <a:t>OKCupid</a:t>
             </a:r>
+            <a:endParaRPr lang="en-US" dirty="0"/>
+          </a:p>
+          <a:p>
             <a:r>
               <a:rPr lang="en-US" dirty="0" smtClean="0"/>
-              <a:t> users in</a:t>
-            </a:r>
-          </a:p>
-          <a:p>
+              <a:t>users in </a:t>
+            </a:r>
             <a:r>
               <a:rPr lang="en-US" dirty="0" smtClean="0"/>
-              <a:t>the sample data</a:t>
+              <a:t>sample data</a:t>
             </a:r>
             <a:endParaRPr lang="en-US" dirty="0"/>
           </a:p>
@@ -13638,7 +16274,7 @@
           <a:p>
             <a:fld id="{957974BC-A22A-4832-823C-D725712DB18B}" type="datetime2">
               <a:rPr lang="en-US" smtClean="0"/>
-              <a:t>Wednesday, December 12, 2018</a:t>
+              <a:t>Monday, December 17, 2018</a:t>
             </a:fld>
             <a:endParaRPr lang="en-US" dirty="0"/>
           </a:p>
@@ -13700,7 +16336,7 @@
         <p:spPr>
           <a:xfrm>
             <a:off x="6208123" y="1772816"/>
-            <a:ext cx="2324675" cy="1200329"/>
+            <a:ext cx="2585964" cy="2031325"/>
           </a:xfrm>
           <a:prstGeom prst="rect">
             <a:avLst/>
@@ -13737,7 +16373,26 @@
           <a:p>
             <a:r>
               <a:rPr lang="en-US" dirty="0" smtClean="0"/>
-              <a:t>the sample data</a:t>
+              <a:t>the sample </a:t>
+            </a:r>
+            <a:r>
+              <a:rPr lang="en-US" dirty="0" smtClean="0"/>
+              <a:t>data</a:t>
+            </a:r>
+          </a:p>
+          <a:p>
+            <a:endParaRPr lang="en-US" dirty="0"/>
+          </a:p>
+          <a:p>
+            <a:r>
+              <a:rPr lang="en-US" dirty="0" smtClean="0"/>
+              <a:t>Note: A lot of -1s of </a:t>
+            </a:r>
+          </a:p>
+          <a:p>
+            <a:r>
+              <a:rPr lang="en-US" dirty="0" smtClean="0"/>
+              <a:t>Income is skewing data</a:t>
             </a:r>
             <a:endParaRPr lang="en-US" dirty="0"/>
           </a:p>
@@ -13797,7 +16452,7 @@
         </p:blipFill>
         <p:spPr>
           <a:xfrm>
-            <a:off x="467544" y="1052736"/>
+            <a:off x="683568" y="764704"/>
             <a:ext cx="5144672" cy="3378970"/>
           </a:xfrm>
         </p:spPr>
@@ -13818,10 +16473,10 @@
           <a:lstStyle/>
           <a:p>
             <a:r>
-              <a:rPr lang="en-US" sz="4000" dirty="0" smtClean="0"/>
-              <a:t>Income Groups (for base data)</a:t>
-            </a:r>
-            <a:endParaRPr lang="en-US" sz="4000" dirty="0"/>
+              <a:rPr lang="en-US" dirty="0" smtClean="0"/>
+              <a:t>N/A Income observation</a:t>
+            </a:r>
+            <a:endParaRPr lang="en-US" dirty="0"/>
           </a:p>
         </p:txBody>
       </p:sp>
@@ -13840,9 +16495,9 @@
           <a:bodyPr/>
           <a:lstStyle/>
           <a:p>
-            <a:fld id="{12F54165-306C-4C81-8F4A-7A24D8A03570}" type="datetime2">
-              <a:rPr lang="en-US" smtClean="0"/>
-              <a:t>Wednesday, December 12, 2018</a:t>
+            <a:fld id="{86272B70-7F64-4F73-8F20-BB9EC051EBD1}" type="datetime2">
+              <a:rPr lang="en-US" smtClean="0"/>
+              <a:t>Monday, December 17, 2018</a:t>
             </a:fld>
             <a:endParaRPr lang="en-US" dirty="0"/>
           </a:p>
@@ -13903,8 +16558,8 @@
         </p:nvSpPr>
         <p:spPr>
           <a:xfrm>
-            <a:off x="6208123" y="1772816"/>
-            <a:ext cx="2310248" cy="1200329"/>
+            <a:off x="5940150" y="764704"/>
+            <a:ext cx="2824235" cy="3416320"/>
           </a:xfrm>
           <a:prstGeom prst="rect">
             <a:avLst/>
@@ -13919,13 +16574,68 @@
           <a:p>
             <a:r>
               <a:rPr lang="en-US" dirty="0" smtClean="0"/>
-              <a:t>Some insight about </a:t>
+              <a:t>Observation of various</a:t>
             </a:r>
           </a:p>
           <a:p>
             <a:r>
               <a:rPr lang="en-US" dirty="0" smtClean="0"/>
-              <a:t>the income group of </a:t>
+              <a:t>job categories* which we </a:t>
+            </a:r>
+          </a:p>
+          <a:p>
+            <a:r>
+              <a:rPr lang="en-US" dirty="0" smtClean="0"/>
+              <a:t>expect some valid income</a:t>
+            </a:r>
+          </a:p>
+          <a:p>
+            <a:r>
+              <a:rPr lang="en-US" dirty="0" smtClean="0"/>
+              <a:t>value – but we are getting</a:t>
+            </a:r>
+          </a:p>
+          <a:p>
+            <a:r>
+              <a:rPr lang="en-US" dirty="0" smtClean="0"/>
+              <a:t>-1 (which is invalid or </a:t>
+            </a:r>
+          </a:p>
+          <a:p>
+            <a:r>
+              <a:rPr lang="en-US" dirty="0" smtClean="0"/>
+              <a:t>N/A)</a:t>
+            </a:r>
+          </a:p>
+          <a:p>
+            <a:endParaRPr lang="en-US" dirty="0"/>
+          </a:p>
+          <a:p>
+            <a:r>
+              <a:rPr lang="en-US" dirty="0" smtClean="0"/>
+              <a:t>We can conclude that</a:t>
+            </a:r>
+          </a:p>
+          <a:p>
+            <a:r>
+              <a:rPr lang="en-US" dirty="0" smtClean="0"/>
+              <a:t>quite a huge number of </a:t>
+            </a:r>
+          </a:p>
+          <a:p>
+            <a:r>
+              <a:rPr lang="en-US" dirty="0" smtClean="0"/>
+              <a:t>users are not </a:t>
+            </a:r>
+            <a:r>
+              <a:rPr lang="en-US" dirty="0" smtClean="0"/>
+              <a:t>sharing </a:t>
+            </a:r>
+          </a:p>
+          <a:p>
+            <a:r>
+              <a:rPr lang="en-US" dirty="0" smtClean="0"/>
+              <a:t>their income with </a:t>
             </a:r>
           </a:p>
           <a:p>
@@ -13933,24 +16643,56 @@
               <a:rPr lang="en-US" dirty="0" err="1" smtClean="0"/>
               <a:t>OKCupid</a:t>
             </a:r>
-            <a:r>
-              <a:rPr lang="en-US" dirty="0" smtClean="0"/>
-              <a:t> users in</a:t>
-            </a:r>
-          </a:p>
-          <a:p>
-            <a:r>
-              <a:rPr lang="en-US" dirty="0" smtClean="0"/>
-              <a:t>the sample data</a:t>
-            </a:r>
-            <a:endParaRPr lang="en-US" dirty="0"/>
+            <a:endParaRPr lang="en-US" dirty="0"/>
+          </a:p>
+        </p:txBody>
+      </p:sp>
+      <p:sp>
+        <p:nvSpPr>
+          <p:cNvPr id="9" name="TextBox 8"/>
+          <p:cNvSpPr txBox="1"/>
+          <p:nvPr/>
+        </p:nvSpPr>
+        <p:spPr>
+          <a:xfrm>
+            <a:off x="922111" y="4533914"/>
+            <a:ext cx="6192688" cy="246221"/>
+          </a:xfrm>
+          <a:prstGeom prst="rect">
+            <a:avLst/>
+          </a:prstGeom>
+          <a:noFill/>
+        </p:spPr>
+        <p:txBody>
+          <a:bodyPr wrap="square" rtlCol="0">
+            <a:spAutoFit/>
+          </a:bodyPr>
+          <a:lstStyle/>
+          <a:p>
+            <a:r>
+              <a:rPr lang="en-US" sz="1000" dirty="0" smtClean="0"/>
+              <a:t>*Details regarding job categorization is covered in later </a:t>
+            </a:r>
+            <a:r>
+              <a:rPr lang="en-US" sz="1000" dirty="0"/>
+              <a:t>slide: “New Columns – </a:t>
+            </a:r>
+            <a:r>
+              <a:rPr lang="en-US" sz="1000" dirty="0" err="1" smtClean="0"/>
+              <a:t>job_cat</a:t>
+            </a:r>
+            <a:r>
+              <a:rPr lang="en-US" sz="1000" dirty="0" smtClean="0"/>
+              <a:t>“ </a:t>
+            </a:r>
+            <a:endParaRPr lang="en-US" sz="1000" dirty="0"/>
           </a:p>
         </p:txBody>
       </p:sp>
     </p:spTree>
     <p:extLst>
       <p:ext uri="{BB962C8B-B14F-4D97-AF65-F5344CB8AC3E}">
-        <p14:creationId xmlns:p14="http://schemas.microsoft.com/office/powerpoint/2010/main" val="3588580153"/>
+        <p14:creationId xmlns:p14="http://schemas.microsoft.com/office/powerpoint/2010/main" val="880013045"/>
       </p:ext>
     </p:extLst>
   </p:cSld>
@@ -13977,369 +16719,6 @@
           <a:chExt cx="0" cy="0"/>
         </a:xfrm>
       </p:grpSpPr>
-      <p:graphicFrame>
-        <p:nvGraphicFramePr>
-          <p:cNvPr id="7" name="Content Placeholder 6"/>
-          <p:cNvGraphicFramePr>
-            <a:graphicFrameLocks noGrp="1"/>
-          </p:cNvGraphicFramePr>
-          <p:nvPr>
-            <p:ph idx="1"/>
-            <p:extLst>
-              <p:ext uri="{D42A27DB-BD31-4B8C-83A1-F6EECF244321}">
-                <p14:modId xmlns:p14="http://schemas.microsoft.com/office/powerpoint/2010/main" val="642786725"/>
-              </p:ext>
-            </p:extLst>
-          </p:nvPr>
-        </p:nvGraphicFramePr>
-        <p:xfrm>
-          <a:off x="1043608" y="836712"/>
-          <a:ext cx="6552729" cy="2485296"/>
-        </p:xfrm>
-        <a:graphic>
-          <a:graphicData uri="http://schemas.openxmlformats.org/drawingml/2006/table">
-            <a:tbl>
-              <a:tblPr firstRow="1" bandRow="1">
-                <a:tableStyleId>{5C22544A-7EE6-4342-B048-85BDC9FD1C3A}</a:tableStyleId>
-              </a:tblPr>
-              <a:tblGrid>
-                <a:gridCol w="938456"/>
-                <a:gridCol w="1365800"/>
-                <a:gridCol w="1080120"/>
-                <a:gridCol w="3168353"/>
-              </a:tblGrid>
-              <a:tr h="317686">
-                <a:tc>
-                  <a:txBody>
-                    <a:bodyPr/>
-                    <a:lstStyle/>
-                    <a:p>
-                      <a:r>
-                        <a:rPr lang="en-US" sz="1100" dirty="0" smtClean="0"/>
-                        <a:t>Income Group</a:t>
-                      </a:r>
-                      <a:endParaRPr lang="en-US" sz="1100" dirty="0"/>
-                    </a:p>
-                  </a:txBody>
-                  <a:tcPr/>
-                </a:tc>
-                <a:tc>
-                  <a:txBody>
-                    <a:bodyPr/>
-                    <a:lstStyle/>
-                    <a:p>
-                      <a:r>
-                        <a:rPr lang="en-US" sz="1100" dirty="0" smtClean="0"/>
-                        <a:t>Range</a:t>
-                      </a:r>
-                      <a:endParaRPr lang="en-US" sz="1100" dirty="0"/>
-                    </a:p>
-                  </a:txBody>
-                  <a:tcPr/>
-                </a:tc>
-                <a:tc>
-                  <a:txBody>
-                    <a:bodyPr/>
-                    <a:lstStyle/>
-                    <a:p>
-                      <a:r>
-                        <a:rPr lang="en-US" sz="1100" dirty="0" smtClean="0"/>
-                        <a:t>Value</a:t>
-                      </a:r>
-                      <a:endParaRPr lang="en-US" sz="1100" dirty="0"/>
-                    </a:p>
-                  </a:txBody>
-                  <a:tcPr/>
-                </a:tc>
-                <a:tc>
-                  <a:txBody>
-                    <a:bodyPr/>
-                    <a:lstStyle/>
-                    <a:p>
-                      <a:r>
-                        <a:rPr lang="en-US" sz="1100" dirty="0" smtClean="0"/>
-                        <a:t>Note</a:t>
-                      </a:r>
-                      <a:endParaRPr lang="en-US" sz="1100" dirty="0"/>
-                    </a:p>
-                  </a:txBody>
-                  <a:tcPr/>
-                </a:tc>
-              </a:tr>
-              <a:tr h="514644">
-                <a:tc>
-                  <a:txBody>
-                    <a:bodyPr/>
-                    <a:lstStyle/>
-                    <a:p>
-                      <a:r>
-                        <a:rPr lang="en-US" sz="1100" dirty="0" smtClean="0"/>
-                        <a:t>No Income</a:t>
-                      </a:r>
-                      <a:endParaRPr lang="en-US" sz="1100" dirty="0"/>
-                    </a:p>
-                  </a:txBody>
-                  <a:tcPr/>
-                </a:tc>
-                <a:tc>
-                  <a:txBody>
-                    <a:bodyPr/>
-                    <a:lstStyle/>
-                    <a:p>
-                      <a:r>
-                        <a:rPr lang="en-US" sz="1100" dirty="0" smtClean="0"/>
-                        <a:t>-1 </a:t>
-                      </a:r>
-                      <a:endParaRPr lang="en-US" sz="1100" dirty="0"/>
-                    </a:p>
-                  </a:txBody>
-                  <a:tcPr/>
-                </a:tc>
-                <a:tc>
-                  <a:txBody>
-                    <a:bodyPr/>
-                    <a:lstStyle/>
-                    <a:p>
-                      <a:r>
-                        <a:rPr lang="en-US" sz="1100" dirty="0" smtClean="0"/>
-                        <a:t>1</a:t>
-                      </a:r>
-                      <a:endParaRPr lang="en-US" sz="1100" dirty="0"/>
-                    </a:p>
-                  </a:txBody>
-                  <a:tcPr/>
-                </a:tc>
-                <a:tc>
-                  <a:txBody>
-                    <a:bodyPr/>
-                    <a:lstStyle/>
-                    <a:p>
-                      <a:r>
-                        <a:rPr lang="en-US" sz="1100" dirty="0" smtClean="0"/>
-                        <a:t>An assumption is made here –where the value of “-1” indicates no income for the specific user</a:t>
-                      </a:r>
-                      <a:endParaRPr lang="en-US" sz="1100" dirty="0"/>
-                    </a:p>
-                  </a:txBody>
-                  <a:tcPr/>
-                </a:tc>
-              </a:tr>
-              <a:tr h="514644">
-                <a:tc>
-                  <a:txBody>
-                    <a:bodyPr/>
-                    <a:lstStyle/>
-                    <a:p>
-                      <a:r>
-                        <a:rPr lang="en-US" sz="1100" dirty="0" smtClean="0"/>
-                        <a:t>Low Income</a:t>
-                      </a:r>
-                      <a:endParaRPr lang="en-US" sz="1100" dirty="0"/>
-                    </a:p>
-                  </a:txBody>
-                  <a:tcPr/>
-                </a:tc>
-                <a:tc>
-                  <a:txBody>
-                    <a:bodyPr/>
-                    <a:lstStyle/>
-                    <a:p>
-                      <a:r>
-                        <a:rPr lang="en-US" sz="1100" dirty="0" smtClean="0"/>
-                        <a:t>0 – 45 000</a:t>
-                      </a:r>
-                      <a:endParaRPr lang="en-US" sz="1100" dirty="0"/>
-                    </a:p>
-                  </a:txBody>
-                  <a:tcPr/>
-                </a:tc>
-                <a:tc>
-                  <a:txBody>
-                    <a:bodyPr/>
-                    <a:lstStyle/>
-                    <a:p>
-                      <a:r>
-                        <a:rPr lang="en-US" sz="1100" dirty="0" smtClean="0"/>
-                        <a:t>2</a:t>
-                      </a:r>
-                      <a:endParaRPr lang="en-US" sz="1100" dirty="0"/>
-                    </a:p>
-                  </a:txBody>
-                  <a:tcPr/>
-                </a:tc>
-                <a:tc>
-                  <a:txBody>
-                    <a:bodyPr/>
-                    <a:lstStyle/>
-                    <a:p>
-                      <a:r>
-                        <a:rPr lang="en-US" sz="1100" dirty="0" smtClean="0"/>
-                        <a:t>Referring to links* referenced below</a:t>
-                      </a:r>
-                      <a:endParaRPr lang="en-US" sz="1100" dirty="0"/>
-                    </a:p>
-                  </a:txBody>
-                  <a:tcPr/>
-                </a:tc>
-              </a:tr>
-              <a:tr h="514644">
-                <a:tc>
-                  <a:txBody>
-                    <a:bodyPr/>
-                    <a:lstStyle/>
-                    <a:p>
-                      <a:r>
-                        <a:rPr lang="en-US" sz="1100" dirty="0" smtClean="0"/>
-                        <a:t>Mid Income</a:t>
-                      </a:r>
-                      <a:endParaRPr lang="en-US" sz="1100" dirty="0"/>
-                    </a:p>
-                  </a:txBody>
-                  <a:tcPr/>
-                </a:tc>
-                <a:tc>
-                  <a:txBody>
-                    <a:bodyPr/>
-                    <a:lstStyle/>
-                    <a:p>
-                      <a:r>
-                        <a:rPr lang="en-US" sz="1100" dirty="0" smtClean="0"/>
-                        <a:t>45 000 – 135 000</a:t>
-                      </a:r>
-                      <a:endParaRPr lang="en-US" sz="1100" dirty="0"/>
-                    </a:p>
-                  </a:txBody>
-                  <a:tcPr/>
-                </a:tc>
-                <a:tc>
-                  <a:txBody>
-                    <a:bodyPr/>
-                    <a:lstStyle/>
-                    <a:p>
-                      <a:r>
-                        <a:rPr lang="en-US" sz="1100" dirty="0" smtClean="0"/>
-                        <a:t>3</a:t>
-                      </a:r>
-                      <a:endParaRPr lang="en-US" sz="1100" dirty="0"/>
-                    </a:p>
-                  </a:txBody>
-                  <a:tcPr/>
-                </a:tc>
-                <a:tc>
-                  <a:txBody>
-                    <a:bodyPr/>
-                    <a:lstStyle/>
-                    <a:p>
-                      <a:pPr marL="0" marR="0" indent="0" algn="l" defTabSz="914400" rtl="0" eaLnBrk="1" fontAlgn="auto" latinLnBrk="0" hangingPunct="1">
-                        <a:lnSpc>
-                          <a:spcPct val="100000"/>
-                        </a:lnSpc>
-                        <a:spcBef>
-                          <a:spcPts val="0"/>
-                        </a:spcBef>
-                        <a:spcAft>
-                          <a:spcPts val="0"/>
-                        </a:spcAft>
-                        <a:buClrTx/>
-                        <a:buSzTx/>
-                        <a:buFontTx/>
-                        <a:buNone/>
-                        <a:tabLst/>
-                        <a:defRPr/>
-                      </a:pPr>
-                      <a:r>
-                        <a:rPr lang="en-US" sz="1100" dirty="0" smtClean="0"/>
-                        <a:t>Referring to links* referenced below</a:t>
-                      </a:r>
-                    </a:p>
-                    <a:p>
-                      <a:endParaRPr lang="en-US" sz="1100" dirty="0"/>
-                    </a:p>
-                  </a:txBody>
-                  <a:tcPr/>
-                </a:tc>
-              </a:tr>
-              <a:tr h="514644">
-                <a:tc>
-                  <a:txBody>
-                    <a:bodyPr/>
-                    <a:lstStyle/>
-                    <a:p>
-                      <a:r>
-                        <a:rPr lang="en-US" sz="1100" dirty="0" smtClean="0"/>
-                        <a:t>High Income</a:t>
-                      </a:r>
-                      <a:endParaRPr lang="en-US" sz="1100" dirty="0"/>
-                    </a:p>
-                  </a:txBody>
-                  <a:tcPr/>
-                </a:tc>
-                <a:tc>
-                  <a:txBody>
-                    <a:bodyPr/>
-                    <a:lstStyle/>
-                    <a:p>
-                      <a:r>
-                        <a:rPr lang="en-US" sz="1100" dirty="0" smtClean="0"/>
-                        <a:t>135 000 - Above</a:t>
-                      </a:r>
-                      <a:endParaRPr lang="en-US" sz="1100" dirty="0"/>
-                    </a:p>
-                  </a:txBody>
-                  <a:tcPr/>
-                </a:tc>
-                <a:tc>
-                  <a:txBody>
-                    <a:bodyPr/>
-                    <a:lstStyle/>
-                    <a:p>
-                      <a:r>
-                        <a:rPr lang="en-US" sz="1100" dirty="0" smtClean="0"/>
-                        <a:t>4</a:t>
-                      </a:r>
-                      <a:endParaRPr lang="en-US" sz="1100" dirty="0"/>
-                    </a:p>
-                  </a:txBody>
-                  <a:tcPr/>
-                </a:tc>
-                <a:tc>
-                  <a:txBody>
-                    <a:bodyPr/>
-                    <a:lstStyle/>
-                    <a:p>
-                      <a:pPr marL="0" marR="0" indent="0" algn="l" defTabSz="914400" rtl="0" eaLnBrk="1" fontAlgn="auto" latinLnBrk="0" hangingPunct="1">
-                        <a:lnSpc>
-                          <a:spcPct val="100000"/>
-                        </a:lnSpc>
-                        <a:spcBef>
-                          <a:spcPts val="0"/>
-                        </a:spcBef>
-                        <a:spcAft>
-                          <a:spcPts val="0"/>
-                        </a:spcAft>
-                        <a:buClrTx/>
-                        <a:buSzTx/>
-                        <a:buFontTx/>
-                        <a:buNone/>
-                        <a:tabLst/>
-                        <a:defRPr/>
-                      </a:pPr>
-                      <a:r>
-                        <a:rPr lang="en-US" sz="1100" dirty="0" smtClean="0"/>
-                        <a:t>Referring to links* referenced below</a:t>
-                      </a:r>
-                    </a:p>
-                    <a:p>
-                      <a:endParaRPr lang="en-US" sz="1100" dirty="0"/>
-                    </a:p>
-                  </a:txBody>
-                  <a:tcPr/>
-                </a:tc>
-              </a:tr>
-            </a:tbl>
-          </a:graphicData>
-        </a:graphic>
-      </p:graphicFrame>
       <p:sp>
         <p:nvSpPr>
           <p:cNvPr id="3" name="Title 2"/>
@@ -14357,18 +16736,11 @@
           <a:p>
             <a:r>
               <a:rPr lang="en-US" sz="4000" dirty="0" smtClean="0"/>
-              <a:t>Income Groups (for base data)</a:t>
-            </a:r>
-            <a:br>
+              <a:t>Income Groups </a:t>
+            </a:r>
+            <a:r>
               <a:rPr lang="en-US" sz="4000" dirty="0" smtClean="0"/>
-            </a:br>
-            <a:r>
-              <a:rPr lang="en-US" sz="4000" dirty="0" err="1" smtClean="0"/>
-              <a:t>cont</a:t>
-            </a:r>
-            <a:r>
-              <a:rPr lang="en-US" sz="4000" dirty="0" smtClean="0"/>
-              <a:t>’</a:t>
+              <a:t>(non-STEM / Finance)</a:t>
             </a:r>
             <a:endParaRPr lang="en-US" sz="4000" dirty="0"/>
           </a:p>
@@ -14389,9 +16761,9 @@
           <a:bodyPr/>
           <a:lstStyle/>
           <a:p>
-            <a:fld id="{86272B70-7F64-4F73-8F20-BB9EC051EBD1}" type="datetime2">
-              <a:rPr lang="en-US" smtClean="0"/>
-              <a:t>Wednesday, December 12, 2018</a:t>
+            <a:fld id="{12F54165-306C-4C81-8F4A-7A24D8A03570}" type="datetime2">
+              <a:rPr lang="en-US" smtClean="0"/>
+              <a:t>Monday, December 17, 2018</a:t>
             </a:fld>
             <a:endParaRPr lang="en-US" dirty="0"/>
           </a:p>
@@ -14452,8 +16824,8 @@
         </p:nvSpPr>
         <p:spPr>
           <a:xfrm>
-            <a:off x="827584" y="3896027"/>
-            <a:ext cx="5250155" cy="400110"/>
+            <a:off x="6208123" y="1772816"/>
+            <a:ext cx="2262158" cy="923330"/>
           </a:xfrm>
           <a:prstGeom prst="rect">
             <a:avLst/>
@@ -14467,34 +16839,58 @@
           <a:lstStyle/>
           <a:p>
             <a:r>
-              <a:rPr lang="en-US" sz="1000" dirty="0"/>
-              <a:t>*http</a:t>
-            </a:r>
-            <a:r>
-              <a:rPr lang="en-US" sz="1000" dirty="0"/>
-              <a:t>://</a:t>
-            </a:r>
-            <a:r>
-              <a:rPr lang="en-US" sz="1000" dirty="0"/>
-              <a:t>www.pewresearch.org/fact-tank/2018/09/06/are-you-in-the-american-middle-class</a:t>
-            </a:r>
-          </a:p>
-          <a:p>
-            <a:r>
-              <a:rPr lang="en-US" sz="1000" dirty="0" smtClean="0"/>
-              <a:t>*https</a:t>
-            </a:r>
-            <a:r>
-              <a:rPr lang="en-US" sz="1000" dirty="0"/>
-              <a:t>://www.cnbc.com/2018/09/26/how-many-americans-qualify-as-middle-class.html</a:t>
-            </a:r>
-          </a:p>
-        </p:txBody>
-      </p:sp>
+              <a:rPr lang="en-US" dirty="0" smtClean="0"/>
+              <a:t>Income Category of</a:t>
+            </a:r>
+          </a:p>
+          <a:p>
+            <a:r>
+              <a:rPr lang="en-US" dirty="0" smtClean="0"/>
+              <a:t>non-STEM / Finance</a:t>
+            </a:r>
+          </a:p>
+          <a:p>
+            <a:r>
+              <a:rPr lang="en-US" dirty="0" smtClean="0"/>
+              <a:t>job types</a:t>
+            </a:r>
+            <a:endParaRPr lang="en-US" dirty="0"/>
+          </a:p>
+        </p:txBody>
+      </p:sp>
+      <p:pic>
+        <p:nvPicPr>
+          <p:cNvPr id="9" name="Content Placeholder 8"/>
+          <p:cNvPicPr>
+            <a:picLocks noGrp="1" noChangeAspect="1"/>
+          </p:cNvPicPr>
+          <p:nvPr>
+            <p:ph idx="1"/>
+          </p:nvPr>
+        </p:nvPicPr>
+        <p:blipFill>
+          <a:blip r:embed="rId2">
+            <a:extLst>
+              <a:ext uri="{28A0092B-C50C-407E-A947-70E740481C1C}">
+                <a14:useLocalDpi xmlns:a14="http://schemas.microsoft.com/office/drawing/2010/main" val="0"/>
+              </a:ext>
+            </a:extLst>
+          </a:blip>
+          <a:stretch>
+            <a:fillRect/>
+          </a:stretch>
+        </p:blipFill>
+        <p:spPr>
+          <a:xfrm>
+            <a:off x="899592" y="980728"/>
+            <a:ext cx="5055752" cy="3378970"/>
+          </a:xfrm>
+        </p:spPr>
+      </p:pic>
     </p:spTree>
     <p:extLst>
       <p:ext uri="{BB962C8B-B14F-4D97-AF65-F5344CB8AC3E}">
-        <p14:creationId xmlns:p14="http://schemas.microsoft.com/office/powerpoint/2010/main" val="3425087071"/>
+        <p14:creationId xmlns:p14="http://schemas.microsoft.com/office/powerpoint/2010/main" val="3588580153"/>
       </p:ext>
     </p:extLst>
   </p:cSld>
@@ -14523,12 +16919,12 @@
       </p:grpSpPr>
       <p:sp>
         <p:nvSpPr>
-          <p:cNvPr id="8" name="Text Placeholder 7"/>
-          <p:cNvSpPr>
-            <a:spLocks noGrp="1"/>
-          </p:cNvSpPr>
-          <p:nvPr>
-            <p:ph type="body" idx="1"/>
+          <p:cNvPr id="3" name="Title 2"/>
+          <p:cNvSpPr>
+            <a:spLocks noGrp="1"/>
+          </p:cNvSpPr>
+          <p:nvPr>
+            <p:ph type="title"/>
           </p:nvPr>
         </p:nvSpPr>
         <p:spPr/>
@@ -14537,26 +16933,14 @@
           <a:lstStyle/>
           <a:p>
             <a:r>
-              <a:rPr lang="en-US" dirty="0" err="1"/>
-              <a:t>Codecademy</a:t>
-            </a:r>
-            <a:r>
-              <a:rPr lang="en-US" dirty="0"/>
-              <a:t> - </a:t>
-            </a:r>
-            <a:r>
-              <a:rPr lang="en-US" dirty="0" err="1"/>
-              <a:t>OKCupid</a:t>
-            </a:r>
-            <a:r>
-              <a:rPr lang="en-US" dirty="0"/>
-              <a:t> sample </a:t>
-            </a:r>
-            <a:r>
-              <a:rPr lang="en-US" dirty="0" smtClean="0"/>
-              <a:t>data</a:t>
-            </a:r>
-            <a:endParaRPr lang="en-US" dirty="0"/>
+              <a:rPr lang="en-US" sz="4000" dirty="0" smtClean="0"/>
+              <a:t>Income Groups (for </a:t>
+            </a:r>
+            <a:r>
+              <a:rPr lang="en-US" sz="4000" dirty="0" smtClean="0"/>
+              <a:t>STEM)</a:t>
+            </a:r>
+            <a:endParaRPr lang="en-US" sz="4000" dirty="0"/>
           </a:p>
         </p:txBody>
       </p:sp>
@@ -14575,9 +16959,9 @@
           <a:bodyPr/>
           <a:lstStyle/>
           <a:p>
-            <a:fld id="{86272B70-7F64-4F73-8F20-BB9EC051EBD1}" type="datetime2">
-              <a:rPr lang="en-US" smtClean="0"/>
-              <a:t>Wednesday, December 12, 2018</a:t>
+            <a:fld id="{12F54165-306C-4C81-8F4A-7A24D8A03570}" type="datetime2">
+              <a:rPr lang="en-US" smtClean="0"/>
+              <a:t>Monday, December 17, 2018</a:t>
             </a:fld>
             <a:endParaRPr lang="en-US" dirty="0"/>
           </a:p>
@@ -14632,38 +17016,77 @@
       </p:sp>
       <p:sp>
         <p:nvSpPr>
-          <p:cNvPr id="7" name="Title 6"/>
-          <p:cNvSpPr>
-            <a:spLocks noGrp="1"/>
-          </p:cNvSpPr>
-          <p:nvPr>
-            <p:ph type="title"/>
-          </p:nvPr>
-        </p:nvSpPr>
-        <p:spPr/>
-        <p:txBody>
-          <a:bodyPr/>
-          <a:lstStyle/>
-          <a:p>
-            <a:r>
-              <a:rPr lang="en-US" dirty="0">
-                <a:effectLst/>
-              </a:rPr>
-              <a:t>Statement of Question</a:t>
-            </a:r>
-            <a:br>
-              <a:rPr lang="en-US" dirty="0">
-                <a:effectLst/>
-              </a:rPr>
-            </a:br>
-            <a:endParaRPr lang="en-US" dirty="0"/>
-          </a:p>
-        </p:txBody>
-      </p:sp>
+          <p:cNvPr id="8" name="TextBox 7"/>
+          <p:cNvSpPr txBox="1"/>
+          <p:nvPr/>
+        </p:nvSpPr>
+        <p:spPr>
+          <a:xfrm>
+            <a:off x="6208123" y="1772816"/>
+            <a:ext cx="2199641" cy="646331"/>
+          </a:xfrm>
+          <a:prstGeom prst="rect">
+            <a:avLst/>
+          </a:prstGeom>
+          <a:noFill/>
+        </p:spPr>
+        <p:txBody>
+          <a:bodyPr wrap="none" rtlCol="0">
+            <a:spAutoFit/>
+          </a:bodyPr>
+          <a:lstStyle/>
+          <a:p>
+            <a:r>
+              <a:rPr lang="en-US" dirty="0" smtClean="0"/>
+              <a:t>Income Category of</a:t>
+            </a:r>
+          </a:p>
+          <a:p>
+            <a:r>
+              <a:rPr lang="en-US" dirty="0" smtClean="0"/>
+              <a:t>STEM </a:t>
+            </a:r>
+            <a:r>
+              <a:rPr lang="en-US" dirty="0" smtClean="0"/>
+              <a:t>job types</a:t>
+            </a:r>
+            <a:endParaRPr lang="en-US" dirty="0"/>
+          </a:p>
+        </p:txBody>
+      </p:sp>
+      <p:pic>
+        <p:nvPicPr>
+          <p:cNvPr id="7" name="Content Placeholder 6"/>
+          <p:cNvPicPr>
+            <a:picLocks noGrp="1" noChangeAspect="1"/>
+          </p:cNvPicPr>
+          <p:nvPr>
+            <p:ph idx="1"/>
+          </p:nvPr>
+        </p:nvPicPr>
+        <p:blipFill>
+          <a:blip r:embed="rId2">
+            <a:extLst>
+              <a:ext uri="{28A0092B-C50C-407E-A947-70E740481C1C}">
+                <a14:useLocalDpi xmlns:a14="http://schemas.microsoft.com/office/drawing/2010/main" val="0"/>
+              </a:ext>
+            </a:extLst>
+          </a:blip>
+          <a:stretch>
+            <a:fillRect/>
+          </a:stretch>
+        </p:blipFill>
+        <p:spPr>
+          <a:xfrm>
+            <a:off x="539552" y="908720"/>
+            <a:ext cx="5068455" cy="3378970"/>
+          </a:xfrm>
+        </p:spPr>
+      </p:pic>
     </p:spTree>
     <p:extLst>
       <p:ext uri="{BB962C8B-B14F-4D97-AF65-F5344CB8AC3E}">
-        <p14:creationId xmlns:p14="http://schemas.microsoft.com/office/powerpoint/2010/main" val="3845288520"/>
+        <p14:creationId xmlns:p14="http://schemas.microsoft.com/office/powerpoint/2010/main" val="1540374044"/>
       </p:ext>
     </p:extLst>
   </p:cSld>
@@ -14692,12 +17115,12 @@
       </p:grpSpPr>
       <p:sp>
         <p:nvSpPr>
-          <p:cNvPr id="8" name="Content Placeholder 7"/>
-          <p:cNvSpPr>
-            <a:spLocks noGrp="1"/>
-          </p:cNvSpPr>
-          <p:nvPr>
-            <p:ph idx="1"/>
+          <p:cNvPr id="3" name="Title 2"/>
+          <p:cNvSpPr>
+            <a:spLocks noGrp="1"/>
+          </p:cNvSpPr>
+          <p:nvPr>
+            <p:ph type="title"/>
           </p:nvPr>
         </p:nvSpPr>
         <p:spPr/>
@@ -14706,45 +17129,25 @@
           <a:lstStyle/>
           <a:p>
             <a:r>
-              <a:rPr lang="en-US" dirty="0" smtClean="0"/>
-              <a:t>From a logical point of view – we believe that Age / Education / Job (type) impacts the income group which a </a:t>
-            </a:r>
-            <a:r>
-              <a:rPr lang="en-US" dirty="0" err="1" smtClean="0"/>
-              <a:t>OKCupid</a:t>
-            </a:r>
-            <a:r>
-              <a:rPr lang="en-US" dirty="0" smtClean="0"/>
-              <a:t> user will be in – We will then test whether this 3 categories can / will impact the income group?</a:t>
-            </a:r>
-          </a:p>
-          <a:p>
-            <a:r>
-              <a:rPr lang="en-US" dirty="0" smtClean="0"/>
-              <a:t>We will predict and try to find out the income group of </a:t>
-            </a:r>
-            <a:r>
-              <a:rPr lang="en-US" dirty="0" err="1" smtClean="0"/>
-              <a:t>OKCupid</a:t>
-            </a:r>
-            <a:r>
-              <a:rPr lang="en-US" dirty="0" smtClean="0"/>
-              <a:t> users who refused / did not specify their job (type)</a:t>
-            </a:r>
-          </a:p>
-          <a:p>
-            <a:endParaRPr lang="en-US" dirty="0"/>
-          </a:p>
-        </p:txBody>
-      </p:sp>
-      <p:sp>
-        <p:nvSpPr>
-          <p:cNvPr id="7" name="Title 6"/>
-          <p:cNvSpPr>
-            <a:spLocks noGrp="1"/>
-          </p:cNvSpPr>
-          <p:nvPr>
-            <p:ph type="title"/>
+              <a:rPr lang="en-US" sz="4000" dirty="0" smtClean="0"/>
+              <a:t>Income Groups (for </a:t>
+            </a:r>
+            <a:r>
+              <a:rPr lang="en-US" sz="4000" dirty="0" smtClean="0"/>
+              <a:t>Finance)</a:t>
+            </a:r>
+            <a:endParaRPr lang="en-US" sz="4000" dirty="0"/>
+          </a:p>
+        </p:txBody>
+      </p:sp>
+      <p:sp>
+        <p:nvSpPr>
+          <p:cNvPr id="4" name="Date Placeholder 3"/>
+          <p:cNvSpPr>
+            <a:spLocks noGrp="1"/>
+          </p:cNvSpPr>
+          <p:nvPr>
+            <p:ph type="dt" sz="half" idx="10"/>
           </p:nvPr>
         </p:nvSpPr>
         <p:spPr/>
@@ -14752,32 +17155,9 @@
           <a:bodyPr/>
           <a:lstStyle/>
           <a:p>
-            <a:r>
-              <a:rPr lang="en-US" dirty="0" smtClean="0"/>
-              <a:t>Statement of Question</a:t>
-            </a:r>
-            <a:endParaRPr lang="en-US" dirty="0"/>
-          </a:p>
-        </p:txBody>
-      </p:sp>
-      <p:sp>
-        <p:nvSpPr>
-          <p:cNvPr id="3" name="Date Placeholder 2"/>
-          <p:cNvSpPr>
-            <a:spLocks noGrp="1"/>
-          </p:cNvSpPr>
-          <p:nvPr>
-            <p:ph type="dt" sz="half" idx="10"/>
-          </p:nvPr>
-        </p:nvSpPr>
-        <p:spPr/>
-        <p:txBody>
-          <a:bodyPr/>
-          <a:lstStyle/>
-          <a:p>
-            <a:fld id="{E3C8A2D6-A616-4504-925B-170393655917}" type="datetime2">
-              <a:rPr lang="en-US" smtClean="0"/>
-              <a:t>Wednesday, December 12, 2018</a:t>
+            <a:fld id="{12F54165-306C-4C81-8F4A-7A24D8A03570}" type="datetime2">
+              <a:rPr lang="en-US" smtClean="0"/>
+              <a:t>Monday, December 17, 2018</a:t>
             </a:fld>
             <a:endParaRPr lang="en-US" dirty="0"/>
           </a:p>
@@ -14785,7 +17165,7 @@
       </p:sp>
       <p:sp>
         <p:nvSpPr>
-          <p:cNvPr id="4" name="Slide Number Placeholder 3"/>
+          <p:cNvPr id="5" name="Slide Number Placeholder 4"/>
           <p:cNvSpPr>
             <a:spLocks noGrp="1"/>
           </p:cNvSpPr>
@@ -14809,7 +17189,7 @@
       </p:sp>
       <p:sp>
         <p:nvSpPr>
-          <p:cNvPr id="5" name="Footer Placeholder 4"/>
+          <p:cNvPr id="6" name="Footer Placeholder 5"/>
           <p:cNvSpPr>
             <a:spLocks noGrp="1"/>
           </p:cNvSpPr>
@@ -14830,10 +17210,79 @@
           </a:p>
         </p:txBody>
       </p:sp>
+      <p:sp>
+        <p:nvSpPr>
+          <p:cNvPr id="8" name="TextBox 7"/>
+          <p:cNvSpPr txBox="1"/>
+          <p:nvPr/>
+        </p:nvSpPr>
+        <p:spPr>
+          <a:xfrm>
+            <a:off x="6208123" y="1772816"/>
+            <a:ext cx="2199641" cy="646331"/>
+          </a:xfrm>
+          <a:prstGeom prst="rect">
+            <a:avLst/>
+          </a:prstGeom>
+          <a:noFill/>
+        </p:spPr>
+        <p:txBody>
+          <a:bodyPr wrap="none" rtlCol="0">
+            <a:spAutoFit/>
+          </a:bodyPr>
+          <a:lstStyle/>
+          <a:p>
+            <a:r>
+              <a:rPr lang="en-US" dirty="0" smtClean="0"/>
+              <a:t>Income Category of</a:t>
+            </a:r>
+          </a:p>
+          <a:p>
+            <a:r>
+              <a:rPr lang="en-US" dirty="0" smtClean="0"/>
+              <a:t>Finance </a:t>
+            </a:r>
+            <a:r>
+              <a:rPr lang="en-US" dirty="0" smtClean="0"/>
+              <a:t>job types</a:t>
+            </a:r>
+            <a:endParaRPr lang="en-US" dirty="0"/>
+          </a:p>
+        </p:txBody>
+      </p:sp>
+      <p:pic>
+        <p:nvPicPr>
+          <p:cNvPr id="7" name="Content Placeholder 6"/>
+          <p:cNvPicPr>
+            <a:picLocks noGrp="1" noChangeAspect="1"/>
+          </p:cNvPicPr>
+          <p:nvPr>
+            <p:ph idx="1"/>
+          </p:nvPr>
+        </p:nvPicPr>
+        <p:blipFill>
+          <a:blip r:embed="rId2">
+            <a:extLst>
+              <a:ext uri="{28A0092B-C50C-407E-A947-70E740481C1C}">
+                <a14:useLocalDpi xmlns:a14="http://schemas.microsoft.com/office/drawing/2010/main" val="0"/>
+              </a:ext>
+            </a:extLst>
+          </a:blip>
+          <a:stretch>
+            <a:fillRect/>
+          </a:stretch>
+        </p:blipFill>
+        <p:spPr>
+          <a:xfrm>
+            <a:off x="971600" y="836712"/>
+            <a:ext cx="4979534" cy="3378970"/>
+          </a:xfrm>
+        </p:spPr>
+      </p:pic>
     </p:spTree>
     <p:extLst>
       <p:ext uri="{BB962C8B-B14F-4D97-AF65-F5344CB8AC3E}">
-        <p14:creationId xmlns:p14="http://schemas.microsoft.com/office/powerpoint/2010/main" val="1784502787"/>
+        <p14:creationId xmlns:p14="http://schemas.microsoft.com/office/powerpoint/2010/main" val="2696710052"/>
       </p:ext>
     </p:extLst>
   </p:cSld>
